--- a/extras/media/dataflow.pptx
+++ b/extras/media/dataflow.pptx
@@ -1946,7 +1946,7 @@
           <a:bodyPr lIns="0" rIns="0" tIns="0" bIns="0"/>
           <a:p>
             <a:pPr algn="r"/>
-            <a:fld id="{21544199-4FBB-4F39-8CCD-F7A2DC8742ED}" type="slidenum">
+            <a:fld id="{1E6A3586-BE71-4F13-B1B2-A1F2A0C457F6}" type="slidenum">
               <a:rPr b="0" lang="en-US" sz="1400" spc="-1" strike="noStrike">
                 <a:solidFill>
                   <a:srgbClr val="000000"/>
@@ -2011,8 +2011,807 @@
           <a:chExt cx="0" cy="0"/>
         </a:xfrm>
       </p:grpSpPr>
+      <p:sp>
+        <p:nvSpPr>
+          <p:cNvPr id="39" name="CustomShape 1"/>
+          <p:cNvSpPr/>
+          <p:nvPr/>
+        </p:nvSpPr>
+        <p:spPr>
+          <a:xfrm>
+            <a:off x="224640" y="1828800"/>
+            <a:ext cx="1554480" cy="822960"/>
+          </a:xfrm>
+          <a:prstGeom prst="ellipse">
+            <a:avLst/>
+          </a:prstGeom>
+          <a:solidFill>
+            <a:srgbClr val="729fcf"/>
+          </a:solidFill>
+          <a:ln>
+            <a:solidFill>
+              <a:srgbClr val="000000"/>
+            </a:solidFill>
+          </a:ln>
+        </p:spPr>
+        <p:style>
+          <a:lnRef idx="0"/>
+          <a:fillRef idx="0"/>
+          <a:effectRef idx="0"/>
+          <a:fontRef idx="minor"/>
+        </p:style>
+      </p:sp>
+      <p:sp>
+        <p:nvSpPr>
+          <p:cNvPr id="40" name="TextShape 2"/>
+          <p:cNvSpPr txBox="1"/>
+          <p:nvPr/>
+        </p:nvSpPr>
+        <p:spPr>
+          <a:xfrm>
+            <a:off x="319320" y="2103120"/>
+            <a:ext cx="1387800" cy="316080"/>
+          </a:xfrm>
+          <a:prstGeom prst="rect">
+            <a:avLst/>
+          </a:prstGeom>
+          <a:noFill/>
+          <a:ln>
+            <a:noFill/>
+          </a:ln>
+        </p:spPr>
+        <p:txBody>
+          <a:bodyPr lIns="90000" rIns="90000" tIns="45000" bIns="45000"/>
+          <a:p>
+            <a:r>
+              <a:rPr b="0" lang="en-US" sz="1600" spc="-1" strike="noStrike">
+                <a:solidFill>
+                  <a:srgbClr val="000000"/>
+                </a:solidFill>
+                <a:uFill>
+                  <a:solidFill>
+                    <a:srgbClr val="ffffff"/>
+                  </a:solidFill>
+                </a:uFill>
+                <a:latin typeface="Arial"/>
+              </a:rPr>
+              <a:t>R/C Receiver</a:t>
+            </a:r>
+            <a:endParaRPr b="0" lang="en-US" sz="1800" spc="-1" strike="noStrike">
+              <a:solidFill>
+                <a:srgbClr val="000000"/>
+              </a:solidFill>
+              <a:uFill>
+                <a:solidFill>
+                  <a:srgbClr val="ffffff"/>
+                </a:solidFill>
+              </a:uFill>
+              <a:latin typeface="Arial"/>
+            </a:endParaRPr>
+          </a:p>
+        </p:txBody>
+      </p:sp>
+      <p:sp>
+        <p:nvSpPr>
+          <p:cNvPr id="41" name="CustomShape 3"/>
+          <p:cNvSpPr/>
+          <p:nvPr/>
+        </p:nvSpPr>
+        <p:spPr>
+          <a:xfrm>
+            <a:off x="2377440" y="2011680"/>
+            <a:ext cx="1385280" cy="457200"/>
+          </a:xfrm>
+          <a:prstGeom prst="rect">
+            <a:avLst/>
+          </a:prstGeom>
+          <a:solidFill>
+            <a:srgbClr val="ff6600">
+              <a:alpha val="50000"/>
+            </a:srgbClr>
+          </a:solidFill>
+          <a:ln>
+            <a:solidFill>
+              <a:srgbClr val="000000"/>
+            </a:solidFill>
+          </a:ln>
+        </p:spPr>
+        <p:style>
+          <a:lnRef idx="0"/>
+          <a:fillRef idx="0"/>
+          <a:effectRef idx="0"/>
+          <a:fontRef idx="minor"/>
+        </p:style>
+      </p:sp>
+      <p:sp>
+        <p:nvSpPr>
+          <p:cNvPr id="42" name="TextShape 4"/>
+          <p:cNvSpPr txBox="1"/>
+          <p:nvPr/>
+        </p:nvSpPr>
+        <p:spPr>
+          <a:xfrm>
+            <a:off x="2515680" y="2103120"/>
+            <a:ext cx="1049400" cy="316080"/>
+          </a:xfrm>
+          <a:prstGeom prst="rect">
+            <a:avLst/>
+          </a:prstGeom>
+          <a:noFill/>
+          <a:ln>
+            <a:noFill/>
+          </a:ln>
+        </p:spPr>
+        <p:txBody>
+          <a:bodyPr lIns="90000" rIns="90000" tIns="45000" bIns="45000"/>
+          <a:p>
+            <a:r>
+              <a:rPr b="0" lang="en-US" sz="1600" spc="-1" strike="noStrike">
+                <a:solidFill>
+                  <a:srgbClr val="000000"/>
+                </a:solidFill>
+                <a:uFill>
+                  <a:solidFill>
+                    <a:srgbClr val="ffffff"/>
+                  </a:solidFill>
+                </a:uFill>
+                <a:latin typeface="Arial"/>
+              </a:rPr>
+              <a:t>Demands</a:t>
+            </a:r>
+            <a:endParaRPr b="0" lang="en-US" sz="1800" spc="-1" strike="noStrike">
+              <a:solidFill>
+                <a:srgbClr val="000000"/>
+              </a:solidFill>
+              <a:uFill>
+                <a:solidFill>
+                  <a:srgbClr val="ffffff"/>
+                </a:solidFill>
+              </a:uFill>
+              <a:latin typeface="Arial"/>
+            </a:endParaRPr>
+          </a:p>
+        </p:txBody>
+      </p:sp>
+      <p:sp>
+        <p:nvSpPr>
+          <p:cNvPr id="43" name="CustomShape 5"/>
+          <p:cNvSpPr/>
+          <p:nvPr/>
+        </p:nvSpPr>
+        <p:spPr>
+          <a:xfrm>
+            <a:off x="532080" y="3291840"/>
+            <a:ext cx="1554480" cy="822960"/>
+          </a:xfrm>
+          <a:prstGeom prst="ellipse">
+            <a:avLst/>
+          </a:prstGeom>
+          <a:solidFill>
+            <a:srgbClr val="729fcf"/>
+          </a:solidFill>
+          <a:ln>
+            <a:solidFill>
+              <a:srgbClr val="000000"/>
+            </a:solidFill>
+          </a:ln>
+        </p:spPr>
+        <p:style>
+          <a:lnRef idx="0"/>
+          <a:fillRef idx="0"/>
+          <a:effectRef idx="0"/>
+          <a:fontRef idx="minor"/>
+        </p:style>
+      </p:sp>
+      <p:sp>
+        <p:nvSpPr>
+          <p:cNvPr id="44" name="TextShape 6"/>
+          <p:cNvSpPr txBox="1"/>
+          <p:nvPr/>
+        </p:nvSpPr>
+        <p:spPr>
+          <a:xfrm>
+            <a:off x="806760" y="3566160"/>
+            <a:ext cx="925920" cy="316080"/>
+          </a:xfrm>
+          <a:prstGeom prst="rect">
+            <a:avLst/>
+          </a:prstGeom>
+          <a:noFill/>
+          <a:ln>
+            <a:noFill/>
+          </a:ln>
+        </p:spPr>
+        <p:txBody>
+          <a:bodyPr lIns="90000" rIns="90000" tIns="45000" bIns="45000"/>
+          <a:p>
+            <a:r>
+              <a:rPr b="0" lang="en-US" sz="1600" spc="-1" strike="noStrike">
+                <a:solidFill>
+                  <a:srgbClr val="000000"/>
+                </a:solidFill>
+                <a:uFill>
+                  <a:solidFill>
+                    <a:srgbClr val="ffffff"/>
+                  </a:solidFill>
+                </a:uFill>
+                <a:latin typeface="Arial"/>
+              </a:rPr>
+              <a:t>Sensors</a:t>
+            </a:r>
+            <a:endParaRPr b="0" lang="en-US" sz="1800" spc="-1" strike="noStrike">
+              <a:solidFill>
+                <a:srgbClr val="000000"/>
+              </a:solidFill>
+              <a:uFill>
+                <a:solidFill>
+                  <a:srgbClr val="ffffff"/>
+                </a:solidFill>
+              </a:uFill>
+              <a:latin typeface="Arial"/>
+            </a:endParaRPr>
+          </a:p>
+        </p:txBody>
+      </p:sp>
+      <p:sp>
+        <p:nvSpPr>
+          <p:cNvPr id="45" name="CustomShape 7"/>
+          <p:cNvSpPr/>
+          <p:nvPr/>
+        </p:nvSpPr>
+        <p:spPr>
+          <a:xfrm>
+            <a:off x="2546640" y="3474720"/>
+            <a:ext cx="1385280" cy="457200"/>
+          </a:xfrm>
+          <a:prstGeom prst="rect">
+            <a:avLst/>
+          </a:prstGeom>
+          <a:solidFill>
+            <a:srgbClr val="66ff00">
+              <a:alpha val="50000"/>
+            </a:srgbClr>
+          </a:solidFill>
+          <a:ln>
+            <a:solidFill>
+              <a:srgbClr val="000000"/>
+            </a:solidFill>
+          </a:ln>
+        </p:spPr>
+        <p:style>
+          <a:lnRef idx="0"/>
+          <a:fillRef idx="0"/>
+          <a:effectRef idx="0"/>
+          <a:fontRef idx="minor"/>
+        </p:style>
+      </p:sp>
+      <p:sp>
+        <p:nvSpPr>
+          <p:cNvPr id="46" name="TextShape 8"/>
+          <p:cNvSpPr txBox="1"/>
+          <p:nvPr/>
+        </p:nvSpPr>
+        <p:spPr>
+          <a:xfrm>
+            <a:off x="2864880" y="3566160"/>
+            <a:ext cx="654840" cy="316080"/>
+          </a:xfrm>
+          <a:prstGeom prst="rect">
+            <a:avLst/>
+          </a:prstGeom>
+          <a:noFill/>
+          <a:ln>
+            <a:noFill/>
+          </a:ln>
+        </p:spPr>
+        <p:txBody>
+          <a:bodyPr lIns="90000" rIns="90000" tIns="45000" bIns="45000"/>
+          <a:p>
+            <a:r>
+              <a:rPr b="0" lang="en-US" sz="1600" spc="-1" strike="noStrike">
+                <a:solidFill>
+                  <a:srgbClr val="000000"/>
+                </a:solidFill>
+                <a:uFill>
+                  <a:solidFill>
+                    <a:srgbClr val="ffffff"/>
+                  </a:solidFill>
+                </a:uFill>
+                <a:latin typeface="Arial"/>
+              </a:rPr>
+              <a:t>State</a:t>
+            </a:r>
+            <a:endParaRPr b="0" lang="en-US" sz="1800" spc="-1" strike="noStrike">
+              <a:solidFill>
+                <a:srgbClr val="000000"/>
+              </a:solidFill>
+              <a:uFill>
+                <a:solidFill>
+                  <a:srgbClr val="ffffff"/>
+                </a:solidFill>
+              </a:uFill>
+              <a:latin typeface="Arial"/>
+            </a:endParaRPr>
+          </a:p>
+        </p:txBody>
+      </p:sp>
+      <p:sp>
+        <p:nvSpPr>
+          <p:cNvPr id="47" name="CustomShape 9"/>
+          <p:cNvSpPr/>
+          <p:nvPr/>
+        </p:nvSpPr>
+        <p:spPr>
+          <a:xfrm>
+            <a:off x="4413600" y="2468880"/>
+            <a:ext cx="1554480" cy="822960"/>
+          </a:xfrm>
+          <a:prstGeom prst="ellipse">
+            <a:avLst/>
+          </a:prstGeom>
+          <a:solidFill>
+            <a:srgbClr val="729fcf"/>
+          </a:solidFill>
+          <a:ln>
+            <a:solidFill>
+              <a:srgbClr val="000000"/>
+            </a:solidFill>
+          </a:ln>
+        </p:spPr>
+        <p:style>
+          <a:lnRef idx="0"/>
+          <a:fillRef idx="0"/>
+          <a:effectRef idx="0"/>
+          <a:fontRef idx="minor"/>
+        </p:style>
+      </p:sp>
+      <p:sp>
+        <p:nvSpPr>
+          <p:cNvPr id="48" name="TextShape 10"/>
+          <p:cNvSpPr txBox="1"/>
+          <p:nvPr/>
+        </p:nvSpPr>
+        <p:spPr>
+          <a:xfrm>
+            <a:off x="4436280" y="2743200"/>
+            <a:ext cx="1557000" cy="316080"/>
+          </a:xfrm>
+          <a:prstGeom prst="rect">
+            <a:avLst/>
+          </a:prstGeom>
+          <a:noFill/>
+          <a:ln>
+            <a:noFill/>
+          </a:ln>
+        </p:spPr>
+        <p:txBody>
+          <a:bodyPr lIns="90000" rIns="90000" tIns="45000" bIns="45000"/>
+          <a:p>
+            <a:r>
+              <a:rPr b="0" lang="en-US" sz="1600" spc="-1" strike="noStrike">
+                <a:solidFill>
+                  <a:srgbClr val="000000"/>
+                </a:solidFill>
+                <a:uFill>
+                  <a:solidFill>
+                    <a:srgbClr val="ffffff"/>
+                  </a:solidFill>
+                </a:uFill>
+                <a:latin typeface="Arial"/>
+              </a:rPr>
+              <a:t>PID </a:t>
+            </a:r>
+            <a:r>
+              <a:rPr b="0" lang="en-US" sz="1600" spc="-1" strike="noStrike">
+                <a:solidFill>
+                  <a:srgbClr val="000000"/>
+                </a:solidFill>
+                <a:uFill>
+                  <a:solidFill>
+                    <a:srgbClr val="ffffff"/>
+                  </a:solidFill>
+                </a:uFill>
+                <a:latin typeface="Arial"/>
+              </a:rPr>
+              <a:t>Controllers</a:t>
+            </a:r>
+            <a:endParaRPr b="0" lang="en-US" sz="1600" spc="-1" strike="noStrike">
+              <a:solidFill>
+                <a:srgbClr val="000000"/>
+              </a:solidFill>
+              <a:uFill>
+                <a:solidFill>
+                  <a:srgbClr val="ffffff"/>
+                </a:solidFill>
+              </a:uFill>
+              <a:latin typeface="Arial"/>
+            </a:endParaRPr>
+          </a:p>
+        </p:txBody>
+      </p:sp>
+      <p:sp>
+        <p:nvSpPr>
+          <p:cNvPr id="49" name="CustomShape 11"/>
+          <p:cNvSpPr/>
+          <p:nvPr/>
+        </p:nvSpPr>
+        <p:spPr>
+          <a:xfrm>
+            <a:off x="6384240" y="2651760"/>
+            <a:ext cx="1385280" cy="457200"/>
+          </a:xfrm>
+          <a:prstGeom prst="rect">
+            <a:avLst/>
+          </a:prstGeom>
+          <a:solidFill>
+            <a:srgbClr val="ff6600">
+              <a:alpha val="50000"/>
+            </a:srgbClr>
+          </a:solidFill>
+          <a:ln>
+            <a:solidFill>
+              <a:srgbClr val="000000"/>
+            </a:solidFill>
+          </a:ln>
+        </p:spPr>
+        <p:style>
+          <a:lnRef idx="0"/>
+          <a:fillRef idx="0"/>
+          <a:effectRef idx="0"/>
+          <a:fontRef idx="minor"/>
+        </p:style>
+      </p:sp>
+      <p:sp>
+        <p:nvSpPr>
+          <p:cNvPr id="50" name="TextShape 12"/>
+          <p:cNvSpPr txBox="1"/>
+          <p:nvPr/>
+        </p:nvSpPr>
+        <p:spPr>
+          <a:xfrm>
+            <a:off x="6522480" y="2743200"/>
+            <a:ext cx="1049400" cy="316080"/>
+          </a:xfrm>
+          <a:prstGeom prst="rect">
+            <a:avLst/>
+          </a:prstGeom>
+          <a:noFill/>
+          <a:ln>
+            <a:noFill/>
+          </a:ln>
+        </p:spPr>
+        <p:txBody>
+          <a:bodyPr lIns="90000" rIns="90000" tIns="45000" bIns="45000"/>
+          <a:p>
+            <a:r>
+              <a:rPr b="0" lang="en-US" sz="1600" spc="-1" strike="noStrike">
+                <a:solidFill>
+                  <a:srgbClr val="000000"/>
+                </a:solidFill>
+                <a:uFill>
+                  <a:solidFill>
+                    <a:srgbClr val="ffffff"/>
+                  </a:solidFill>
+                </a:uFill>
+                <a:latin typeface="Arial"/>
+              </a:rPr>
+              <a:t>Demands</a:t>
+            </a:r>
+            <a:endParaRPr b="0" lang="en-US" sz="1800" spc="-1" strike="noStrike">
+              <a:solidFill>
+                <a:srgbClr val="000000"/>
+              </a:solidFill>
+              <a:uFill>
+                <a:solidFill>
+                  <a:srgbClr val="ffffff"/>
+                </a:solidFill>
+              </a:uFill>
+              <a:latin typeface="Arial"/>
+            </a:endParaRPr>
+          </a:p>
+        </p:txBody>
+      </p:sp>
+      <p:sp>
+        <p:nvSpPr>
+          <p:cNvPr id="51" name="CustomShape 13"/>
+          <p:cNvSpPr/>
+          <p:nvPr/>
+        </p:nvSpPr>
+        <p:spPr>
+          <a:xfrm>
+            <a:off x="8115840" y="2468880"/>
+            <a:ext cx="1554480" cy="822960"/>
+          </a:xfrm>
+          <a:prstGeom prst="ellipse">
+            <a:avLst/>
+          </a:prstGeom>
+          <a:solidFill>
+            <a:srgbClr val="729fcf"/>
+          </a:solidFill>
+          <a:ln>
+            <a:solidFill>
+              <a:srgbClr val="000000"/>
+            </a:solidFill>
+          </a:ln>
+        </p:spPr>
+        <p:style>
+          <a:lnRef idx="0"/>
+          <a:fillRef idx="0"/>
+          <a:effectRef idx="0"/>
+          <a:fontRef idx="minor"/>
+        </p:style>
+      </p:sp>
+      <p:sp>
+        <p:nvSpPr>
+          <p:cNvPr id="52" name="TextShape 14"/>
+          <p:cNvSpPr txBox="1"/>
+          <p:nvPr/>
+        </p:nvSpPr>
+        <p:spPr>
+          <a:xfrm>
+            <a:off x="8570520" y="2743200"/>
+            <a:ext cx="677520" cy="316080"/>
+          </a:xfrm>
+          <a:prstGeom prst="rect">
+            <a:avLst/>
+          </a:prstGeom>
+          <a:noFill/>
+          <a:ln>
+            <a:noFill/>
+          </a:ln>
+        </p:spPr>
+        <p:txBody>
+          <a:bodyPr lIns="90000" rIns="90000" tIns="45000" bIns="45000"/>
+          <a:p>
+            <a:r>
+              <a:rPr b="0" lang="en-US" sz="1600" spc="-1" strike="noStrike">
+                <a:solidFill>
+                  <a:srgbClr val="000000"/>
+                </a:solidFill>
+                <a:uFill>
+                  <a:solidFill>
+                    <a:srgbClr val="ffffff"/>
+                  </a:solidFill>
+                </a:uFill>
+                <a:latin typeface="Arial"/>
+              </a:rPr>
+              <a:t>Mixer</a:t>
+            </a:r>
+            <a:endParaRPr b="0" lang="en-US" sz="1800" spc="-1" strike="noStrike">
+              <a:solidFill>
+                <a:srgbClr val="000000"/>
+              </a:solidFill>
+              <a:uFill>
+                <a:solidFill>
+                  <a:srgbClr val="ffffff"/>
+                </a:solidFill>
+              </a:uFill>
+              <a:latin typeface="Arial"/>
+            </a:endParaRPr>
+          </a:p>
+        </p:txBody>
+      </p:sp>
+      <p:cxnSp>
+        <p:nvCxnSpPr>
+          <p:cNvPr id="53" name="Line 15"/>
+          <p:cNvCxnSpPr/>
+          <p:nvPr/>
+        </p:nvCxnSpPr>
+        <p:spPr>
+          <a:xfrm>
+            <a:off x="1779120" y="2240280"/>
+            <a:ext cx="598680" cy="360"/>
+          </a:xfrm>
+          <a:prstGeom prst="straightConnector1">
+            <a:avLst/>
+          </a:prstGeom>
+          <a:ln>
+            <a:solidFill>
+              <a:srgbClr val="000000"/>
+            </a:solidFill>
+            <a:tailEnd len="med" type="triangle" w="med"/>
+          </a:ln>
+        </p:spPr>
+      </p:cxnSp>
+      <p:cxnSp>
+        <p:nvCxnSpPr>
+          <p:cNvPr id="54" name="Line 16"/>
+          <p:cNvCxnSpPr>
+            <a:endCxn id="45" idx="1"/>
+          </p:cNvCxnSpPr>
+          <p:nvPr/>
+        </p:nvCxnSpPr>
+        <p:spPr>
+          <a:xfrm>
+            <a:off x="2086560" y="3703320"/>
+            <a:ext cx="460440" cy="360"/>
+          </a:xfrm>
+          <a:prstGeom prst="straightConnector1">
+            <a:avLst/>
+          </a:prstGeom>
+          <a:ln>
+            <a:solidFill>
+              <a:srgbClr val="000000"/>
+            </a:solidFill>
+            <a:tailEnd len="med" type="triangle" w="med"/>
+          </a:ln>
+        </p:spPr>
+      </p:cxnSp>
+      <p:cxnSp>
+        <p:nvCxnSpPr>
+          <p:cNvPr id="55" name="Line 17"/>
+          <p:cNvCxnSpPr/>
+          <p:nvPr/>
+        </p:nvCxnSpPr>
+        <p:spPr>
+          <a:xfrm>
+            <a:off x="3762720" y="2240280"/>
+            <a:ext cx="798840" cy="403920"/>
+          </a:xfrm>
+          <a:prstGeom prst="straightConnector1">
+            <a:avLst/>
+          </a:prstGeom>
+          <a:ln>
+            <a:solidFill>
+              <a:srgbClr val="000000"/>
+            </a:solidFill>
+            <a:tailEnd len="med" type="triangle" w="med"/>
+          </a:ln>
+        </p:spPr>
+      </p:cxnSp>
+      <p:cxnSp>
+        <p:nvCxnSpPr>
+          <p:cNvPr id="56" name="Line 18"/>
+          <p:cNvCxnSpPr>
+            <a:stCxn id="45" idx="3"/>
+          </p:cNvCxnSpPr>
+          <p:nvPr/>
+        </p:nvCxnSpPr>
+        <p:spPr>
+          <a:xfrm flipV="1">
+            <a:off x="3931920" y="3133800"/>
+            <a:ext cx="630000" cy="569880"/>
+          </a:xfrm>
+          <a:prstGeom prst="straightConnector1">
+            <a:avLst/>
+          </a:prstGeom>
+          <a:ln>
+            <a:solidFill>
+              <a:srgbClr val="000000"/>
+            </a:solidFill>
+            <a:tailEnd len="med" type="triangle" w="med"/>
+          </a:ln>
+        </p:spPr>
+      </p:cxnSp>
+      <p:cxnSp>
+        <p:nvCxnSpPr>
+          <p:cNvPr id="57" name="Line 19"/>
+          <p:cNvCxnSpPr/>
+          <p:nvPr/>
+        </p:nvCxnSpPr>
+        <p:spPr>
+          <a:xfrm>
+            <a:off x="5993280" y="2880360"/>
+            <a:ext cx="391320" cy="360"/>
+          </a:xfrm>
+          <a:prstGeom prst="straightConnector1">
+            <a:avLst/>
+          </a:prstGeom>
+          <a:ln>
+            <a:solidFill>
+              <a:srgbClr val="000000"/>
+            </a:solidFill>
+            <a:tailEnd len="med" type="triangle" w="med"/>
+          </a:ln>
+        </p:spPr>
+      </p:cxnSp>
+      <p:cxnSp>
+        <p:nvCxnSpPr>
+          <p:cNvPr id="58" name="Line 20"/>
+          <p:cNvCxnSpPr/>
+          <p:nvPr/>
+        </p:nvCxnSpPr>
+        <p:spPr>
+          <a:xfrm>
+            <a:off x="7769520" y="2880360"/>
+            <a:ext cx="346680" cy="360"/>
+          </a:xfrm>
+          <a:prstGeom prst="straightConnector1">
+            <a:avLst/>
+          </a:prstGeom>
+          <a:ln>
+            <a:solidFill>
+              <a:srgbClr val="000000"/>
+            </a:solidFill>
+            <a:tailEnd len="med" type="triangle" w="med"/>
+          </a:ln>
+        </p:spPr>
+      </p:cxnSp>
+      <p:sp>
+        <p:nvSpPr>
+          <p:cNvPr id="59" name="CustomShape 21"/>
+          <p:cNvSpPr/>
+          <p:nvPr/>
+        </p:nvSpPr>
+        <p:spPr>
+          <a:xfrm>
+            <a:off x="4534560" y="2617200"/>
+            <a:ext cx="182880" cy="182880"/>
+          </a:xfrm>
+          <a:prstGeom prst="ellipse">
+            <a:avLst/>
+          </a:prstGeom>
+          <a:noFill/>
+          <a:ln>
+            <a:solidFill>
+              <a:srgbClr val="3465a4"/>
+            </a:solidFill>
+          </a:ln>
+        </p:spPr>
+        <p:style>
+          <a:lnRef idx="0"/>
+          <a:fillRef idx="0"/>
+          <a:effectRef idx="0"/>
+          <a:fontRef idx="minor"/>
+        </p:style>
+      </p:sp>
+      <p:sp>
+        <p:nvSpPr>
+          <p:cNvPr id="60" name="CustomShape 22"/>
+          <p:cNvSpPr/>
+          <p:nvPr/>
+        </p:nvSpPr>
+        <p:spPr>
+          <a:xfrm>
+            <a:off x="4534920" y="2977560"/>
+            <a:ext cx="182880" cy="182880"/>
+          </a:xfrm>
+          <a:prstGeom prst="ellipse">
+            <a:avLst/>
+          </a:prstGeom>
+          <a:noFill/>
+          <a:ln>
+            <a:solidFill>
+              <a:srgbClr val="3465a4"/>
+            </a:solidFill>
+          </a:ln>
+        </p:spPr>
+        <p:style>
+          <a:lnRef idx="0"/>
+          <a:fillRef idx="0"/>
+          <a:effectRef idx="0"/>
+          <a:fontRef idx="minor"/>
+        </p:style>
+      </p:sp>
     </p:spTree>
   </p:cSld>
+  <p:timing>
+    <p:tnLst>
+      <p:par>
+        <p:cTn id="1" dur="indefinite" restart="never" nodeType="tmRoot">
+          <p:childTnLst>
+            <p:seq>
+              <p:cTn id="2" nodeType="mainSeq"/>
+              <p:prevCondLst>
+                <p:cond delay="0" evt="onPrev">
+                  <p:tgtEl>
+                    <p:sldTgt/>
+                  </p:tgtEl>
+                </p:cond>
+              </p:prevCondLst>
+              <p:nextCondLst>
+                <p:cond delay="0" evt="onNext">
+                  <p:tgtEl>
+                    <p:sldTgt/>
+                  </p:tgtEl>
+                </p:cond>
+              </p:nextCondLst>
+            </p:seq>
+          </p:childTnLst>
+        </p:cTn>
+      </p:par>
+    </p:tnLst>
+  </p:timing>
 </p:sld>
 </file>
 

--- a/extras/media/dataflow.pptx
+++ b/extras/media/dataflow.pptx
@@ -1946,7 +1946,7 @@
           <a:bodyPr lIns="0" rIns="0" tIns="0" bIns="0"/>
           <a:p>
             <a:pPr algn="r"/>
-            <a:fld id="{1E6A3586-BE71-4F13-B1B2-A1F2A0C457F6}" type="slidenum">
+            <a:fld id="{F54A6757-5C35-41DC-85E6-E0564697A992}" type="slidenum">
               <a:rPr b="0" lang="en-US" sz="1400" spc="-1" strike="noStrike">
                 <a:solidFill>
                   <a:srgbClr val="000000"/>
@@ -2106,9 +2106,7 @@
             <a:avLst/>
           </a:prstGeom>
           <a:solidFill>
-            <a:srgbClr val="ff6600">
-              <a:alpha val="50000"/>
-            </a:srgbClr>
+            <a:srgbClr val="ff6600"/>
           </a:solidFill>
           <a:ln>
             <a:solidFill>
@@ -2268,9 +2266,7 @@
             <a:avLst/>
           </a:prstGeom>
           <a:solidFill>
-            <a:srgbClr val="66ff00">
-              <a:alpha val="50000"/>
-            </a:srgbClr>
+            <a:srgbClr val="66ff00"/>
           </a:solidFill>
           <a:ln>
             <a:solidFill>
@@ -2444,9 +2440,7 @@
             <a:avLst/>
           </a:prstGeom>
           <a:solidFill>
-            <a:srgbClr val="ff6600">
-              <a:alpha val="50000"/>
-            </a:srgbClr>
+            <a:srgbClr val="ff6600"/>
           </a:solidFill>
           <a:ln>
             <a:solidFill>

--- a/extras/media/dataflow.pptx
+++ b/extras/media/dataflow.pptx
@@ -1,19 +1,114 @@
 
 <file path=ppt/presentation.xml><?xml version="1.0" encoding="utf-8"?>
-<p:presentation xmlns:a="http://schemas.openxmlformats.org/drawingml/2006/main" xmlns:p="http://schemas.openxmlformats.org/presentationml/2006/main" xmlns:r="http://schemas.openxmlformats.org/officeDocument/2006/relationships" xmlns:p14="http://schemas.microsoft.com/office/powerpoint/2010/main" xmlns:p15="http://schemas.microsoft.com/office/powerpoint/2012/main" xmlns:mc="http://schemas.openxmlformats.org/markup-compatibility/2006">
+<p:presentation xmlns:a="http://schemas.openxmlformats.org/drawingml/2006/main" xmlns:r="http://schemas.openxmlformats.org/officeDocument/2006/relationships" xmlns:p="http://schemas.openxmlformats.org/presentationml/2006/main">
   <p:sldMasterIdLst>
-    <p:sldMasterId id="2147483648" r:id="rId2"/>
+    <p:sldMasterId id="2147483648" r:id="rId1"/>
   </p:sldMasterIdLst>
   <p:sldIdLst>
-    <p:sldId id="256" r:id="rId3"/>
+    <p:sldId id="256" r:id="rId2"/>
   </p:sldIdLst>
   <p:sldSz cx="10080625" cy="7559675"/>
   <p:notesSz cx="7772400" cy="10058400"/>
+  <p:defaultTextStyle>
+    <a:defPPr>
+      <a:defRPr lang="en-US"/>
+    </a:defPPr>
+    <a:lvl1pPr marL="0" algn="l" defTabSz="914400" rtl="0" eaLnBrk="1" latinLnBrk="0" hangingPunct="1">
+      <a:defRPr sz="1800" kern="1200">
+        <a:solidFill>
+          <a:schemeClr val="tx1"/>
+        </a:solidFill>
+        <a:latin typeface="+mn-lt"/>
+        <a:ea typeface="+mn-ea"/>
+        <a:cs typeface="+mn-cs"/>
+      </a:defRPr>
+    </a:lvl1pPr>
+    <a:lvl2pPr marL="457200" algn="l" defTabSz="914400" rtl="0" eaLnBrk="1" latinLnBrk="0" hangingPunct="1">
+      <a:defRPr sz="1800" kern="1200">
+        <a:solidFill>
+          <a:schemeClr val="tx1"/>
+        </a:solidFill>
+        <a:latin typeface="+mn-lt"/>
+        <a:ea typeface="+mn-ea"/>
+        <a:cs typeface="+mn-cs"/>
+      </a:defRPr>
+    </a:lvl2pPr>
+    <a:lvl3pPr marL="914400" algn="l" defTabSz="914400" rtl="0" eaLnBrk="1" latinLnBrk="0" hangingPunct="1">
+      <a:defRPr sz="1800" kern="1200">
+        <a:solidFill>
+          <a:schemeClr val="tx1"/>
+        </a:solidFill>
+        <a:latin typeface="+mn-lt"/>
+        <a:ea typeface="+mn-ea"/>
+        <a:cs typeface="+mn-cs"/>
+      </a:defRPr>
+    </a:lvl3pPr>
+    <a:lvl4pPr marL="1371600" algn="l" defTabSz="914400" rtl="0" eaLnBrk="1" latinLnBrk="0" hangingPunct="1">
+      <a:defRPr sz="1800" kern="1200">
+        <a:solidFill>
+          <a:schemeClr val="tx1"/>
+        </a:solidFill>
+        <a:latin typeface="+mn-lt"/>
+        <a:ea typeface="+mn-ea"/>
+        <a:cs typeface="+mn-cs"/>
+      </a:defRPr>
+    </a:lvl4pPr>
+    <a:lvl5pPr marL="1828800" algn="l" defTabSz="914400" rtl="0" eaLnBrk="1" latinLnBrk="0" hangingPunct="1">
+      <a:defRPr sz="1800" kern="1200">
+        <a:solidFill>
+          <a:schemeClr val="tx1"/>
+        </a:solidFill>
+        <a:latin typeface="+mn-lt"/>
+        <a:ea typeface="+mn-ea"/>
+        <a:cs typeface="+mn-cs"/>
+      </a:defRPr>
+    </a:lvl5pPr>
+    <a:lvl6pPr marL="2286000" algn="l" defTabSz="914400" rtl="0" eaLnBrk="1" latinLnBrk="0" hangingPunct="1">
+      <a:defRPr sz="1800" kern="1200">
+        <a:solidFill>
+          <a:schemeClr val="tx1"/>
+        </a:solidFill>
+        <a:latin typeface="+mn-lt"/>
+        <a:ea typeface="+mn-ea"/>
+        <a:cs typeface="+mn-cs"/>
+      </a:defRPr>
+    </a:lvl6pPr>
+    <a:lvl7pPr marL="2743200" algn="l" defTabSz="914400" rtl="0" eaLnBrk="1" latinLnBrk="0" hangingPunct="1">
+      <a:defRPr sz="1800" kern="1200">
+        <a:solidFill>
+          <a:schemeClr val="tx1"/>
+        </a:solidFill>
+        <a:latin typeface="+mn-lt"/>
+        <a:ea typeface="+mn-ea"/>
+        <a:cs typeface="+mn-cs"/>
+      </a:defRPr>
+    </a:lvl7pPr>
+    <a:lvl8pPr marL="3200400" algn="l" defTabSz="914400" rtl="0" eaLnBrk="1" latinLnBrk="0" hangingPunct="1">
+      <a:defRPr sz="1800" kern="1200">
+        <a:solidFill>
+          <a:schemeClr val="tx1"/>
+        </a:solidFill>
+        <a:latin typeface="+mn-lt"/>
+        <a:ea typeface="+mn-ea"/>
+        <a:cs typeface="+mn-cs"/>
+      </a:defRPr>
+    </a:lvl8pPr>
+    <a:lvl9pPr marL="3657600" algn="l" defTabSz="914400" rtl="0" eaLnBrk="1" latinLnBrk="0" hangingPunct="1">
+      <a:defRPr sz="1800" kern="1200">
+        <a:solidFill>
+          <a:schemeClr val="tx1"/>
+        </a:solidFill>
+        <a:latin typeface="+mn-lt"/>
+        <a:ea typeface="+mn-ea"/>
+        <a:cs typeface="+mn-cs"/>
+      </a:defRPr>
+    </a:lvl9pPr>
+  </p:defaultTextStyle>
 </p:presentation>
 </file>
 
 <file path=ppt/slideLayouts/slideLayout1.xml><?xml version="1.0" encoding="utf-8"?>
-<p:sldLayout xmlns:a="http://schemas.openxmlformats.org/drawingml/2006/main" xmlns:p="http://schemas.openxmlformats.org/presentationml/2006/main" xmlns:r="http://schemas.openxmlformats.org/officeDocument/2006/relationships" xmlns:p14="http://schemas.microsoft.com/office/powerpoint/2010/main" xmlns:p15="http://schemas.microsoft.com/office/powerpoint/2012/main" xmlns:mc="http://schemas.openxmlformats.org/markup-compatibility/2006" type="blank" preserve="1">
+<p:sldLayout xmlns:a="http://schemas.openxmlformats.org/drawingml/2006/main" xmlns:r="http://schemas.openxmlformats.org/officeDocument/2006/relationships" xmlns:p="http://schemas.openxmlformats.org/presentationml/2006/main" type="blank" preserve="1">
   <p:cSld name="Blank Slide">
     <p:spTree>
       <p:nvGrpSpPr>
@@ -31,11 +126,14 @@
       </p:grpSpPr>
     </p:spTree>
   </p:cSld>
+  <p:clrMapOvr>
+    <a:masterClrMapping/>
+  </p:clrMapOvr>
 </p:sldLayout>
 </file>
 
 <file path=ppt/slideLayouts/slideLayout10.xml><?xml version="1.0" encoding="utf-8"?>
-<p:sldLayout xmlns:a="http://schemas.openxmlformats.org/drawingml/2006/main" xmlns:p="http://schemas.openxmlformats.org/presentationml/2006/main" xmlns:r="http://schemas.openxmlformats.org/officeDocument/2006/relationships" xmlns:p14="http://schemas.microsoft.com/office/powerpoint/2010/main" xmlns:p15="http://schemas.microsoft.com/office/powerpoint/2012/main" xmlns:mc="http://schemas.openxmlformats.org/markup-compatibility/2006" type="objOverTx" preserve="1">
+<p:sldLayout xmlns:a="http://schemas.openxmlformats.org/drawingml/2006/main" xmlns:r="http://schemas.openxmlformats.org/officeDocument/2006/relationships" xmlns:p="http://schemas.openxmlformats.org/presentationml/2006/main" type="objOverTx" preserve="1">
   <p:cSld name="Title, Content over Content">
     <p:spTree>
       <p:nvGrpSpPr>
@@ -71,16 +169,17 @@
           </a:prstGeom>
         </p:spPr>
         <p:txBody>
-          <a:bodyPr lIns="0" rIns="0" tIns="0" bIns="0" anchor="ctr"/>
+          <a:bodyPr lIns="0" tIns="0" rIns="0" bIns="0" anchor="ctr"/>
+          <a:lstStyle/>
           <a:p>
             <a:pPr algn="ctr"/>
-            <a:endParaRPr b="0" lang="en-US" sz="4400" spc="-1" strike="noStrike">
-              <a:solidFill>
-                <a:srgbClr val="000000"/>
-              </a:solidFill>
-              <a:uFill>
-                <a:solidFill>
-                  <a:srgbClr val="ffffff"/>
+            <a:endParaRPr lang="en-US" sz="4400" b="0" strike="noStrike" spc="-1">
+              <a:solidFill>
+                <a:srgbClr val="000000"/>
+              </a:solidFill>
+              <a:uFill>
+                <a:solidFill>
+                  <a:srgbClr val="FFFFFF"/>
                 </a:solidFill>
               </a:uFill>
               <a:latin typeface="Arial"/>
@@ -108,15 +207,16 @@
           </a:prstGeom>
         </p:spPr>
         <p:txBody>
-          <a:bodyPr lIns="0" rIns="0" tIns="0" bIns="0"/>
-          <a:p>
-            <a:endParaRPr b="0" lang="en-US" sz="3200" spc="-1" strike="noStrike">
-              <a:solidFill>
-                <a:srgbClr val="000000"/>
-              </a:solidFill>
-              <a:uFill>
-                <a:solidFill>
-                  <a:srgbClr val="ffffff"/>
+          <a:bodyPr lIns="0" tIns="0" rIns="0" bIns="0"/>
+          <a:lstStyle/>
+          <a:p>
+            <a:endParaRPr lang="en-US" sz="3200" b="0" strike="noStrike" spc="-1">
+              <a:solidFill>
+                <a:srgbClr val="000000"/>
+              </a:solidFill>
+              <a:uFill>
+                <a:solidFill>
+                  <a:srgbClr val="FFFFFF"/>
                 </a:solidFill>
               </a:uFill>
               <a:latin typeface="Arial"/>
@@ -144,15 +244,16 @@
           </a:prstGeom>
         </p:spPr>
         <p:txBody>
-          <a:bodyPr lIns="0" rIns="0" tIns="0" bIns="0"/>
-          <a:p>
-            <a:endParaRPr b="0" lang="en-US" sz="3200" spc="-1" strike="noStrike">
-              <a:solidFill>
-                <a:srgbClr val="000000"/>
-              </a:solidFill>
-              <a:uFill>
-                <a:solidFill>
-                  <a:srgbClr val="ffffff"/>
+          <a:bodyPr lIns="0" tIns="0" rIns="0" bIns="0"/>
+          <a:lstStyle/>
+          <a:p>
+            <a:endParaRPr lang="en-US" sz="3200" b="0" strike="noStrike" spc="-1">
+              <a:solidFill>
+                <a:srgbClr val="000000"/>
+              </a:solidFill>
+              <a:uFill>
+                <a:solidFill>
+                  <a:srgbClr val="FFFFFF"/>
                 </a:solidFill>
               </a:uFill>
               <a:latin typeface="Arial"/>
@@ -162,11 +263,14 @@
       </p:sp>
     </p:spTree>
   </p:cSld>
+  <p:clrMapOvr>
+    <a:masterClrMapping/>
+  </p:clrMapOvr>
 </p:sldLayout>
 </file>
 
 <file path=ppt/slideLayouts/slideLayout11.xml><?xml version="1.0" encoding="utf-8"?>
-<p:sldLayout xmlns:a="http://schemas.openxmlformats.org/drawingml/2006/main" xmlns:p="http://schemas.openxmlformats.org/presentationml/2006/main" xmlns:r="http://schemas.openxmlformats.org/officeDocument/2006/relationships" xmlns:p14="http://schemas.microsoft.com/office/powerpoint/2010/main" xmlns:p15="http://schemas.microsoft.com/office/powerpoint/2012/main" xmlns:mc="http://schemas.openxmlformats.org/markup-compatibility/2006" type="fourObj" preserve="1">
+<p:sldLayout xmlns:a="http://schemas.openxmlformats.org/drawingml/2006/main" xmlns:r="http://schemas.openxmlformats.org/officeDocument/2006/relationships" xmlns:p="http://schemas.openxmlformats.org/presentationml/2006/main" type="fourObj" preserve="1">
   <p:cSld name="Title, 4 Content">
     <p:spTree>
       <p:nvGrpSpPr>
@@ -202,16 +306,17 @@
           </a:prstGeom>
         </p:spPr>
         <p:txBody>
-          <a:bodyPr lIns="0" rIns="0" tIns="0" bIns="0" anchor="ctr"/>
+          <a:bodyPr lIns="0" tIns="0" rIns="0" bIns="0" anchor="ctr"/>
+          <a:lstStyle/>
           <a:p>
             <a:pPr algn="ctr"/>
-            <a:endParaRPr b="0" lang="en-US" sz="4400" spc="-1" strike="noStrike">
-              <a:solidFill>
-                <a:srgbClr val="000000"/>
-              </a:solidFill>
-              <a:uFill>
-                <a:solidFill>
-                  <a:srgbClr val="ffffff"/>
+            <a:endParaRPr lang="en-US" sz="4400" b="0" strike="noStrike" spc="-1">
+              <a:solidFill>
+                <a:srgbClr val="000000"/>
+              </a:solidFill>
+              <a:uFill>
+                <a:solidFill>
+                  <a:srgbClr val="FFFFFF"/>
                 </a:solidFill>
               </a:uFill>
               <a:latin typeface="Arial"/>
@@ -239,15 +344,16 @@
           </a:prstGeom>
         </p:spPr>
         <p:txBody>
-          <a:bodyPr lIns="0" rIns="0" tIns="0" bIns="0"/>
-          <a:p>
-            <a:endParaRPr b="0" lang="en-US" sz="3200" spc="-1" strike="noStrike">
-              <a:solidFill>
-                <a:srgbClr val="000000"/>
-              </a:solidFill>
-              <a:uFill>
-                <a:solidFill>
-                  <a:srgbClr val="ffffff"/>
+          <a:bodyPr lIns="0" tIns="0" rIns="0" bIns="0"/>
+          <a:lstStyle/>
+          <a:p>
+            <a:endParaRPr lang="en-US" sz="3200" b="0" strike="noStrike" spc="-1">
+              <a:solidFill>
+                <a:srgbClr val="000000"/>
+              </a:solidFill>
+              <a:uFill>
+                <a:solidFill>
+                  <a:srgbClr val="FFFFFF"/>
                 </a:solidFill>
               </a:uFill>
               <a:latin typeface="Arial"/>
@@ -275,15 +381,16 @@
           </a:prstGeom>
         </p:spPr>
         <p:txBody>
-          <a:bodyPr lIns="0" rIns="0" tIns="0" bIns="0"/>
-          <a:p>
-            <a:endParaRPr b="0" lang="en-US" sz="3200" spc="-1" strike="noStrike">
-              <a:solidFill>
-                <a:srgbClr val="000000"/>
-              </a:solidFill>
-              <a:uFill>
-                <a:solidFill>
-                  <a:srgbClr val="ffffff"/>
+          <a:bodyPr lIns="0" tIns="0" rIns="0" bIns="0"/>
+          <a:lstStyle/>
+          <a:p>
+            <a:endParaRPr lang="en-US" sz="3200" b="0" strike="noStrike" spc="-1">
+              <a:solidFill>
+                <a:srgbClr val="000000"/>
+              </a:solidFill>
+              <a:uFill>
+                <a:solidFill>
+                  <a:srgbClr val="FFFFFF"/>
                 </a:solidFill>
               </a:uFill>
               <a:latin typeface="Arial"/>
@@ -311,15 +418,16 @@
           </a:prstGeom>
         </p:spPr>
         <p:txBody>
-          <a:bodyPr lIns="0" rIns="0" tIns="0" bIns="0"/>
-          <a:p>
-            <a:endParaRPr b="0" lang="en-US" sz="3200" spc="-1" strike="noStrike">
-              <a:solidFill>
-                <a:srgbClr val="000000"/>
-              </a:solidFill>
-              <a:uFill>
-                <a:solidFill>
-                  <a:srgbClr val="ffffff"/>
+          <a:bodyPr lIns="0" tIns="0" rIns="0" bIns="0"/>
+          <a:lstStyle/>
+          <a:p>
+            <a:endParaRPr lang="en-US" sz="3200" b="0" strike="noStrike" spc="-1">
+              <a:solidFill>
+                <a:srgbClr val="000000"/>
+              </a:solidFill>
+              <a:uFill>
+                <a:solidFill>
+                  <a:srgbClr val="FFFFFF"/>
                 </a:solidFill>
               </a:uFill>
               <a:latin typeface="Arial"/>
@@ -347,15 +455,16 @@
           </a:prstGeom>
         </p:spPr>
         <p:txBody>
-          <a:bodyPr lIns="0" rIns="0" tIns="0" bIns="0"/>
-          <a:p>
-            <a:endParaRPr b="0" lang="en-US" sz="3200" spc="-1" strike="noStrike">
-              <a:solidFill>
-                <a:srgbClr val="000000"/>
-              </a:solidFill>
-              <a:uFill>
-                <a:solidFill>
-                  <a:srgbClr val="ffffff"/>
+          <a:bodyPr lIns="0" tIns="0" rIns="0" bIns="0"/>
+          <a:lstStyle/>
+          <a:p>
+            <a:endParaRPr lang="en-US" sz="3200" b="0" strike="noStrike" spc="-1">
+              <a:solidFill>
+                <a:srgbClr val="000000"/>
+              </a:solidFill>
+              <a:uFill>
+                <a:solidFill>
+                  <a:srgbClr val="FFFFFF"/>
                 </a:solidFill>
               </a:uFill>
               <a:latin typeface="Arial"/>
@@ -365,11 +474,14 @@
       </p:sp>
     </p:spTree>
   </p:cSld>
+  <p:clrMapOvr>
+    <a:masterClrMapping/>
+  </p:clrMapOvr>
 </p:sldLayout>
 </file>
 
 <file path=ppt/slideLayouts/slideLayout12.xml><?xml version="1.0" encoding="utf-8"?>
-<p:sldLayout xmlns:a="http://schemas.openxmlformats.org/drawingml/2006/main" xmlns:p="http://schemas.openxmlformats.org/presentationml/2006/main" xmlns:r="http://schemas.openxmlformats.org/officeDocument/2006/relationships" xmlns:p14="http://schemas.microsoft.com/office/powerpoint/2010/main" xmlns:p15="http://schemas.microsoft.com/office/powerpoint/2012/main" xmlns:mc="http://schemas.openxmlformats.org/markup-compatibility/2006" type="blank" preserve="1">
+<p:sldLayout xmlns:a="http://schemas.openxmlformats.org/drawingml/2006/main" xmlns:r="http://schemas.openxmlformats.org/officeDocument/2006/relationships" xmlns:p="http://schemas.openxmlformats.org/presentationml/2006/main" type="blank" preserve="1">
   <p:cSld name="Title, 6 Content">
     <p:spTree>
       <p:nvGrpSpPr>
@@ -405,16 +517,17 @@
           </a:prstGeom>
         </p:spPr>
         <p:txBody>
-          <a:bodyPr lIns="0" rIns="0" tIns="0" bIns="0" anchor="ctr"/>
+          <a:bodyPr lIns="0" tIns="0" rIns="0" bIns="0" anchor="ctr"/>
+          <a:lstStyle/>
           <a:p>
             <a:pPr algn="ctr"/>
-            <a:endParaRPr b="0" lang="en-US" sz="4400" spc="-1" strike="noStrike">
-              <a:solidFill>
-                <a:srgbClr val="000000"/>
-              </a:solidFill>
-              <a:uFill>
-                <a:solidFill>
-                  <a:srgbClr val="ffffff"/>
+            <a:endParaRPr lang="en-US" sz="4400" b="0" strike="noStrike" spc="-1">
+              <a:solidFill>
+                <a:srgbClr val="000000"/>
+              </a:solidFill>
+              <a:uFill>
+                <a:solidFill>
+                  <a:srgbClr val="FFFFFF"/>
                 </a:solidFill>
               </a:uFill>
               <a:latin typeface="Arial"/>
@@ -442,15 +555,16 @@
           </a:prstGeom>
         </p:spPr>
         <p:txBody>
-          <a:bodyPr lIns="0" rIns="0" tIns="0" bIns="0"/>
-          <a:p>
-            <a:endParaRPr b="0" lang="en-US" sz="3200" spc="-1" strike="noStrike">
-              <a:solidFill>
-                <a:srgbClr val="000000"/>
-              </a:solidFill>
-              <a:uFill>
-                <a:solidFill>
-                  <a:srgbClr val="ffffff"/>
+          <a:bodyPr lIns="0" tIns="0" rIns="0" bIns="0"/>
+          <a:lstStyle/>
+          <a:p>
+            <a:endParaRPr lang="en-US" sz="3200" b="0" strike="noStrike" spc="-1">
+              <a:solidFill>
+                <a:srgbClr val="000000"/>
+              </a:solidFill>
+              <a:uFill>
+                <a:solidFill>
+                  <a:srgbClr val="FFFFFF"/>
                 </a:solidFill>
               </a:uFill>
               <a:latin typeface="Arial"/>
@@ -478,15 +592,16 @@
           </a:prstGeom>
         </p:spPr>
         <p:txBody>
-          <a:bodyPr lIns="0" rIns="0" tIns="0" bIns="0"/>
-          <a:p>
-            <a:endParaRPr b="0" lang="en-US" sz="3200" spc="-1" strike="noStrike">
-              <a:solidFill>
-                <a:srgbClr val="000000"/>
-              </a:solidFill>
-              <a:uFill>
-                <a:solidFill>
-                  <a:srgbClr val="ffffff"/>
+          <a:bodyPr lIns="0" tIns="0" rIns="0" bIns="0"/>
+          <a:lstStyle/>
+          <a:p>
+            <a:endParaRPr lang="en-US" sz="3200" b="0" strike="noStrike" spc="-1">
+              <a:solidFill>
+                <a:srgbClr val="000000"/>
+              </a:solidFill>
+              <a:uFill>
+                <a:solidFill>
+                  <a:srgbClr val="FFFFFF"/>
                 </a:solidFill>
               </a:uFill>
               <a:latin typeface="Arial"/>
@@ -496,7 +611,7 @@
       </p:sp>
       <p:pic>
         <p:nvPicPr>
-          <p:cNvPr id="37" name="" descr=""/>
+          <p:cNvPr id="37" name="Picture 36"/>
           <p:cNvPicPr/>
           <p:nvPr/>
         </p:nvPicPr>
@@ -519,12 +634,12 @@
       </p:pic>
       <p:pic>
         <p:nvPicPr>
-          <p:cNvPr id="38" name="" descr=""/>
+          <p:cNvPr id="38" name="Picture 37"/>
           <p:cNvPicPr/>
           <p:nvPr/>
         </p:nvPicPr>
         <p:blipFill>
-          <a:blip r:embed="rId3"/>
+          <a:blip r:embed="rId2"/>
           <a:stretch/>
         </p:blipFill>
         <p:spPr>
@@ -542,11 +657,14 @@
       </p:pic>
     </p:spTree>
   </p:cSld>
+  <p:clrMapOvr>
+    <a:masterClrMapping/>
+  </p:clrMapOvr>
 </p:sldLayout>
 </file>
 
 <file path=ppt/slideLayouts/slideLayout2.xml><?xml version="1.0" encoding="utf-8"?>
-<p:sldLayout xmlns:a="http://schemas.openxmlformats.org/drawingml/2006/main" xmlns:p="http://schemas.openxmlformats.org/presentationml/2006/main" xmlns:r="http://schemas.openxmlformats.org/officeDocument/2006/relationships" xmlns:p14="http://schemas.microsoft.com/office/powerpoint/2010/main" xmlns:p15="http://schemas.microsoft.com/office/powerpoint/2012/main" xmlns:mc="http://schemas.openxmlformats.org/markup-compatibility/2006" type="tx" preserve="1">
+<p:sldLayout xmlns:a="http://schemas.openxmlformats.org/drawingml/2006/main" xmlns:r="http://schemas.openxmlformats.org/officeDocument/2006/relationships" xmlns:p="http://schemas.openxmlformats.org/presentationml/2006/main" type="tx" preserve="1">
   <p:cSld name="Title Slide">
     <p:spTree>
       <p:nvGrpSpPr>
@@ -582,16 +700,17 @@
           </a:prstGeom>
         </p:spPr>
         <p:txBody>
-          <a:bodyPr lIns="0" rIns="0" tIns="0" bIns="0" anchor="ctr"/>
+          <a:bodyPr lIns="0" tIns="0" rIns="0" bIns="0" anchor="ctr"/>
+          <a:lstStyle/>
           <a:p>
             <a:pPr algn="ctr"/>
-            <a:endParaRPr b="0" lang="en-US" sz="4400" spc="-1" strike="noStrike">
-              <a:solidFill>
-                <a:srgbClr val="000000"/>
-              </a:solidFill>
-              <a:uFill>
-                <a:solidFill>
-                  <a:srgbClr val="ffffff"/>
+            <a:endParaRPr lang="en-US" sz="4400" b="0" strike="noStrike" spc="-1">
+              <a:solidFill>
+                <a:srgbClr val="000000"/>
+              </a:solidFill>
+              <a:uFill>
+                <a:solidFill>
+                  <a:srgbClr val="FFFFFF"/>
                 </a:solidFill>
               </a:uFill>
               <a:latin typeface="Arial"/>
@@ -619,16 +738,17 @@
           </a:prstGeom>
         </p:spPr>
         <p:txBody>
-          <a:bodyPr lIns="0" rIns="0" tIns="0" bIns="0" anchor="ctr"/>
+          <a:bodyPr lIns="0" tIns="0" rIns="0" bIns="0" anchor="ctr"/>
+          <a:lstStyle/>
           <a:p>
             <a:pPr algn="ctr"/>
-            <a:endParaRPr b="0" lang="en-US" sz="3200" spc="-1" strike="noStrike">
-              <a:solidFill>
-                <a:srgbClr val="000000"/>
-              </a:solidFill>
-              <a:uFill>
-                <a:solidFill>
-                  <a:srgbClr val="ffffff"/>
+            <a:endParaRPr lang="en-US" sz="3200" b="0" strike="noStrike" spc="-1">
+              <a:solidFill>
+                <a:srgbClr val="000000"/>
+              </a:solidFill>
+              <a:uFill>
+                <a:solidFill>
+                  <a:srgbClr val="FFFFFF"/>
                 </a:solidFill>
               </a:uFill>
               <a:latin typeface="Arial"/>
@@ -638,11 +758,14 @@
       </p:sp>
     </p:spTree>
   </p:cSld>
+  <p:clrMapOvr>
+    <a:masterClrMapping/>
+  </p:clrMapOvr>
 </p:sldLayout>
 </file>
 
 <file path=ppt/slideLayouts/slideLayout3.xml><?xml version="1.0" encoding="utf-8"?>
-<p:sldLayout xmlns:a="http://schemas.openxmlformats.org/drawingml/2006/main" xmlns:p="http://schemas.openxmlformats.org/presentationml/2006/main" xmlns:r="http://schemas.openxmlformats.org/officeDocument/2006/relationships" xmlns:p14="http://schemas.microsoft.com/office/powerpoint/2010/main" xmlns:p15="http://schemas.microsoft.com/office/powerpoint/2012/main" xmlns:mc="http://schemas.openxmlformats.org/markup-compatibility/2006" type="obj" preserve="1">
+<p:sldLayout xmlns:a="http://schemas.openxmlformats.org/drawingml/2006/main" xmlns:r="http://schemas.openxmlformats.org/officeDocument/2006/relationships" xmlns:p="http://schemas.openxmlformats.org/presentationml/2006/main" type="obj" preserve="1">
   <p:cSld name="Title, Content">
     <p:spTree>
       <p:nvGrpSpPr>
@@ -678,16 +801,17 @@
           </a:prstGeom>
         </p:spPr>
         <p:txBody>
-          <a:bodyPr lIns="0" rIns="0" tIns="0" bIns="0" anchor="ctr"/>
+          <a:bodyPr lIns="0" tIns="0" rIns="0" bIns="0" anchor="ctr"/>
+          <a:lstStyle/>
           <a:p>
             <a:pPr algn="ctr"/>
-            <a:endParaRPr b="0" lang="en-US" sz="4400" spc="-1" strike="noStrike">
-              <a:solidFill>
-                <a:srgbClr val="000000"/>
-              </a:solidFill>
-              <a:uFill>
-                <a:solidFill>
-                  <a:srgbClr val="ffffff"/>
+            <a:endParaRPr lang="en-US" sz="4400" b="0" strike="noStrike" spc="-1">
+              <a:solidFill>
+                <a:srgbClr val="000000"/>
+              </a:solidFill>
+              <a:uFill>
+                <a:solidFill>
+                  <a:srgbClr val="FFFFFF"/>
                 </a:solidFill>
               </a:uFill>
               <a:latin typeface="Arial"/>
@@ -715,15 +839,16 @@
           </a:prstGeom>
         </p:spPr>
         <p:txBody>
-          <a:bodyPr lIns="0" rIns="0" tIns="0" bIns="0"/>
-          <a:p>
-            <a:endParaRPr b="0" lang="en-US" sz="3200" spc="-1" strike="noStrike">
-              <a:solidFill>
-                <a:srgbClr val="000000"/>
-              </a:solidFill>
-              <a:uFill>
-                <a:solidFill>
-                  <a:srgbClr val="ffffff"/>
+          <a:bodyPr lIns="0" tIns="0" rIns="0" bIns="0"/>
+          <a:lstStyle/>
+          <a:p>
+            <a:endParaRPr lang="en-US" sz="3200" b="0" strike="noStrike" spc="-1">
+              <a:solidFill>
+                <a:srgbClr val="000000"/>
+              </a:solidFill>
+              <a:uFill>
+                <a:solidFill>
+                  <a:srgbClr val="FFFFFF"/>
                 </a:solidFill>
               </a:uFill>
               <a:latin typeface="Arial"/>
@@ -733,11 +858,14 @@
       </p:sp>
     </p:spTree>
   </p:cSld>
+  <p:clrMapOvr>
+    <a:masterClrMapping/>
+  </p:clrMapOvr>
 </p:sldLayout>
 </file>
 
 <file path=ppt/slideLayouts/slideLayout4.xml><?xml version="1.0" encoding="utf-8"?>
-<p:sldLayout xmlns:a="http://schemas.openxmlformats.org/drawingml/2006/main" xmlns:p="http://schemas.openxmlformats.org/presentationml/2006/main" xmlns:r="http://schemas.openxmlformats.org/officeDocument/2006/relationships" xmlns:p14="http://schemas.microsoft.com/office/powerpoint/2010/main" xmlns:p15="http://schemas.microsoft.com/office/powerpoint/2012/main" xmlns:mc="http://schemas.openxmlformats.org/markup-compatibility/2006" type="twoObj" preserve="1">
+<p:sldLayout xmlns:a="http://schemas.openxmlformats.org/drawingml/2006/main" xmlns:r="http://schemas.openxmlformats.org/officeDocument/2006/relationships" xmlns:p="http://schemas.openxmlformats.org/presentationml/2006/main" type="twoObj" preserve="1">
   <p:cSld name="Title, 2 Content">
     <p:spTree>
       <p:nvGrpSpPr>
@@ -773,16 +901,17 @@
           </a:prstGeom>
         </p:spPr>
         <p:txBody>
-          <a:bodyPr lIns="0" rIns="0" tIns="0" bIns="0" anchor="ctr"/>
+          <a:bodyPr lIns="0" tIns="0" rIns="0" bIns="0" anchor="ctr"/>
+          <a:lstStyle/>
           <a:p>
             <a:pPr algn="ctr"/>
-            <a:endParaRPr b="0" lang="en-US" sz="4400" spc="-1" strike="noStrike">
-              <a:solidFill>
-                <a:srgbClr val="000000"/>
-              </a:solidFill>
-              <a:uFill>
-                <a:solidFill>
-                  <a:srgbClr val="ffffff"/>
+            <a:endParaRPr lang="en-US" sz="4400" b="0" strike="noStrike" spc="-1">
+              <a:solidFill>
+                <a:srgbClr val="000000"/>
+              </a:solidFill>
+              <a:uFill>
+                <a:solidFill>
+                  <a:srgbClr val="FFFFFF"/>
                 </a:solidFill>
               </a:uFill>
               <a:latin typeface="Arial"/>
@@ -810,15 +939,16 @@
           </a:prstGeom>
         </p:spPr>
         <p:txBody>
-          <a:bodyPr lIns="0" rIns="0" tIns="0" bIns="0"/>
-          <a:p>
-            <a:endParaRPr b="0" lang="en-US" sz="3200" spc="-1" strike="noStrike">
-              <a:solidFill>
-                <a:srgbClr val="000000"/>
-              </a:solidFill>
-              <a:uFill>
-                <a:solidFill>
-                  <a:srgbClr val="ffffff"/>
+          <a:bodyPr lIns="0" tIns="0" rIns="0" bIns="0"/>
+          <a:lstStyle/>
+          <a:p>
+            <a:endParaRPr lang="en-US" sz="3200" b="0" strike="noStrike" spc="-1">
+              <a:solidFill>
+                <a:srgbClr val="000000"/>
+              </a:solidFill>
+              <a:uFill>
+                <a:solidFill>
+                  <a:srgbClr val="FFFFFF"/>
                 </a:solidFill>
               </a:uFill>
               <a:latin typeface="Arial"/>
@@ -846,15 +976,16 @@
           </a:prstGeom>
         </p:spPr>
         <p:txBody>
-          <a:bodyPr lIns="0" rIns="0" tIns="0" bIns="0"/>
-          <a:p>
-            <a:endParaRPr b="0" lang="en-US" sz="3200" spc="-1" strike="noStrike">
-              <a:solidFill>
-                <a:srgbClr val="000000"/>
-              </a:solidFill>
-              <a:uFill>
-                <a:solidFill>
-                  <a:srgbClr val="ffffff"/>
+          <a:bodyPr lIns="0" tIns="0" rIns="0" bIns="0"/>
+          <a:lstStyle/>
+          <a:p>
+            <a:endParaRPr lang="en-US" sz="3200" b="0" strike="noStrike" spc="-1">
+              <a:solidFill>
+                <a:srgbClr val="000000"/>
+              </a:solidFill>
+              <a:uFill>
+                <a:solidFill>
+                  <a:srgbClr val="FFFFFF"/>
                 </a:solidFill>
               </a:uFill>
               <a:latin typeface="Arial"/>
@@ -864,11 +995,14 @@
       </p:sp>
     </p:spTree>
   </p:cSld>
+  <p:clrMapOvr>
+    <a:masterClrMapping/>
+  </p:clrMapOvr>
 </p:sldLayout>
 </file>
 
 <file path=ppt/slideLayouts/slideLayout5.xml><?xml version="1.0" encoding="utf-8"?>
-<p:sldLayout xmlns:a="http://schemas.openxmlformats.org/drawingml/2006/main" xmlns:p="http://schemas.openxmlformats.org/presentationml/2006/main" xmlns:r="http://schemas.openxmlformats.org/officeDocument/2006/relationships" xmlns:p14="http://schemas.microsoft.com/office/powerpoint/2010/main" xmlns:p15="http://schemas.microsoft.com/office/powerpoint/2012/main" xmlns:mc="http://schemas.openxmlformats.org/markup-compatibility/2006" type="titleOnly" preserve="1">
+<p:sldLayout xmlns:a="http://schemas.openxmlformats.org/drawingml/2006/main" xmlns:r="http://schemas.openxmlformats.org/officeDocument/2006/relationships" xmlns:p="http://schemas.openxmlformats.org/presentationml/2006/main" type="titleOnly" preserve="1">
   <p:cSld name="Title Only">
     <p:spTree>
       <p:nvGrpSpPr>
@@ -904,16 +1038,17 @@
           </a:prstGeom>
         </p:spPr>
         <p:txBody>
-          <a:bodyPr lIns="0" rIns="0" tIns="0" bIns="0" anchor="ctr"/>
+          <a:bodyPr lIns="0" tIns="0" rIns="0" bIns="0" anchor="ctr"/>
+          <a:lstStyle/>
           <a:p>
             <a:pPr algn="ctr"/>
-            <a:endParaRPr b="0" lang="en-US" sz="4400" spc="-1" strike="noStrike">
-              <a:solidFill>
-                <a:srgbClr val="000000"/>
-              </a:solidFill>
-              <a:uFill>
-                <a:solidFill>
-                  <a:srgbClr val="ffffff"/>
+            <a:endParaRPr lang="en-US" sz="4400" b="0" strike="noStrike" spc="-1">
+              <a:solidFill>
+                <a:srgbClr val="000000"/>
+              </a:solidFill>
+              <a:uFill>
+                <a:solidFill>
+                  <a:srgbClr val="FFFFFF"/>
                 </a:solidFill>
               </a:uFill>
               <a:latin typeface="Arial"/>
@@ -923,11 +1058,14 @@
       </p:sp>
     </p:spTree>
   </p:cSld>
+  <p:clrMapOvr>
+    <a:masterClrMapping/>
+  </p:clrMapOvr>
 </p:sldLayout>
 </file>
 
 <file path=ppt/slideLayouts/slideLayout6.xml><?xml version="1.0" encoding="utf-8"?>
-<p:sldLayout xmlns:a="http://schemas.openxmlformats.org/drawingml/2006/main" xmlns:p="http://schemas.openxmlformats.org/presentationml/2006/main" xmlns:r="http://schemas.openxmlformats.org/officeDocument/2006/relationships" xmlns:p14="http://schemas.microsoft.com/office/powerpoint/2010/main" xmlns:p15="http://schemas.microsoft.com/office/powerpoint/2012/main" xmlns:mc="http://schemas.openxmlformats.org/markup-compatibility/2006" type="objOnly" preserve="1">
+<p:sldLayout xmlns:a="http://schemas.openxmlformats.org/drawingml/2006/main" xmlns:r="http://schemas.openxmlformats.org/officeDocument/2006/relationships" xmlns:p="http://schemas.openxmlformats.org/presentationml/2006/main" type="objOnly" preserve="1">
   <p:cSld name="Centered Text">
     <p:spTree>
       <p:nvGrpSpPr>
@@ -963,16 +1101,17 @@
           </a:prstGeom>
         </p:spPr>
         <p:txBody>
-          <a:bodyPr lIns="0" rIns="0" tIns="0" bIns="0" anchor="ctr"/>
+          <a:bodyPr lIns="0" tIns="0" rIns="0" bIns="0" anchor="ctr"/>
+          <a:lstStyle/>
           <a:p>
             <a:pPr algn="ctr"/>
-            <a:endParaRPr b="0" lang="en-US" sz="3200" spc="-1" strike="noStrike">
-              <a:solidFill>
-                <a:srgbClr val="000000"/>
-              </a:solidFill>
-              <a:uFill>
-                <a:solidFill>
-                  <a:srgbClr val="ffffff"/>
+            <a:endParaRPr lang="en-US" sz="3200" b="0" strike="noStrike" spc="-1">
+              <a:solidFill>
+                <a:srgbClr val="000000"/>
+              </a:solidFill>
+              <a:uFill>
+                <a:solidFill>
+                  <a:srgbClr val="FFFFFF"/>
                 </a:solidFill>
               </a:uFill>
               <a:latin typeface="Arial"/>
@@ -982,11 +1121,14 @@
       </p:sp>
     </p:spTree>
   </p:cSld>
+  <p:clrMapOvr>
+    <a:masterClrMapping/>
+  </p:clrMapOvr>
 </p:sldLayout>
 </file>
 
 <file path=ppt/slideLayouts/slideLayout7.xml><?xml version="1.0" encoding="utf-8"?>
-<p:sldLayout xmlns:a="http://schemas.openxmlformats.org/drawingml/2006/main" xmlns:p="http://schemas.openxmlformats.org/presentationml/2006/main" xmlns:r="http://schemas.openxmlformats.org/officeDocument/2006/relationships" xmlns:p14="http://schemas.microsoft.com/office/powerpoint/2010/main" xmlns:p15="http://schemas.microsoft.com/office/powerpoint/2012/main" xmlns:mc="http://schemas.openxmlformats.org/markup-compatibility/2006" type="twoObjAndObj" preserve="1">
+<p:sldLayout xmlns:a="http://schemas.openxmlformats.org/drawingml/2006/main" xmlns:r="http://schemas.openxmlformats.org/officeDocument/2006/relationships" xmlns:p="http://schemas.openxmlformats.org/presentationml/2006/main" type="twoObjAndObj" preserve="1">
   <p:cSld name="Title, 2 Content and Content">
     <p:spTree>
       <p:nvGrpSpPr>
@@ -1022,16 +1164,17 @@
           </a:prstGeom>
         </p:spPr>
         <p:txBody>
-          <a:bodyPr lIns="0" rIns="0" tIns="0" bIns="0" anchor="ctr"/>
+          <a:bodyPr lIns="0" tIns="0" rIns="0" bIns="0" anchor="ctr"/>
+          <a:lstStyle/>
           <a:p>
             <a:pPr algn="ctr"/>
-            <a:endParaRPr b="0" lang="en-US" sz="4400" spc="-1" strike="noStrike">
-              <a:solidFill>
-                <a:srgbClr val="000000"/>
-              </a:solidFill>
-              <a:uFill>
-                <a:solidFill>
-                  <a:srgbClr val="ffffff"/>
+            <a:endParaRPr lang="en-US" sz="4400" b="0" strike="noStrike" spc="-1">
+              <a:solidFill>
+                <a:srgbClr val="000000"/>
+              </a:solidFill>
+              <a:uFill>
+                <a:solidFill>
+                  <a:srgbClr val="FFFFFF"/>
                 </a:solidFill>
               </a:uFill>
               <a:latin typeface="Arial"/>
@@ -1059,15 +1202,16 @@
           </a:prstGeom>
         </p:spPr>
         <p:txBody>
-          <a:bodyPr lIns="0" rIns="0" tIns="0" bIns="0"/>
-          <a:p>
-            <a:endParaRPr b="0" lang="en-US" sz="3200" spc="-1" strike="noStrike">
-              <a:solidFill>
-                <a:srgbClr val="000000"/>
-              </a:solidFill>
-              <a:uFill>
-                <a:solidFill>
-                  <a:srgbClr val="ffffff"/>
+          <a:bodyPr lIns="0" tIns="0" rIns="0" bIns="0"/>
+          <a:lstStyle/>
+          <a:p>
+            <a:endParaRPr lang="en-US" sz="3200" b="0" strike="noStrike" spc="-1">
+              <a:solidFill>
+                <a:srgbClr val="000000"/>
+              </a:solidFill>
+              <a:uFill>
+                <a:solidFill>
+                  <a:srgbClr val="FFFFFF"/>
                 </a:solidFill>
               </a:uFill>
               <a:latin typeface="Arial"/>
@@ -1095,15 +1239,16 @@
           </a:prstGeom>
         </p:spPr>
         <p:txBody>
-          <a:bodyPr lIns="0" rIns="0" tIns="0" bIns="0"/>
-          <a:p>
-            <a:endParaRPr b="0" lang="en-US" sz="3200" spc="-1" strike="noStrike">
-              <a:solidFill>
-                <a:srgbClr val="000000"/>
-              </a:solidFill>
-              <a:uFill>
-                <a:solidFill>
-                  <a:srgbClr val="ffffff"/>
+          <a:bodyPr lIns="0" tIns="0" rIns="0" bIns="0"/>
+          <a:lstStyle/>
+          <a:p>
+            <a:endParaRPr lang="en-US" sz="3200" b="0" strike="noStrike" spc="-1">
+              <a:solidFill>
+                <a:srgbClr val="000000"/>
+              </a:solidFill>
+              <a:uFill>
+                <a:solidFill>
+                  <a:srgbClr val="FFFFFF"/>
                 </a:solidFill>
               </a:uFill>
               <a:latin typeface="Arial"/>
@@ -1131,15 +1276,16 @@
           </a:prstGeom>
         </p:spPr>
         <p:txBody>
-          <a:bodyPr lIns="0" rIns="0" tIns="0" bIns="0"/>
-          <a:p>
-            <a:endParaRPr b="0" lang="en-US" sz="3200" spc="-1" strike="noStrike">
-              <a:solidFill>
-                <a:srgbClr val="000000"/>
-              </a:solidFill>
-              <a:uFill>
-                <a:solidFill>
-                  <a:srgbClr val="ffffff"/>
+          <a:bodyPr lIns="0" tIns="0" rIns="0" bIns="0"/>
+          <a:lstStyle/>
+          <a:p>
+            <a:endParaRPr lang="en-US" sz="3200" b="0" strike="noStrike" spc="-1">
+              <a:solidFill>
+                <a:srgbClr val="000000"/>
+              </a:solidFill>
+              <a:uFill>
+                <a:solidFill>
+                  <a:srgbClr val="FFFFFF"/>
                 </a:solidFill>
               </a:uFill>
               <a:latin typeface="Arial"/>
@@ -1149,11 +1295,14 @@
       </p:sp>
     </p:spTree>
   </p:cSld>
+  <p:clrMapOvr>
+    <a:masterClrMapping/>
+  </p:clrMapOvr>
 </p:sldLayout>
 </file>
 
 <file path=ppt/slideLayouts/slideLayout8.xml><?xml version="1.0" encoding="utf-8"?>
-<p:sldLayout xmlns:a="http://schemas.openxmlformats.org/drawingml/2006/main" xmlns:p="http://schemas.openxmlformats.org/presentationml/2006/main" xmlns:r="http://schemas.openxmlformats.org/officeDocument/2006/relationships" xmlns:p14="http://schemas.microsoft.com/office/powerpoint/2010/main" xmlns:p15="http://schemas.microsoft.com/office/powerpoint/2012/main" xmlns:mc="http://schemas.openxmlformats.org/markup-compatibility/2006" type="objAndTwoObj" preserve="1">
+<p:sldLayout xmlns:a="http://schemas.openxmlformats.org/drawingml/2006/main" xmlns:r="http://schemas.openxmlformats.org/officeDocument/2006/relationships" xmlns:p="http://schemas.openxmlformats.org/presentationml/2006/main" type="objAndTwoObj" preserve="1">
   <p:cSld name="Title Content and 2 Content">
     <p:spTree>
       <p:nvGrpSpPr>
@@ -1189,16 +1338,17 @@
           </a:prstGeom>
         </p:spPr>
         <p:txBody>
-          <a:bodyPr lIns="0" rIns="0" tIns="0" bIns="0" anchor="ctr"/>
+          <a:bodyPr lIns="0" tIns="0" rIns="0" bIns="0" anchor="ctr"/>
+          <a:lstStyle/>
           <a:p>
             <a:pPr algn="ctr"/>
-            <a:endParaRPr b="0" lang="en-US" sz="4400" spc="-1" strike="noStrike">
-              <a:solidFill>
-                <a:srgbClr val="000000"/>
-              </a:solidFill>
-              <a:uFill>
-                <a:solidFill>
-                  <a:srgbClr val="ffffff"/>
+            <a:endParaRPr lang="en-US" sz="4400" b="0" strike="noStrike" spc="-1">
+              <a:solidFill>
+                <a:srgbClr val="000000"/>
+              </a:solidFill>
+              <a:uFill>
+                <a:solidFill>
+                  <a:srgbClr val="FFFFFF"/>
                 </a:solidFill>
               </a:uFill>
               <a:latin typeface="Arial"/>
@@ -1226,15 +1376,16 @@
           </a:prstGeom>
         </p:spPr>
         <p:txBody>
-          <a:bodyPr lIns="0" rIns="0" tIns="0" bIns="0"/>
-          <a:p>
-            <a:endParaRPr b="0" lang="en-US" sz="3200" spc="-1" strike="noStrike">
-              <a:solidFill>
-                <a:srgbClr val="000000"/>
-              </a:solidFill>
-              <a:uFill>
-                <a:solidFill>
-                  <a:srgbClr val="ffffff"/>
+          <a:bodyPr lIns="0" tIns="0" rIns="0" bIns="0"/>
+          <a:lstStyle/>
+          <a:p>
+            <a:endParaRPr lang="en-US" sz="3200" b="0" strike="noStrike" spc="-1">
+              <a:solidFill>
+                <a:srgbClr val="000000"/>
+              </a:solidFill>
+              <a:uFill>
+                <a:solidFill>
+                  <a:srgbClr val="FFFFFF"/>
                 </a:solidFill>
               </a:uFill>
               <a:latin typeface="Arial"/>
@@ -1262,15 +1413,16 @@
           </a:prstGeom>
         </p:spPr>
         <p:txBody>
-          <a:bodyPr lIns="0" rIns="0" tIns="0" bIns="0"/>
-          <a:p>
-            <a:endParaRPr b="0" lang="en-US" sz="3200" spc="-1" strike="noStrike">
-              <a:solidFill>
-                <a:srgbClr val="000000"/>
-              </a:solidFill>
-              <a:uFill>
-                <a:solidFill>
-                  <a:srgbClr val="ffffff"/>
+          <a:bodyPr lIns="0" tIns="0" rIns="0" bIns="0"/>
+          <a:lstStyle/>
+          <a:p>
+            <a:endParaRPr lang="en-US" sz="3200" b="0" strike="noStrike" spc="-1">
+              <a:solidFill>
+                <a:srgbClr val="000000"/>
+              </a:solidFill>
+              <a:uFill>
+                <a:solidFill>
+                  <a:srgbClr val="FFFFFF"/>
                 </a:solidFill>
               </a:uFill>
               <a:latin typeface="Arial"/>
@@ -1298,15 +1450,16 @@
           </a:prstGeom>
         </p:spPr>
         <p:txBody>
-          <a:bodyPr lIns="0" rIns="0" tIns="0" bIns="0"/>
-          <a:p>
-            <a:endParaRPr b="0" lang="en-US" sz="3200" spc="-1" strike="noStrike">
-              <a:solidFill>
-                <a:srgbClr val="000000"/>
-              </a:solidFill>
-              <a:uFill>
-                <a:solidFill>
-                  <a:srgbClr val="ffffff"/>
+          <a:bodyPr lIns="0" tIns="0" rIns="0" bIns="0"/>
+          <a:lstStyle/>
+          <a:p>
+            <a:endParaRPr lang="en-US" sz="3200" b="0" strike="noStrike" spc="-1">
+              <a:solidFill>
+                <a:srgbClr val="000000"/>
+              </a:solidFill>
+              <a:uFill>
+                <a:solidFill>
+                  <a:srgbClr val="FFFFFF"/>
                 </a:solidFill>
               </a:uFill>
               <a:latin typeface="Arial"/>
@@ -1316,11 +1469,14 @@
       </p:sp>
     </p:spTree>
   </p:cSld>
+  <p:clrMapOvr>
+    <a:masterClrMapping/>
+  </p:clrMapOvr>
 </p:sldLayout>
 </file>
 
 <file path=ppt/slideLayouts/slideLayout9.xml><?xml version="1.0" encoding="utf-8"?>
-<p:sldLayout xmlns:a="http://schemas.openxmlformats.org/drawingml/2006/main" xmlns:p="http://schemas.openxmlformats.org/presentationml/2006/main" xmlns:r="http://schemas.openxmlformats.org/officeDocument/2006/relationships" xmlns:p14="http://schemas.microsoft.com/office/powerpoint/2010/main" xmlns:p15="http://schemas.microsoft.com/office/powerpoint/2012/main" xmlns:mc="http://schemas.openxmlformats.org/markup-compatibility/2006" type="twoObjOverTx" preserve="1">
+<p:sldLayout xmlns:a="http://schemas.openxmlformats.org/drawingml/2006/main" xmlns:r="http://schemas.openxmlformats.org/officeDocument/2006/relationships" xmlns:p="http://schemas.openxmlformats.org/presentationml/2006/main" type="twoObjOverTx" preserve="1">
   <p:cSld name="Title, 2 Content over Content">
     <p:spTree>
       <p:nvGrpSpPr>
@@ -1356,16 +1512,17 @@
           </a:prstGeom>
         </p:spPr>
         <p:txBody>
-          <a:bodyPr lIns="0" rIns="0" tIns="0" bIns="0" anchor="ctr"/>
+          <a:bodyPr lIns="0" tIns="0" rIns="0" bIns="0" anchor="ctr"/>
+          <a:lstStyle/>
           <a:p>
             <a:pPr algn="ctr"/>
-            <a:endParaRPr b="0" lang="en-US" sz="4400" spc="-1" strike="noStrike">
-              <a:solidFill>
-                <a:srgbClr val="000000"/>
-              </a:solidFill>
-              <a:uFill>
-                <a:solidFill>
-                  <a:srgbClr val="ffffff"/>
+            <a:endParaRPr lang="en-US" sz="4400" b="0" strike="noStrike" spc="-1">
+              <a:solidFill>
+                <a:srgbClr val="000000"/>
+              </a:solidFill>
+              <a:uFill>
+                <a:solidFill>
+                  <a:srgbClr val="FFFFFF"/>
                 </a:solidFill>
               </a:uFill>
               <a:latin typeface="Arial"/>
@@ -1393,15 +1550,16 @@
           </a:prstGeom>
         </p:spPr>
         <p:txBody>
-          <a:bodyPr lIns="0" rIns="0" tIns="0" bIns="0"/>
-          <a:p>
-            <a:endParaRPr b="0" lang="en-US" sz="3200" spc="-1" strike="noStrike">
-              <a:solidFill>
-                <a:srgbClr val="000000"/>
-              </a:solidFill>
-              <a:uFill>
-                <a:solidFill>
-                  <a:srgbClr val="ffffff"/>
+          <a:bodyPr lIns="0" tIns="0" rIns="0" bIns="0"/>
+          <a:lstStyle/>
+          <a:p>
+            <a:endParaRPr lang="en-US" sz="3200" b="0" strike="noStrike" spc="-1">
+              <a:solidFill>
+                <a:srgbClr val="000000"/>
+              </a:solidFill>
+              <a:uFill>
+                <a:solidFill>
+                  <a:srgbClr val="FFFFFF"/>
                 </a:solidFill>
               </a:uFill>
               <a:latin typeface="Arial"/>
@@ -1429,15 +1587,16 @@
           </a:prstGeom>
         </p:spPr>
         <p:txBody>
-          <a:bodyPr lIns="0" rIns="0" tIns="0" bIns="0"/>
-          <a:p>
-            <a:endParaRPr b="0" lang="en-US" sz="3200" spc="-1" strike="noStrike">
-              <a:solidFill>
-                <a:srgbClr val="000000"/>
-              </a:solidFill>
-              <a:uFill>
-                <a:solidFill>
-                  <a:srgbClr val="ffffff"/>
+          <a:bodyPr lIns="0" tIns="0" rIns="0" bIns="0"/>
+          <a:lstStyle/>
+          <a:p>
+            <a:endParaRPr lang="en-US" sz="3200" b="0" strike="noStrike" spc="-1">
+              <a:solidFill>
+                <a:srgbClr val="000000"/>
+              </a:solidFill>
+              <a:uFill>
+                <a:solidFill>
+                  <a:srgbClr val="FFFFFF"/>
                 </a:solidFill>
               </a:uFill>
               <a:latin typeface="Arial"/>
@@ -1465,15 +1624,16 @@
           </a:prstGeom>
         </p:spPr>
         <p:txBody>
-          <a:bodyPr lIns="0" rIns="0" tIns="0" bIns="0"/>
-          <a:p>
-            <a:endParaRPr b="0" lang="en-US" sz="3200" spc="-1" strike="noStrike">
-              <a:solidFill>
-                <a:srgbClr val="000000"/>
-              </a:solidFill>
-              <a:uFill>
-                <a:solidFill>
-                  <a:srgbClr val="ffffff"/>
+          <a:bodyPr lIns="0" tIns="0" rIns="0" bIns="0"/>
+          <a:lstStyle/>
+          <a:p>
+            <a:endParaRPr lang="en-US" sz="3200" b="0" strike="noStrike" spc="-1">
+              <a:solidFill>
+                <a:srgbClr val="000000"/>
+              </a:solidFill>
+              <a:uFill>
+                <a:solidFill>
+                  <a:srgbClr val="FFFFFF"/>
                 </a:solidFill>
               </a:uFill>
               <a:latin typeface="Arial"/>
@@ -1483,11 +1643,702 @@
       </p:sp>
     </p:spTree>
   </p:cSld>
+  <p:clrMapOvr>
+    <a:masterClrMapping/>
+  </p:clrMapOvr>
 </p:sldLayout>
 </file>
 
 <file path=ppt/slideMasters/slideMaster1.xml><?xml version="1.0" encoding="utf-8"?>
-<p:sldMaster xmlns:a="http://schemas.openxmlformats.org/drawingml/2006/main" xmlns:p="http://schemas.openxmlformats.org/presentationml/2006/main" xmlns:r="http://schemas.openxmlformats.org/officeDocument/2006/relationships" xmlns:p14="http://schemas.microsoft.com/office/powerpoint/2010/main" xmlns:p15="http://schemas.microsoft.com/office/powerpoint/2012/main" xmlns:mc="http://schemas.openxmlformats.org/markup-compatibility/2006">
+<p:sldMaster xmlns:a="http://schemas.openxmlformats.org/drawingml/2006/main" xmlns:r="http://schemas.openxmlformats.org/officeDocument/2006/relationships" xmlns:p="http://schemas.openxmlformats.org/presentationml/2006/main">
+  <p:cSld>
+    <p:bg>
+      <p:bgRef idx="1001">
+        <a:schemeClr val="bg1"/>
+      </p:bgRef>
+    </p:bg>
+    <p:spTree>
+      <p:nvGrpSpPr>
+        <p:cNvPr id="1" name=""/>
+        <p:cNvGrpSpPr/>
+        <p:nvPr/>
+      </p:nvGrpSpPr>
+      <p:grpSpPr>
+        <a:xfrm>
+          <a:off x="0" y="0"/>
+          <a:ext cx="0" cy="0"/>
+          <a:chOff x="0" y="0"/>
+          <a:chExt cx="0" cy="0"/>
+        </a:xfrm>
+      </p:grpSpPr>
+      <p:sp>
+        <p:nvSpPr>
+          <p:cNvPr id="5" name="PlaceHolder 1"/>
+          <p:cNvSpPr>
+            <a:spLocks noGrp="1"/>
+          </p:cNvSpPr>
+          <p:nvPr>
+            <p:ph type="title"/>
+          </p:nvPr>
+        </p:nvSpPr>
+        <p:spPr>
+          <a:xfrm>
+            <a:off x="504000" y="301320"/>
+            <a:ext cx="9071640" cy="1262160"/>
+          </a:xfrm>
+          <a:prstGeom prst="rect">
+            <a:avLst/>
+          </a:prstGeom>
+        </p:spPr>
+        <p:txBody>
+          <a:bodyPr lIns="0" tIns="0" rIns="0" bIns="0" anchor="ctr"/>
+          <a:lstStyle/>
+          <a:p>
+            <a:pPr algn="ctr"/>
+            <a:r>
+              <a:rPr lang="en-US" sz="4400" b="0" strike="noStrike" spc="-1">
+                <a:solidFill>
+                  <a:srgbClr val="000000"/>
+                </a:solidFill>
+                <a:uFill>
+                  <a:solidFill>
+                    <a:srgbClr val="FFFFFF"/>
+                  </a:solidFill>
+                </a:uFill>
+                <a:latin typeface="Arial"/>
+              </a:rPr>
+              <a:t>Click to edit the title text format</a:t>
+            </a:r>
+          </a:p>
+        </p:txBody>
+      </p:sp>
+      <p:sp>
+        <p:nvSpPr>
+          <p:cNvPr id="6" name="PlaceHolder 2"/>
+          <p:cNvSpPr>
+            <a:spLocks noGrp="1"/>
+          </p:cNvSpPr>
+          <p:nvPr>
+            <p:ph type="body"/>
+          </p:nvPr>
+        </p:nvSpPr>
+        <p:spPr>
+          <a:xfrm>
+            <a:off x="504000" y="1769040"/>
+            <a:ext cx="9071640" cy="4384440"/>
+          </a:xfrm>
+          <a:prstGeom prst="rect">
+            <a:avLst/>
+          </a:prstGeom>
+        </p:spPr>
+        <p:txBody>
+          <a:bodyPr lIns="0" tIns="0" rIns="0" bIns="0"/>
+          <a:lstStyle/>
+          <a:p>
+            <a:pPr marL="432000" indent="-324000">
+              <a:buClr>
+                <a:srgbClr val="000000"/>
+              </a:buClr>
+              <a:buSzPct val="45000"/>
+              <a:buFont typeface="Wingdings" charset="2"/>
+              <a:buChar char=""/>
+            </a:pPr>
+            <a:r>
+              <a:rPr lang="en-US" sz="3200" b="0" strike="noStrike" spc="-1">
+                <a:solidFill>
+                  <a:srgbClr val="000000"/>
+                </a:solidFill>
+                <a:uFill>
+                  <a:solidFill>
+                    <a:srgbClr val="FFFFFF"/>
+                  </a:solidFill>
+                </a:uFill>
+                <a:latin typeface="Arial"/>
+              </a:rPr>
+              <a:t>Click to edit the outline text format</a:t>
+            </a:r>
+          </a:p>
+          <a:p>
+            <a:pPr marL="864000" lvl="1" indent="-324000">
+              <a:buClr>
+                <a:srgbClr val="000000"/>
+              </a:buClr>
+              <a:buSzPct val="75000"/>
+              <a:buFont typeface="Symbol" charset="2"/>
+              <a:buChar char=""/>
+            </a:pPr>
+            <a:r>
+              <a:rPr lang="en-US" sz="2800" b="0" strike="noStrike" spc="-1">
+                <a:solidFill>
+                  <a:srgbClr val="000000"/>
+                </a:solidFill>
+                <a:uFill>
+                  <a:solidFill>
+                    <a:srgbClr val="FFFFFF"/>
+                  </a:solidFill>
+                </a:uFill>
+                <a:latin typeface="Arial"/>
+              </a:rPr>
+              <a:t>Second Outline Level</a:t>
+            </a:r>
+          </a:p>
+          <a:p>
+            <a:pPr marL="1296000" lvl="2" indent="-288000">
+              <a:buClr>
+                <a:srgbClr val="000000"/>
+              </a:buClr>
+              <a:buSzPct val="45000"/>
+              <a:buFont typeface="Wingdings" charset="2"/>
+              <a:buChar char=""/>
+            </a:pPr>
+            <a:r>
+              <a:rPr lang="en-US" sz="2400" b="0" strike="noStrike" spc="-1">
+                <a:solidFill>
+                  <a:srgbClr val="000000"/>
+                </a:solidFill>
+                <a:uFill>
+                  <a:solidFill>
+                    <a:srgbClr val="FFFFFF"/>
+                  </a:solidFill>
+                </a:uFill>
+                <a:latin typeface="Arial"/>
+              </a:rPr>
+              <a:t>Third Outline Level</a:t>
+            </a:r>
+          </a:p>
+          <a:p>
+            <a:pPr marL="1728000" lvl="3" indent="-216000">
+              <a:buClr>
+                <a:srgbClr val="000000"/>
+              </a:buClr>
+              <a:buSzPct val="75000"/>
+              <a:buFont typeface="Symbol" charset="2"/>
+              <a:buChar char=""/>
+            </a:pPr>
+            <a:r>
+              <a:rPr lang="en-US" sz="2000" b="0" strike="noStrike" spc="-1">
+                <a:solidFill>
+                  <a:srgbClr val="000000"/>
+                </a:solidFill>
+                <a:uFill>
+                  <a:solidFill>
+                    <a:srgbClr val="FFFFFF"/>
+                  </a:solidFill>
+                </a:uFill>
+                <a:latin typeface="Arial"/>
+              </a:rPr>
+              <a:t>Fourth Outline Level</a:t>
+            </a:r>
+          </a:p>
+          <a:p>
+            <a:pPr marL="2160000" lvl="4" indent="-216000">
+              <a:buClr>
+                <a:srgbClr val="000000"/>
+              </a:buClr>
+              <a:buSzPct val="45000"/>
+              <a:buFont typeface="Wingdings" charset="2"/>
+              <a:buChar char=""/>
+            </a:pPr>
+            <a:r>
+              <a:rPr lang="en-US" sz="2000" b="0" strike="noStrike" spc="-1">
+                <a:solidFill>
+                  <a:srgbClr val="000000"/>
+                </a:solidFill>
+                <a:uFill>
+                  <a:solidFill>
+                    <a:srgbClr val="FFFFFF"/>
+                  </a:solidFill>
+                </a:uFill>
+                <a:latin typeface="Arial"/>
+              </a:rPr>
+              <a:t>Fifth Outline Level</a:t>
+            </a:r>
+          </a:p>
+          <a:p>
+            <a:pPr marL="2592000" lvl="5" indent="-216000">
+              <a:buClr>
+                <a:srgbClr val="000000"/>
+              </a:buClr>
+              <a:buSzPct val="45000"/>
+              <a:buFont typeface="Wingdings" charset="2"/>
+              <a:buChar char=""/>
+            </a:pPr>
+            <a:r>
+              <a:rPr lang="en-US" sz="2000" b="0" strike="noStrike" spc="-1">
+                <a:solidFill>
+                  <a:srgbClr val="000000"/>
+                </a:solidFill>
+                <a:uFill>
+                  <a:solidFill>
+                    <a:srgbClr val="FFFFFF"/>
+                  </a:solidFill>
+                </a:uFill>
+                <a:latin typeface="Arial"/>
+              </a:rPr>
+              <a:t>Sixth Outline Level</a:t>
+            </a:r>
+          </a:p>
+          <a:p>
+            <a:pPr marL="3024000" lvl="6" indent="-216000">
+              <a:buClr>
+                <a:srgbClr val="000000"/>
+              </a:buClr>
+              <a:buSzPct val="45000"/>
+              <a:buFont typeface="Wingdings" charset="2"/>
+              <a:buChar char=""/>
+            </a:pPr>
+            <a:r>
+              <a:rPr lang="en-US" sz="2000" b="0" strike="noStrike" spc="-1">
+                <a:solidFill>
+                  <a:srgbClr val="000000"/>
+                </a:solidFill>
+                <a:uFill>
+                  <a:solidFill>
+                    <a:srgbClr val="FFFFFF"/>
+                  </a:solidFill>
+                </a:uFill>
+                <a:latin typeface="Arial"/>
+              </a:rPr>
+              <a:t>Seventh Outline Level</a:t>
+            </a:r>
+          </a:p>
+        </p:txBody>
+      </p:sp>
+      <p:sp>
+        <p:nvSpPr>
+          <p:cNvPr id="2" name="PlaceHolder 3"/>
+          <p:cNvSpPr>
+            <a:spLocks noGrp="1"/>
+          </p:cNvSpPr>
+          <p:nvPr>
+            <p:ph type="dt"/>
+          </p:nvPr>
+        </p:nvSpPr>
+        <p:spPr>
+          <a:xfrm>
+            <a:off x="504000" y="6887160"/>
+            <a:ext cx="2348280" cy="521280"/>
+          </a:xfrm>
+          <a:prstGeom prst="rect">
+            <a:avLst/>
+          </a:prstGeom>
+        </p:spPr>
+        <p:txBody>
+          <a:bodyPr lIns="0" tIns="0" rIns="0" bIns="0"/>
+          <a:lstStyle/>
+          <a:p>
+            <a:r>
+              <a:rPr lang="en-US" sz="1400" b="0" strike="noStrike" spc="-1">
+                <a:solidFill>
+                  <a:srgbClr val="000000"/>
+                </a:solidFill>
+                <a:uFill>
+                  <a:solidFill>
+                    <a:srgbClr val="FFFFFF"/>
+                  </a:solidFill>
+                </a:uFill>
+                <a:latin typeface="Times New Roman"/>
+              </a:rPr>
+              <a:t>&lt;date/time&gt;</a:t>
+            </a:r>
+          </a:p>
+        </p:txBody>
+      </p:sp>
+      <p:sp>
+        <p:nvSpPr>
+          <p:cNvPr id="3" name="PlaceHolder 4"/>
+          <p:cNvSpPr>
+            <a:spLocks noGrp="1"/>
+          </p:cNvSpPr>
+          <p:nvPr>
+            <p:ph type="ftr"/>
+          </p:nvPr>
+        </p:nvSpPr>
+        <p:spPr>
+          <a:xfrm>
+            <a:off x="3447360" y="6887160"/>
+            <a:ext cx="3195000" cy="521280"/>
+          </a:xfrm>
+          <a:prstGeom prst="rect">
+            <a:avLst/>
+          </a:prstGeom>
+        </p:spPr>
+        <p:txBody>
+          <a:bodyPr lIns="0" tIns="0" rIns="0" bIns="0"/>
+          <a:lstStyle/>
+          <a:p>
+            <a:pPr algn="ctr"/>
+            <a:r>
+              <a:rPr lang="en-US" sz="1400" b="0" strike="noStrike" spc="-1">
+                <a:solidFill>
+                  <a:srgbClr val="000000"/>
+                </a:solidFill>
+                <a:uFill>
+                  <a:solidFill>
+                    <a:srgbClr val="FFFFFF"/>
+                  </a:solidFill>
+                </a:uFill>
+                <a:latin typeface="Times New Roman"/>
+              </a:rPr>
+              <a:t>&lt;footer&gt;</a:t>
+            </a:r>
+          </a:p>
+        </p:txBody>
+      </p:sp>
+      <p:sp>
+        <p:nvSpPr>
+          <p:cNvPr id="4" name="PlaceHolder 5"/>
+          <p:cNvSpPr>
+            <a:spLocks noGrp="1"/>
+          </p:cNvSpPr>
+          <p:nvPr>
+            <p:ph type="sldNum"/>
+          </p:nvPr>
+        </p:nvSpPr>
+        <p:spPr>
+          <a:xfrm>
+            <a:off x="7227360" y="6887160"/>
+            <a:ext cx="2348280" cy="521280"/>
+          </a:xfrm>
+          <a:prstGeom prst="rect">
+            <a:avLst/>
+          </a:prstGeom>
+        </p:spPr>
+        <p:txBody>
+          <a:bodyPr lIns="0" tIns="0" rIns="0" bIns="0"/>
+          <a:lstStyle/>
+          <a:p>
+            <a:pPr algn="r"/>
+            <a:fld id="{F54A6757-5C35-41DC-85E6-E0564697A992}" type="slidenum">
+              <a:rPr lang="en-US" sz="1400" b="0" strike="noStrike" spc="-1">
+                <a:solidFill>
+                  <a:srgbClr val="000000"/>
+                </a:solidFill>
+                <a:uFill>
+                  <a:solidFill>
+                    <a:srgbClr val="FFFFFF"/>
+                  </a:solidFill>
+                </a:uFill>
+                <a:latin typeface="Times New Roman"/>
+              </a:rPr>
+              <a:t>‹#›</a:t>
+            </a:fld>
+            <a:endParaRPr lang="en-US" sz="1400" b="0" strike="noStrike" spc="-1">
+              <a:solidFill>
+                <a:srgbClr val="000000"/>
+              </a:solidFill>
+              <a:uFill>
+                <a:solidFill>
+                  <a:srgbClr val="FFFFFF"/>
+                </a:solidFill>
+              </a:uFill>
+              <a:latin typeface="Times New Roman"/>
+            </a:endParaRPr>
+          </a:p>
+        </p:txBody>
+      </p:sp>
+    </p:spTree>
+  </p:cSld>
+  <p:clrMap bg1="lt1" tx1="dk1" bg2="lt2" tx2="dk2" accent1="accent1" accent2="accent2" accent3="accent3" accent4="accent4" accent5="accent5" accent6="accent6" hlink="hlink" folHlink="folHlink"/>
+  <p:sldLayoutIdLst>
+    <p:sldLayoutId id="2147483649" r:id="rId1"/>
+    <p:sldLayoutId id="2147483650" r:id="rId2"/>
+    <p:sldLayoutId id="2147483651" r:id="rId3"/>
+    <p:sldLayoutId id="2147483652" r:id="rId4"/>
+    <p:sldLayoutId id="2147483653" r:id="rId5"/>
+    <p:sldLayoutId id="2147483654" r:id="rId6"/>
+    <p:sldLayoutId id="2147483655" r:id="rId7"/>
+    <p:sldLayoutId id="2147483656" r:id="rId8"/>
+    <p:sldLayoutId id="2147483657" r:id="rId9"/>
+    <p:sldLayoutId id="2147483658" r:id="rId10"/>
+    <p:sldLayoutId id="2147483659" r:id="rId11"/>
+    <p:sldLayoutId id="2147483660" r:id="rId12"/>
+  </p:sldLayoutIdLst>
+  <p:txStyles>
+    <p:titleStyle>
+      <a:lvl1pPr algn="l" defTabSz="914400" rtl="0" eaLnBrk="1" latinLnBrk="0" hangingPunct="1">
+        <a:lnSpc>
+          <a:spcPct val="90000"/>
+        </a:lnSpc>
+        <a:spcBef>
+          <a:spcPct val="0"/>
+        </a:spcBef>
+        <a:buNone/>
+        <a:defRPr sz="4400" kern="1200">
+          <a:solidFill>
+            <a:schemeClr val="tx1"/>
+          </a:solidFill>
+          <a:latin typeface="+mj-lt"/>
+          <a:ea typeface="+mj-ea"/>
+          <a:cs typeface="+mj-cs"/>
+        </a:defRPr>
+      </a:lvl1pPr>
+    </p:titleStyle>
+    <p:bodyStyle>
+      <a:lvl1pPr marL="228600" indent="-228600" algn="l" defTabSz="914400" rtl="0" eaLnBrk="1" latinLnBrk="0" hangingPunct="1">
+        <a:lnSpc>
+          <a:spcPct val="90000"/>
+        </a:lnSpc>
+        <a:spcBef>
+          <a:spcPts val="1000"/>
+        </a:spcBef>
+        <a:buFont typeface="Arial" panose="020B0604020202020204" pitchFamily="34" charset="0"/>
+        <a:buChar char="•"/>
+        <a:defRPr sz="2800" kern="1200">
+          <a:solidFill>
+            <a:schemeClr val="tx1"/>
+          </a:solidFill>
+          <a:latin typeface="+mn-lt"/>
+          <a:ea typeface="+mn-ea"/>
+          <a:cs typeface="+mn-cs"/>
+        </a:defRPr>
+      </a:lvl1pPr>
+      <a:lvl2pPr marL="685800" indent="-228600" algn="l" defTabSz="914400" rtl="0" eaLnBrk="1" latinLnBrk="0" hangingPunct="1">
+        <a:lnSpc>
+          <a:spcPct val="90000"/>
+        </a:lnSpc>
+        <a:spcBef>
+          <a:spcPts val="500"/>
+        </a:spcBef>
+        <a:buFont typeface="Arial" panose="020B0604020202020204" pitchFamily="34" charset="0"/>
+        <a:buChar char="•"/>
+        <a:defRPr sz="2400" kern="1200">
+          <a:solidFill>
+            <a:schemeClr val="tx1"/>
+          </a:solidFill>
+          <a:latin typeface="+mn-lt"/>
+          <a:ea typeface="+mn-ea"/>
+          <a:cs typeface="+mn-cs"/>
+        </a:defRPr>
+      </a:lvl2pPr>
+      <a:lvl3pPr marL="1143000" indent="-228600" algn="l" defTabSz="914400" rtl="0" eaLnBrk="1" latinLnBrk="0" hangingPunct="1">
+        <a:lnSpc>
+          <a:spcPct val="90000"/>
+        </a:lnSpc>
+        <a:spcBef>
+          <a:spcPts val="500"/>
+        </a:spcBef>
+        <a:buFont typeface="Arial" panose="020B0604020202020204" pitchFamily="34" charset="0"/>
+        <a:buChar char="•"/>
+        <a:defRPr sz="2000" kern="1200">
+          <a:solidFill>
+            <a:schemeClr val="tx1"/>
+          </a:solidFill>
+          <a:latin typeface="+mn-lt"/>
+          <a:ea typeface="+mn-ea"/>
+          <a:cs typeface="+mn-cs"/>
+        </a:defRPr>
+      </a:lvl3pPr>
+      <a:lvl4pPr marL="1600200" indent="-228600" algn="l" defTabSz="914400" rtl="0" eaLnBrk="1" latinLnBrk="0" hangingPunct="1">
+        <a:lnSpc>
+          <a:spcPct val="90000"/>
+        </a:lnSpc>
+        <a:spcBef>
+          <a:spcPts val="500"/>
+        </a:spcBef>
+        <a:buFont typeface="Arial" panose="020B0604020202020204" pitchFamily="34" charset="0"/>
+        <a:buChar char="•"/>
+        <a:defRPr sz="1800" kern="1200">
+          <a:solidFill>
+            <a:schemeClr val="tx1"/>
+          </a:solidFill>
+          <a:latin typeface="+mn-lt"/>
+          <a:ea typeface="+mn-ea"/>
+          <a:cs typeface="+mn-cs"/>
+        </a:defRPr>
+      </a:lvl4pPr>
+      <a:lvl5pPr marL="2057400" indent="-228600" algn="l" defTabSz="914400" rtl="0" eaLnBrk="1" latinLnBrk="0" hangingPunct="1">
+        <a:lnSpc>
+          <a:spcPct val="90000"/>
+        </a:lnSpc>
+        <a:spcBef>
+          <a:spcPts val="500"/>
+        </a:spcBef>
+        <a:buFont typeface="Arial" panose="020B0604020202020204" pitchFamily="34" charset="0"/>
+        <a:buChar char="•"/>
+        <a:defRPr sz="1800" kern="1200">
+          <a:solidFill>
+            <a:schemeClr val="tx1"/>
+          </a:solidFill>
+          <a:latin typeface="+mn-lt"/>
+          <a:ea typeface="+mn-ea"/>
+          <a:cs typeface="+mn-cs"/>
+        </a:defRPr>
+      </a:lvl5pPr>
+      <a:lvl6pPr marL="2514600" indent="-228600" algn="l" defTabSz="914400" rtl="0" eaLnBrk="1" latinLnBrk="0" hangingPunct="1">
+        <a:lnSpc>
+          <a:spcPct val="90000"/>
+        </a:lnSpc>
+        <a:spcBef>
+          <a:spcPts val="500"/>
+        </a:spcBef>
+        <a:buFont typeface="Arial" panose="020B0604020202020204" pitchFamily="34" charset="0"/>
+        <a:buChar char="•"/>
+        <a:defRPr sz="1800" kern="1200">
+          <a:solidFill>
+            <a:schemeClr val="tx1"/>
+          </a:solidFill>
+          <a:latin typeface="+mn-lt"/>
+          <a:ea typeface="+mn-ea"/>
+          <a:cs typeface="+mn-cs"/>
+        </a:defRPr>
+      </a:lvl6pPr>
+      <a:lvl7pPr marL="2971800" indent="-228600" algn="l" defTabSz="914400" rtl="0" eaLnBrk="1" latinLnBrk="0" hangingPunct="1">
+        <a:lnSpc>
+          <a:spcPct val="90000"/>
+        </a:lnSpc>
+        <a:spcBef>
+          <a:spcPts val="500"/>
+        </a:spcBef>
+        <a:buFont typeface="Arial" panose="020B0604020202020204" pitchFamily="34" charset="0"/>
+        <a:buChar char="•"/>
+        <a:defRPr sz="1800" kern="1200">
+          <a:solidFill>
+            <a:schemeClr val="tx1"/>
+          </a:solidFill>
+          <a:latin typeface="+mn-lt"/>
+          <a:ea typeface="+mn-ea"/>
+          <a:cs typeface="+mn-cs"/>
+        </a:defRPr>
+      </a:lvl7pPr>
+      <a:lvl8pPr marL="3429000" indent="-228600" algn="l" defTabSz="914400" rtl="0" eaLnBrk="1" latinLnBrk="0" hangingPunct="1">
+        <a:lnSpc>
+          <a:spcPct val="90000"/>
+        </a:lnSpc>
+        <a:spcBef>
+          <a:spcPts val="500"/>
+        </a:spcBef>
+        <a:buFont typeface="Arial" panose="020B0604020202020204" pitchFamily="34" charset="0"/>
+        <a:buChar char="•"/>
+        <a:defRPr sz="1800" kern="1200">
+          <a:solidFill>
+            <a:schemeClr val="tx1"/>
+          </a:solidFill>
+          <a:latin typeface="+mn-lt"/>
+          <a:ea typeface="+mn-ea"/>
+          <a:cs typeface="+mn-cs"/>
+        </a:defRPr>
+      </a:lvl8pPr>
+      <a:lvl9pPr marL="3886200" indent="-228600" algn="l" defTabSz="914400" rtl="0" eaLnBrk="1" latinLnBrk="0" hangingPunct="1">
+        <a:lnSpc>
+          <a:spcPct val="90000"/>
+        </a:lnSpc>
+        <a:spcBef>
+          <a:spcPts val="500"/>
+        </a:spcBef>
+        <a:buFont typeface="Arial" panose="020B0604020202020204" pitchFamily="34" charset="0"/>
+        <a:buChar char="•"/>
+        <a:defRPr sz="1800" kern="1200">
+          <a:solidFill>
+            <a:schemeClr val="tx1"/>
+          </a:solidFill>
+          <a:latin typeface="+mn-lt"/>
+          <a:ea typeface="+mn-ea"/>
+          <a:cs typeface="+mn-cs"/>
+        </a:defRPr>
+      </a:lvl9pPr>
+    </p:bodyStyle>
+    <p:otherStyle>
+      <a:defPPr>
+        <a:defRPr lang="en-US"/>
+      </a:defPPr>
+      <a:lvl1pPr marL="0" algn="l" defTabSz="914400" rtl="0" eaLnBrk="1" latinLnBrk="0" hangingPunct="1">
+        <a:defRPr sz="1800" kern="1200">
+          <a:solidFill>
+            <a:schemeClr val="tx1"/>
+          </a:solidFill>
+          <a:latin typeface="+mn-lt"/>
+          <a:ea typeface="+mn-ea"/>
+          <a:cs typeface="+mn-cs"/>
+        </a:defRPr>
+      </a:lvl1pPr>
+      <a:lvl2pPr marL="457200" algn="l" defTabSz="914400" rtl="0" eaLnBrk="1" latinLnBrk="0" hangingPunct="1">
+        <a:defRPr sz="1800" kern="1200">
+          <a:solidFill>
+            <a:schemeClr val="tx1"/>
+          </a:solidFill>
+          <a:latin typeface="+mn-lt"/>
+          <a:ea typeface="+mn-ea"/>
+          <a:cs typeface="+mn-cs"/>
+        </a:defRPr>
+      </a:lvl2pPr>
+      <a:lvl3pPr marL="914400" algn="l" defTabSz="914400" rtl="0" eaLnBrk="1" latinLnBrk="0" hangingPunct="1">
+        <a:defRPr sz="1800" kern="1200">
+          <a:solidFill>
+            <a:schemeClr val="tx1"/>
+          </a:solidFill>
+          <a:latin typeface="+mn-lt"/>
+          <a:ea typeface="+mn-ea"/>
+          <a:cs typeface="+mn-cs"/>
+        </a:defRPr>
+      </a:lvl3pPr>
+      <a:lvl4pPr marL="1371600" algn="l" defTabSz="914400" rtl="0" eaLnBrk="1" latinLnBrk="0" hangingPunct="1">
+        <a:defRPr sz="1800" kern="1200">
+          <a:solidFill>
+            <a:schemeClr val="tx1"/>
+          </a:solidFill>
+          <a:latin typeface="+mn-lt"/>
+          <a:ea typeface="+mn-ea"/>
+          <a:cs typeface="+mn-cs"/>
+        </a:defRPr>
+      </a:lvl4pPr>
+      <a:lvl5pPr marL="1828800" algn="l" defTabSz="914400" rtl="0" eaLnBrk="1" latinLnBrk="0" hangingPunct="1">
+        <a:defRPr sz="1800" kern="1200">
+          <a:solidFill>
+            <a:schemeClr val="tx1"/>
+          </a:solidFill>
+          <a:latin typeface="+mn-lt"/>
+          <a:ea typeface="+mn-ea"/>
+          <a:cs typeface="+mn-cs"/>
+        </a:defRPr>
+      </a:lvl5pPr>
+      <a:lvl6pPr marL="2286000" algn="l" defTabSz="914400" rtl="0" eaLnBrk="1" latinLnBrk="0" hangingPunct="1">
+        <a:defRPr sz="1800" kern="1200">
+          <a:solidFill>
+            <a:schemeClr val="tx1"/>
+          </a:solidFill>
+          <a:latin typeface="+mn-lt"/>
+          <a:ea typeface="+mn-ea"/>
+          <a:cs typeface="+mn-cs"/>
+        </a:defRPr>
+      </a:lvl6pPr>
+      <a:lvl7pPr marL="2743200" algn="l" defTabSz="914400" rtl="0" eaLnBrk="1" latinLnBrk="0" hangingPunct="1">
+        <a:defRPr sz="1800" kern="1200">
+          <a:solidFill>
+            <a:schemeClr val="tx1"/>
+          </a:solidFill>
+          <a:latin typeface="+mn-lt"/>
+          <a:ea typeface="+mn-ea"/>
+          <a:cs typeface="+mn-cs"/>
+        </a:defRPr>
+      </a:lvl7pPr>
+      <a:lvl8pPr marL="3200400" algn="l" defTabSz="914400" rtl="0" eaLnBrk="1" latinLnBrk="0" hangingPunct="1">
+        <a:defRPr sz="1800" kern="1200">
+          <a:solidFill>
+            <a:schemeClr val="tx1"/>
+          </a:solidFill>
+          <a:latin typeface="+mn-lt"/>
+          <a:ea typeface="+mn-ea"/>
+          <a:cs typeface="+mn-cs"/>
+        </a:defRPr>
+      </a:lvl8pPr>
+      <a:lvl9pPr marL="3657600" algn="l" defTabSz="914400" rtl="0" eaLnBrk="1" latinLnBrk="0" hangingPunct="1">
+        <a:defRPr sz="1800" kern="1200">
+          <a:solidFill>
+            <a:schemeClr val="tx1"/>
+          </a:solidFill>
+          <a:latin typeface="+mn-lt"/>
+          <a:ea typeface="+mn-ea"/>
+          <a:cs typeface="+mn-cs"/>
+        </a:defRPr>
+      </a:lvl9pPr>
+    </p:otherStyle>
+  </p:txStyles>
+</p:sldMaster>
+</file>
+
+<file path=ppt/slides/slide1.xml><?xml version="1.0" encoding="utf-8"?>
+<p:sld xmlns:a="http://schemas.openxmlformats.org/drawingml/2006/main" xmlns:r="http://schemas.openxmlformats.org/officeDocument/2006/relationships" xmlns:p="http://schemas.openxmlformats.org/presentationml/2006/main">
   <p:cSld>
     <p:spTree>
       <p:nvGrpSpPr>
@@ -1505,514 +2356,6 @@
       </p:grpSpPr>
       <p:sp>
         <p:nvSpPr>
-          <p:cNvPr id="0" name="PlaceHolder 1"/>
-          <p:cNvSpPr>
-            <a:spLocks noGrp="1"/>
-          </p:cNvSpPr>
-          <p:nvPr>
-            <p:ph type="title"/>
-          </p:nvPr>
-        </p:nvSpPr>
-        <p:spPr>
-          <a:xfrm>
-            <a:off x="504000" y="301320"/>
-            <a:ext cx="9071640" cy="1262160"/>
-          </a:xfrm>
-          <a:prstGeom prst="rect">
-            <a:avLst/>
-          </a:prstGeom>
-        </p:spPr>
-        <p:txBody>
-          <a:bodyPr lIns="0" rIns="0" tIns="0" bIns="0" anchor="ctr"/>
-          <a:p>
-            <a:pPr algn="ctr"/>
-            <a:r>
-              <a:rPr b="0" lang="en-US" sz="4400" spc="-1" strike="noStrike">
-                <a:solidFill>
-                  <a:srgbClr val="000000"/>
-                </a:solidFill>
-                <a:uFill>
-                  <a:solidFill>
-                    <a:srgbClr val="ffffff"/>
-                  </a:solidFill>
-                </a:uFill>
-                <a:latin typeface="Arial"/>
-              </a:rPr>
-              <a:t>Click to edit the title text format</a:t>
-            </a:r>
-            <a:endParaRPr b="0" lang="en-US" sz="4400" spc="-1" strike="noStrike">
-              <a:solidFill>
-                <a:srgbClr val="000000"/>
-              </a:solidFill>
-              <a:uFill>
-                <a:solidFill>
-                  <a:srgbClr val="ffffff"/>
-                </a:solidFill>
-              </a:uFill>
-              <a:latin typeface="Arial"/>
-            </a:endParaRPr>
-          </a:p>
-        </p:txBody>
-      </p:sp>
-      <p:sp>
-        <p:nvSpPr>
-          <p:cNvPr id="1" name="PlaceHolder 2"/>
-          <p:cNvSpPr>
-            <a:spLocks noGrp="1"/>
-          </p:cNvSpPr>
-          <p:nvPr>
-            <p:ph type="body"/>
-          </p:nvPr>
-        </p:nvSpPr>
-        <p:spPr>
-          <a:xfrm>
-            <a:off x="504000" y="1769040"/>
-            <a:ext cx="9071640" cy="4384440"/>
-          </a:xfrm>
-          <a:prstGeom prst="rect">
-            <a:avLst/>
-          </a:prstGeom>
-        </p:spPr>
-        <p:txBody>
-          <a:bodyPr lIns="0" rIns="0" tIns="0" bIns="0"/>
-          <a:p>
-            <a:pPr marL="432000" indent="-324000">
-              <a:buClr>
-                <a:srgbClr val="000000"/>
-              </a:buClr>
-              <a:buSzPct val="45000"/>
-              <a:buFont typeface="Wingdings" charset="2"/>
-              <a:buChar char=""/>
-            </a:pPr>
-            <a:r>
-              <a:rPr b="0" lang="en-US" sz="3200" spc="-1" strike="noStrike">
-                <a:solidFill>
-                  <a:srgbClr val="000000"/>
-                </a:solidFill>
-                <a:uFill>
-                  <a:solidFill>
-                    <a:srgbClr val="ffffff"/>
-                  </a:solidFill>
-                </a:uFill>
-                <a:latin typeface="Arial"/>
-              </a:rPr>
-              <a:t>Click to edit the outline text format</a:t>
-            </a:r>
-            <a:endParaRPr b="0" lang="en-US" sz="3200" spc="-1" strike="noStrike">
-              <a:solidFill>
-                <a:srgbClr val="000000"/>
-              </a:solidFill>
-              <a:uFill>
-                <a:solidFill>
-                  <a:srgbClr val="ffffff"/>
-                </a:solidFill>
-              </a:uFill>
-              <a:latin typeface="Arial"/>
-            </a:endParaRPr>
-          </a:p>
-          <a:p>
-            <a:pPr lvl="1" marL="864000" indent="-324000">
-              <a:buClr>
-                <a:srgbClr val="000000"/>
-              </a:buClr>
-              <a:buSzPct val="75000"/>
-              <a:buFont typeface="Symbol" charset="2"/>
-              <a:buChar char=""/>
-            </a:pPr>
-            <a:r>
-              <a:rPr b="0" lang="en-US" sz="2800" spc="-1" strike="noStrike">
-                <a:solidFill>
-                  <a:srgbClr val="000000"/>
-                </a:solidFill>
-                <a:uFill>
-                  <a:solidFill>
-                    <a:srgbClr val="ffffff"/>
-                  </a:solidFill>
-                </a:uFill>
-                <a:latin typeface="Arial"/>
-              </a:rPr>
-              <a:t>Second Outline Level</a:t>
-            </a:r>
-            <a:endParaRPr b="0" lang="en-US" sz="2800" spc="-1" strike="noStrike">
-              <a:solidFill>
-                <a:srgbClr val="000000"/>
-              </a:solidFill>
-              <a:uFill>
-                <a:solidFill>
-                  <a:srgbClr val="ffffff"/>
-                </a:solidFill>
-              </a:uFill>
-              <a:latin typeface="Arial"/>
-            </a:endParaRPr>
-          </a:p>
-          <a:p>
-            <a:pPr lvl="2" marL="1296000" indent="-288000">
-              <a:buClr>
-                <a:srgbClr val="000000"/>
-              </a:buClr>
-              <a:buSzPct val="45000"/>
-              <a:buFont typeface="Wingdings" charset="2"/>
-              <a:buChar char=""/>
-            </a:pPr>
-            <a:r>
-              <a:rPr b="0" lang="en-US" sz="2400" spc="-1" strike="noStrike">
-                <a:solidFill>
-                  <a:srgbClr val="000000"/>
-                </a:solidFill>
-                <a:uFill>
-                  <a:solidFill>
-                    <a:srgbClr val="ffffff"/>
-                  </a:solidFill>
-                </a:uFill>
-                <a:latin typeface="Arial"/>
-              </a:rPr>
-              <a:t>Third Outline Level</a:t>
-            </a:r>
-            <a:endParaRPr b="0" lang="en-US" sz="2400" spc="-1" strike="noStrike">
-              <a:solidFill>
-                <a:srgbClr val="000000"/>
-              </a:solidFill>
-              <a:uFill>
-                <a:solidFill>
-                  <a:srgbClr val="ffffff"/>
-                </a:solidFill>
-              </a:uFill>
-              <a:latin typeface="Arial"/>
-            </a:endParaRPr>
-          </a:p>
-          <a:p>
-            <a:pPr lvl="3" marL="1728000" indent="-216000">
-              <a:buClr>
-                <a:srgbClr val="000000"/>
-              </a:buClr>
-              <a:buSzPct val="75000"/>
-              <a:buFont typeface="Symbol" charset="2"/>
-              <a:buChar char=""/>
-            </a:pPr>
-            <a:r>
-              <a:rPr b="0" lang="en-US" sz="2000" spc="-1" strike="noStrike">
-                <a:solidFill>
-                  <a:srgbClr val="000000"/>
-                </a:solidFill>
-                <a:uFill>
-                  <a:solidFill>
-                    <a:srgbClr val="ffffff"/>
-                  </a:solidFill>
-                </a:uFill>
-                <a:latin typeface="Arial"/>
-              </a:rPr>
-              <a:t>Fourth Outline Level</a:t>
-            </a:r>
-            <a:endParaRPr b="0" lang="en-US" sz="2000" spc="-1" strike="noStrike">
-              <a:solidFill>
-                <a:srgbClr val="000000"/>
-              </a:solidFill>
-              <a:uFill>
-                <a:solidFill>
-                  <a:srgbClr val="ffffff"/>
-                </a:solidFill>
-              </a:uFill>
-              <a:latin typeface="Arial"/>
-            </a:endParaRPr>
-          </a:p>
-          <a:p>
-            <a:pPr lvl="4" marL="2160000" indent="-216000">
-              <a:buClr>
-                <a:srgbClr val="000000"/>
-              </a:buClr>
-              <a:buSzPct val="45000"/>
-              <a:buFont typeface="Wingdings" charset="2"/>
-              <a:buChar char=""/>
-            </a:pPr>
-            <a:r>
-              <a:rPr b="0" lang="en-US" sz="2000" spc="-1" strike="noStrike">
-                <a:solidFill>
-                  <a:srgbClr val="000000"/>
-                </a:solidFill>
-                <a:uFill>
-                  <a:solidFill>
-                    <a:srgbClr val="ffffff"/>
-                  </a:solidFill>
-                </a:uFill>
-                <a:latin typeface="Arial"/>
-              </a:rPr>
-              <a:t>Fifth Outline Level</a:t>
-            </a:r>
-            <a:endParaRPr b="0" lang="en-US" sz="2000" spc="-1" strike="noStrike">
-              <a:solidFill>
-                <a:srgbClr val="000000"/>
-              </a:solidFill>
-              <a:uFill>
-                <a:solidFill>
-                  <a:srgbClr val="ffffff"/>
-                </a:solidFill>
-              </a:uFill>
-              <a:latin typeface="Arial"/>
-            </a:endParaRPr>
-          </a:p>
-          <a:p>
-            <a:pPr lvl="5" marL="2592000" indent="-216000">
-              <a:buClr>
-                <a:srgbClr val="000000"/>
-              </a:buClr>
-              <a:buSzPct val="45000"/>
-              <a:buFont typeface="Wingdings" charset="2"/>
-              <a:buChar char=""/>
-            </a:pPr>
-            <a:r>
-              <a:rPr b="0" lang="en-US" sz="2000" spc="-1" strike="noStrike">
-                <a:solidFill>
-                  <a:srgbClr val="000000"/>
-                </a:solidFill>
-                <a:uFill>
-                  <a:solidFill>
-                    <a:srgbClr val="ffffff"/>
-                  </a:solidFill>
-                </a:uFill>
-                <a:latin typeface="Arial"/>
-              </a:rPr>
-              <a:t>Sixth Outline Level</a:t>
-            </a:r>
-            <a:endParaRPr b="0" lang="en-US" sz="2000" spc="-1" strike="noStrike">
-              <a:solidFill>
-                <a:srgbClr val="000000"/>
-              </a:solidFill>
-              <a:uFill>
-                <a:solidFill>
-                  <a:srgbClr val="ffffff"/>
-                </a:solidFill>
-              </a:uFill>
-              <a:latin typeface="Arial"/>
-            </a:endParaRPr>
-          </a:p>
-          <a:p>
-            <a:pPr lvl="6" marL="3024000" indent="-216000">
-              <a:buClr>
-                <a:srgbClr val="000000"/>
-              </a:buClr>
-              <a:buSzPct val="45000"/>
-              <a:buFont typeface="Wingdings" charset="2"/>
-              <a:buChar char=""/>
-            </a:pPr>
-            <a:r>
-              <a:rPr b="0" lang="en-US" sz="2000" spc="-1" strike="noStrike">
-                <a:solidFill>
-                  <a:srgbClr val="000000"/>
-                </a:solidFill>
-                <a:uFill>
-                  <a:solidFill>
-                    <a:srgbClr val="ffffff"/>
-                  </a:solidFill>
-                </a:uFill>
-                <a:latin typeface="Arial"/>
-              </a:rPr>
-              <a:t>Seventh Outline Level</a:t>
-            </a:r>
-            <a:endParaRPr b="0" lang="en-US" sz="2000" spc="-1" strike="noStrike">
-              <a:solidFill>
-                <a:srgbClr val="000000"/>
-              </a:solidFill>
-              <a:uFill>
-                <a:solidFill>
-                  <a:srgbClr val="ffffff"/>
-                </a:solidFill>
-              </a:uFill>
-              <a:latin typeface="Arial"/>
-            </a:endParaRPr>
-          </a:p>
-        </p:txBody>
-      </p:sp>
-      <p:sp>
-        <p:nvSpPr>
-          <p:cNvPr id="2" name="PlaceHolder 3"/>
-          <p:cNvSpPr>
-            <a:spLocks noGrp="1"/>
-          </p:cNvSpPr>
-          <p:nvPr>
-            <p:ph type="dt"/>
-          </p:nvPr>
-        </p:nvSpPr>
-        <p:spPr>
-          <a:xfrm>
-            <a:off x="504000" y="6887160"/>
-            <a:ext cx="2348280" cy="521280"/>
-          </a:xfrm>
-          <a:prstGeom prst="rect">
-            <a:avLst/>
-          </a:prstGeom>
-        </p:spPr>
-        <p:txBody>
-          <a:bodyPr lIns="0" rIns="0" tIns="0" bIns="0"/>
-          <a:p>
-            <a:r>
-              <a:rPr b="0" lang="en-US" sz="1400" spc="-1" strike="noStrike">
-                <a:solidFill>
-                  <a:srgbClr val="000000"/>
-                </a:solidFill>
-                <a:uFill>
-                  <a:solidFill>
-                    <a:srgbClr val="ffffff"/>
-                  </a:solidFill>
-                </a:uFill>
-                <a:latin typeface="Times New Roman"/>
-              </a:rPr>
-              <a:t>&lt;date/time&gt;</a:t>
-            </a:r>
-            <a:endParaRPr b="0" lang="en-US" sz="1400" spc="-1" strike="noStrike">
-              <a:solidFill>
-                <a:srgbClr val="000000"/>
-              </a:solidFill>
-              <a:uFill>
-                <a:solidFill>
-                  <a:srgbClr val="ffffff"/>
-                </a:solidFill>
-              </a:uFill>
-              <a:latin typeface="Times New Roman"/>
-            </a:endParaRPr>
-          </a:p>
-        </p:txBody>
-      </p:sp>
-      <p:sp>
-        <p:nvSpPr>
-          <p:cNvPr id="3" name="PlaceHolder 4"/>
-          <p:cNvSpPr>
-            <a:spLocks noGrp="1"/>
-          </p:cNvSpPr>
-          <p:nvPr>
-            <p:ph type="ftr"/>
-          </p:nvPr>
-        </p:nvSpPr>
-        <p:spPr>
-          <a:xfrm>
-            <a:off x="3447360" y="6887160"/>
-            <a:ext cx="3195000" cy="521280"/>
-          </a:xfrm>
-          <a:prstGeom prst="rect">
-            <a:avLst/>
-          </a:prstGeom>
-        </p:spPr>
-        <p:txBody>
-          <a:bodyPr lIns="0" rIns="0" tIns="0" bIns="0"/>
-          <a:p>
-            <a:pPr algn="ctr"/>
-            <a:r>
-              <a:rPr b="0" lang="en-US" sz="1400" spc="-1" strike="noStrike">
-                <a:solidFill>
-                  <a:srgbClr val="000000"/>
-                </a:solidFill>
-                <a:uFill>
-                  <a:solidFill>
-                    <a:srgbClr val="ffffff"/>
-                  </a:solidFill>
-                </a:uFill>
-                <a:latin typeface="Times New Roman"/>
-              </a:rPr>
-              <a:t>&lt;footer&gt;</a:t>
-            </a:r>
-            <a:endParaRPr b="0" lang="en-US" sz="1400" spc="-1" strike="noStrike">
-              <a:solidFill>
-                <a:srgbClr val="000000"/>
-              </a:solidFill>
-              <a:uFill>
-                <a:solidFill>
-                  <a:srgbClr val="ffffff"/>
-                </a:solidFill>
-              </a:uFill>
-              <a:latin typeface="Times New Roman"/>
-            </a:endParaRPr>
-          </a:p>
-        </p:txBody>
-      </p:sp>
-      <p:sp>
-        <p:nvSpPr>
-          <p:cNvPr id="4" name="PlaceHolder 5"/>
-          <p:cNvSpPr>
-            <a:spLocks noGrp="1"/>
-          </p:cNvSpPr>
-          <p:nvPr>
-            <p:ph type="sldNum"/>
-          </p:nvPr>
-        </p:nvSpPr>
-        <p:spPr>
-          <a:xfrm>
-            <a:off x="7227360" y="6887160"/>
-            <a:ext cx="2348280" cy="521280"/>
-          </a:xfrm>
-          <a:prstGeom prst="rect">
-            <a:avLst/>
-          </a:prstGeom>
-        </p:spPr>
-        <p:txBody>
-          <a:bodyPr lIns="0" rIns="0" tIns="0" bIns="0"/>
-          <a:p>
-            <a:pPr algn="r"/>
-            <a:fld id="{F54A6757-5C35-41DC-85E6-E0564697A992}" type="slidenum">
-              <a:rPr b="0" lang="en-US" sz="1400" spc="-1" strike="noStrike">
-                <a:solidFill>
-                  <a:srgbClr val="000000"/>
-                </a:solidFill>
-                <a:uFill>
-                  <a:solidFill>
-                    <a:srgbClr val="ffffff"/>
-                  </a:solidFill>
-                </a:uFill>
-                <a:latin typeface="Times New Roman"/>
-              </a:rPr>
-              <a:t>&lt;number&gt;</a:t>
-            </a:fld>
-            <a:endParaRPr b="0" lang="en-US" sz="1400" spc="-1" strike="noStrike">
-              <a:solidFill>
-                <a:srgbClr val="000000"/>
-              </a:solidFill>
-              <a:uFill>
-                <a:solidFill>
-                  <a:srgbClr val="ffffff"/>
-                </a:solidFill>
-              </a:uFill>
-              <a:latin typeface="Times New Roman"/>
-            </a:endParaRPr>
-          </a:p>
-        </p:txBody>
-      </p:sp>
-    </p:spTree>
-  </p:cSld>
-  <p:clrMap bg1="lt1" bg2="lt2" tx1="dk1" tx2="dk2" accent1="accent1" accent2="accent2" accent3="accent3" accent4="accent4" accent5="accent5" accent6="accent6" hlink="hlink" folHlink="folHlink"/>
-  <p:sldLayoutIdLst>
-    <p:sldLayoutId id="2147483649" r:id="rId2"/>
-    <p:sldLayoutId id="2147483650" r:id="rId3"/>
-    <p:sldLayoutId id="2147483651" r:id="rId4"/>
-    <p:sldLayoutId id="2147483652" r:id="rId5"/>
-    <p:sldLayoutId id="2147483653" r:id="rId6"/>
-    <p:sldLayoutId id="2147483654" r:id="rId7"/>
-    <p:sldLayoutId id="2147483655" r:id="rId8"/>
-    <p:sldLayoutId id="2147483656" r:id="rId9"/>
-    <p:sldLayoutId id="2147483657" r:id="rId10"/>
-    <p:sldLayoutId id="2147483658" r:id="rId11"/>
-    <p:sldLayoutId id="2147483659" r:id="rId12"/>
-    <p:sldLayoutId id="2147483660" r:id="rId13"/>
-  </p:sldLayoutIdLst>
-</p:sldMaster>
-</file>
-
-<file path=ppt/slides/slide1.xml><?xml version="1.0" encoding="utf-8"?>
-<p:sld xmlns:a="http://schemas.openxmlformats.org/drawingml/2006/main" xmlns:p="http://schemas.openxmlformats.org/presentationml/2006/main" xmlns:r="http://schemas.openxmlformats.org/officeDocument/2006/relationships" xmlns:p14="http://schemas.microsoft.com/office/powerpoint/2010/main" xmlns:p15="http://schemas.microsoft.com/office/powerpoint/2012/main" xmlns:mc="http://schemas.openxmlformats.org/markup-compatibility/2006">
-  <p:cSld>
-    <p:spTree>
-      <p:nvGrpSpPr>
-        <p:cNvPr id="1" name=""/>
-        <p:cNvGrpSpPr/>
-        <p:nvPr/>
-      </p:nvGrpSpPr>
-      <p:grpSpPr>
-        <a:xfrm>
-          <a:off x="0" y="0"/>
-          <a:ext cx="0" cy="0"/>
-          <a:chOff x="0" y="0"/>
-          <a:chExt cx="0" cy="0"/>
-        </a:xfrm>
-      </p:grpSpPr>
-      <p:sp>
-        <p:nvSpPr>
           <p:cNvPr id="39" name="CustomShape 1"/>
           <p:cNvSpPr/>
           <p:nvPr/>
@@ -2026,7 +2369,7 @@
             <a:avLst/>
           </a:prstGeom>
           <a:solidFill>
-            <a:srgbClr val="729fcf"/>
+            <a:srgbClr val="729FCF"/>
           </a:solidFill>
           <a:ln>
             <a:solidFill>
@@ -2035,9 +2378,15 @@
           </a:ln>
         </p:spPr>
         <p:style>
-          <a:lnRef idx="0"/>
-          <a:fillRef idx="0"/>
-          <a:effectRef idx="0"/>
+          <a:lnRef idx="0">
+            <a:scrgbClr r="0" g="0" b="0"/>
+          </a:lnRef>
+          <a:fillRef idx="0">
+            <a:scrgbClr r="0" g="0" b="0"/>
+          </a:fillRef>
+          <a:effectRef idx="0">
+            <a:scrgbClr r="0" g="0" b="0"/>
+          </a:effectRef>
           <a:fontRef idx="minor"/>
         </p:style>
       </p:sp>
@@ -2061,29 +2410,30 @@
           </a:ln>
         </p:spPr>
         <p:txBody>
-          <a:bodyPr lIns="90000" rIns="90000" tIns="45000" bIns="45000"/>
+          <a:bodyPr lIns="90000" tIns="45000" rIns="90000" bIns="45000"/>
+          <a:lstStyle/>
           <a:p>
             <a:r>
-              <a:rPr b="0" lang="en-US" sz="1600" spc="-1" strike="noStrike">
+              <a:rPr lang="en-US" sz="1600" b="0" strike="noStrike" spc="-1">
                 <a:solidFill>
                   <a:srgbClr val="000000"/>
                 </a:solidFill>
                 <a:uFill>
                   <a:solidFill>
-                    <a:srgbClr val="ffffff"/>
+                    <a:srgbClr val="FFFFFF"/>
                   </a:solidFill>
                 </a:uFill>
                 <a:latin typeface="Arial"/>
               </a:rPr>
               <a:t>R/C Receiver</a:t>
             </a:r>
-            <a:endParaRPr b="0" lang="en-US" sz="1800" spc="-1" strike="noStrike">
-              <a:solidFill>
-                <a:srgbClr val="000000"/>
-              </a:solidFill>
-              <a:uFill>
-                <a:solidFill>
-                  <a:srgbClr val="ffffff"/>
+            <a:endParaRPr lang="en-US" sz="1800" b="0" strike="noStrike" spc="-1">
+              <a:solidFill>
+                <a:srgbClr val="000000"/>
+              </a:solidFill>
+              <a:uFill>
+                <a:solidFill>
+                  <a:srgbClr val="FFFFFF"/>
                 </a:solidFill>
               </a:uFill>
               <a:latin typeface="Arial"/>
@@ -2106,7 +2456,7 @@
             <a:avLst/>
           </a:prstGeom>
           <a:solidFill>
-            <a:srgbClr val="ff6600"/>
+            <a:srgbClr val="FF6600"/>
           </a:solidFill>
           <a:ln>
             <a:solidFill>
@@ -2115,9 +2465,15 @@
           </a:ln>
         </p:spPr>
         <p:style>
-          <a:lnRef idx="0"/>
-          <a:fillRef idx="0"/>
-          <a:effectRef idx="0"/>
+          <a:lnRef idx="0">
+            <a:scrgbClr r="0" g="0" b="0"/>
+          </a:lnRef>
+          <a:fillRef idx="0">
+            <a:scrgbClr r="0" g="0" b="0"/>
+          </a:fillRef>
+          <a:effectRef idx="0">
+            <a:scrgbClr r="0" g="0" b="0"/>
+          </a:effectRef>
           <a:fontRef idx="minor"/>
         </p:style>
       </p:sp>
@@ -2141,29 +2497,30 @@
           </a:ln>
         </p:spPr>
         <p:txBody>
-          <a:bodyPr lIns="90000" rIns="90000" tIns="45000" bIns="45000"/>
+          <a:bodyPr lIns="90000" tIns="45000" rIns="90000" bIns="45000"/>
+          <a:lstStyle/>
           <a:p>
             <a:r>
-              <a:rPr b="0" lang="en-US" sz="1600" spc="-1" strike="noStrike">
+              <a:rPr lang="en-US" sz="1600" b="0" strike="noStrike" spc="-1">
                 <a:solidFill>
                   <a:srgbClr val="000000"/>
                 </a:solidFill>
                 <a:uFill>
                   <a:solidFill>
-                    <a:srgbClr val="ffffff"/>
+                    <a:srgbClr val="FFFFFF"/>
                   </a:solidFill>
                 </a:uFill>
                 <a:latin typeface="Arial"/>
               </a:rPr>
               <a:t>Demands</a:t>
             </a:r>
-            <a:endParaRPr b="0" lang="en-US" sz="1800" spc="-1" strike="noStrike">
-              <a:solidFill>
-                <a:srgbClr val="000000"/>
-              </a:solidFill>
-              <a:uFill>
-                <a:solidFill>
-                  <a:srgbClr val="ffffff"/>
+            <a:endParaRPr lang="en-US" sz="1800" b="0" strike="noStrike" spc="-1">
+              <a:solidFill>
+                <a:srgbClr val="000000"/>
+              </a:solidFill>
+              <a:uFill>
+                <a:solidFill>
+                  <a:srgbClr val="FFFFFF"/>
                 </a:solidFill>
               </a:uFill>
               <a:latin typeface="Arial"/>
@@ -2186,7 +2543,7 @@
             <a:avLst/>
           </a:prstGeom>
           <a:solidFill>
-            <a:srgbClr val="729fcf"/>
+            <a:srgbClr val="729FCF"/>
           </a:solidFill>
           <a:ln>
             <a:solidFill>
@@ -2195,9 +2552,15 @@
           </a:ln>
         </p:spPr>
         <p:style>
-          <a:lnRef idx="0"/>
-          <a:fillRef idx="0"/>
-          <a:effectRef idx="0"/>
+          <a:lnRef idx="0">
+            <a:scrgbClr r="0" g="0" b="0"/>
+          </a:lnRef>
+          <a:fillRef idx="0">
+            <a:scrgbClr r="0" g="0" b="0"/>
+          </a:fillRef>
+          <a:effectRef idx="0">
+            <a:scrgbClr r="0" g="0" b="0"/>
+          </a:effectRef>
           <a:fontRef idx="minor"/>
         </p:style>
       </p:sp>
@@ -2221,29 +2584,30 @@
           </a:ln>
         </p:spPr>
         <p:txBody>
-          <a:bodyPr lIns="90000" rIns="90000" tIns="45000" bIns="45000"/>
+          <a:bodyPr lIns="90000" tIns="45000" rIns="90000" bIns="45000"/>
+          <a:lstStyle/>
           <a:p>
             <a:r>
-              <a:rPr b="0" lang="en-US" sz="1600" spc="-1" strike="noStrike">
+              <a:rPr lang="en-US" sz="1600" b="0" strike="noStrike" spc="-1">
                 <a:solidFill>
                   <a:srgbClr val="000000"/>
                 </a:solidFill>
                 <a:uFill>
                   <a:solidFill>
-                    <a:srgbClr val="ffffff"/>
+                    <a:srgbClr val="FFFFFF"/>
                   </a:solidFill>
                 </a:uFill>
                 <a:latin typeface="Arial"/>
               </a:rPr>
               <a:t>Sensors</a:t>
             </a:r>
-            <a:endParaRPr b="0" lang="en-US" sz="1800" spc="-1" strike="noStrike">
-              <a:solidFill>
-                <a:srgbClr val="000000"/>
-              </a:solidFill>
-              <a:uFill>
-                <a:solidFill>
-                  <a:srgbClr val="ffffff"/>
+            <a:endParaRPr lang="en-US" sz="1800" b="0" strike="noStrike" spc="-1">
+              <a:solidFill>
+                <a:srgbClr val="000000"/>
+              </a:solidFill>
+              <a:uFill>
+                <a:solidFill>
+                  <a:srgbClr val="FFFFFF"/>
                 </a:solidFill>
               </a:uFill>
               <a:latin typeface="Arial"/>
@@ -2266,7 +2630,7 @@
             <a:avLst/>
           </a:prstGeom>
           <a:solidFill>
-            <a:srgbClr val="66ff00"/>
+            <a:srgbClr val="66FF00"/>
           </a:solidFill>
           <a:ln>
             <a:solidFill>
@@ -2275,9 +2639,15 @@
           </a:ln>
         </p:spPr>
         <p:style>
-          <a:lnRef idx="0"/>
-          <a:fillRef idx="0"/>
-          <a:effectRef idx="0"/>
+          <a:lnRef idx="0">
+            <a:scrgbClr r="0" g="0" b="0"/>
+          </a:lnRef>
+          <a:fillRef idx="0">
+            <a:scrgbClr r="0" g="0" b="0"/>
+          </a:fillRef>
+          <a:effectRef idx="0">
+            <a:scrgbClr r="0" g="0" b="0"/>
+          </a:effectRef>
           <a:fontRef idx="minor"/>
         </p:style>
       </p:sp>
@@ -2301,29 +2671,30 @@
           </a:ln>
         </p:spPr>
         <p:txBody>
-          <a:bodyPr lIns="90000" rIns="90000" tIns="45000" bIns="45000"/>
+          <a:bodyPr lIns="90000" tIns="45000" rIns="90000" bIns="45000"/>
+          <a:lstStyle/>
           <a:p>
             <a:r>
-              <a:rPr b="0" lang="en-US" sz="1600" spc="-1" strike="noStrike">
+              <a:rPr lang="en-US" sz="1600" b="0" strike="noStrike" spc="-1">
                 <a:solidFill>
                   <a:srgbClr val="000000"/>
                 </a:solidFill>
                 <a:uFill>
                   <a:solidFill>
-                    <a:srgbClr val="ffffff"/>
+                    <a:srgbClr val="FFFFFF"/>
                   </a:solidFill>
                 </a:uFill>
                 <a:latin typeface="Arial"/>
               </a:rPr>
               <a:t>State</a:t>
             </a:r>
-            <a:endParaRPr b="0" lang="en-US" sz="1800" spc="-1" strike="noStrike">
-              <a:solidFill>
-                <a:srgbClr val="000000"/>
-              </a:solidFill>
-              <a:uFill>
-                <a:solidFill>
-                  <a:srgbClr val="ffffff"/>
+            <a:endParaRPr lang="en-US" sz="1800" b="0" strike="noStrike" spc="-1">
+              <a:solidFill>
+                <a:srgbClr val="000000"/>
+              </a:solidFill>
+              <a:uFill>
+                <a:solidFill>
+                  <a:srgbClr val="FFFFFF"/>
                 </a:solidFill>
               </a:uFill>
               <a:latin typeface="Arial"/>
@@ -2346,7 +2717,7 @@
             <a:avLst/>
           </a:prstGeom>
           <a:solidFill>
-            <a:srgbClr val="729fcf"/>
+            <a:srgbClr val="729FCF"/>
           </a:solidFill>
           <a:ln>
             <a:solidFill>
@@ -2355,9 +2726,15 @@
           </a:ln>
         </p:spPr>
         <p:style>
-          <a:lnRef idx="0"/>
-          <a:fillRef idx="0"/>
-          <a:effectRef idx="0"/>
+          <a:lnRef idx="0">
+            <a:scrgbClr r="0" g="0" b="0"/>
+          </a:lnRef>
+          <a:fillRef idx="0">
+            <a:scrgbClr r="0" g="0" b="0"/>
+          </a:fillRef>
+          <a:effectRef idx="0">
+            <a:scrgbClr r="0" g="0" b="0"/>
+          </a:effectRef>
           <a:fontRef idx="minor"/>
         </p:style>
       </p:sp>
@@ -2381,47 +2758,23 @@
           </a:ln>
         </p:spPr>
         <p:txBody>
-          <a:bodyPr lIns="90000" rIns="90000" tIns="45000" bIns="45000"/>
+          <a:bodyPr lIns="90000" tIns="45000" rIns="90000" bIns="45000"/>
+          <a:lstStyle/>
           <a:p>
             <a:r>
-              <a:rPr b="0" lang="en-US" sz="1600" spc="-1" strike="noStrike">
+              <a:rPr lang="en-US" sz="1600" b="0" strike="noStrike" spc="-1">
                 <a:solidFill>
                   <a:srgbClr val="000000"/>
                 </a:solidFill>
                 <a:uFill>
                   <a:solidFill>
-                    <a:srgbClr val="ffffff"/>
+                    <a:srgbClr val="FFFFFF"/>
                   </a:solidFill>
                 </a:uFill>
                 <a:latin typeface="Arial"/>
               </a:rPr>
-              <a:t>PID </a:t>
+              <a:t>PID Controllers</a:t>
             </a:r>
-            <a:r>
-              <a:rPr b="0" lang="en-US" sz="1600" spc="-1" strike="noStrike">
-                <a:solidFill>
-                  <a:srgbClr val="000000"/>
-                </a:solidFill>
-                <a:uFill>
-                  <a:solidFill>
-                    <a:srgbClr val="ffffff"/>
-                  </a:solidFill>
-                </a:uFill>
-                <a:latin typeface="Arial"/>
-              </a:rPr>
-              <a:t>Controllers</a:t>
-            </a:r>
-            <a:endParaRPr b="0" lang="en-US" sz="1600" spc="-1" strike="noStrike">
-              <a:solidFill>
-                <a:srgbClr val="000000"/>
-              </a:solidFill>
-              <a:uFill>
-                <a:solidFill>
-                  <a:srgbClr val="ffffff"/>
-                </a:solidFill>
-              </a:uFill>
-              <a:latin typeface="Arial"/>
-            </a:endParaRPr>
           </a:p>
         </p:txBody>
       </p:sp>
@@ -2440,7 +2793,7 @@
             <a:avLst/>
           </a:prstGeom>
           <a:solidFill>
-            <a:srgbClr val="ff6600"/>
+            <a:srgbClr val="FF6600"/>
           </a:solidFill>
           <a:ln>
             <a:solidFill>
@@ -2449,9 +2802,15 @@
           </a:ln>
         </p:spPr>
         <p:style>
-          <a:lnRef idx="0"/>
-          <a:fillRef idx="0"/>
-          <a:effectRef idx="0"/>
+          <a:lnRef idx="0">
+            <a:scrgbClr r="0" g="0" b="0"/>
+          </a:lnRef>
+          <a:fillRef idx="0">
+            <a:scrgbClr r="0" g="0" b="0"/>
+          </a:fillRef>
+          <a:effectRef idx="0">
+            <a:scrgbClr r="0" g="0" b="0"/>
+          </a:effectRef>
           <a:fontRef idx="minor"/>
         </p:style>
       </p:sp>
@@ -2475,29 +2834,30 @@
           </a:ln>
         </p:spPr>
         <p:txBody>
-          <a:bodyPr lIns="90000" rIns="90000" tIns="45000" bIns="45000"/>
+          <a:bodyPr lIns="90000" tIns="45000" rIns="90000" bIns="45000"/>
+          <a:lstStyle/>
           <a:p>
             <a:r>
-              <a:rPr b="0" lang="en-US" sz="1600" spc="-1" strike="noStrike">
+              <a:rPr lang="en-US" sz="1600" b="0" strike="noStrike" spc="-1">
                 <a:solidFill>
                   <a:srgbClr val="000000"/>
                 </a:solidFill>
                 <a:uFill>
                   <a:solidFill>
-                    <a:srgbClr val="ffffff"/>
+                    <a:srgbClr val="FFFFFF"/>
                   </a:solidFill>
                 </a:uFill>
                 <a:latin typeface="Arial"/>
               </a:rPr>
               <a:t>Demands</a:t>
             </a:r>
-            <a:endParaRPr b="0" lang="en-US" sz="1800" spc="-1" strike="noStrike">
-              <a:solidFill>
-                <a:srgbClr val="000000"/>
-              </a:solidFill>
-              <a:uFill>
-                <a:solidFill>
-                  <a:srgbClr val="ffffff"/>
+            <a:endParaRPr lang="en-US" sz="1800" b="0" strike="noStrike" spc="-1">
+              <a:solidFill>
+                <a:srgbClr val="000000"/>
+              </a:solidFill>
+              <a:uFill>
+                <a:solidFill>
+                  <a:srgbClr val="FFFFFF"/>
                 </a:solidFill>
               </a:uFill>
               <a:latin typeface="Arial"/>
@@ -2520,7 +2880,7 @@
             <a:avLst/>
           </a:prstGeom>
           <a:solidFill>
-            <a:srgbClr val="729fcf"/>
+            <a:srgbClr val="729FCF"/>
           </a:solidFill>
           <a:ln>
             <a:solidFill>
@@ -2529,9 +2889,15 @@
           </a:ln>
         </p:spPr>
         <p:style>
-          <a:lnRef idx="0"/>
-          <a:fillRef idx="0"/>
-          <a:effectRef idx="0"/>
+          <a:lnRef idx="0">
+            <a:scrgbClr r="0" g="0" b="0"/>
+          </a:lnRef>
+          <a:fillRef idx="0">
+            <a:scrgbClr r="0" g="0" b="0"/>
+          </a:fillRef>
+          <a:effectRef idx="0">
+            <a:scrgbClr r="0" g="0" b="0"/>
+          </a:effectRef>
           <a:fontRef idx="minor"/>
         </p:style>
       </p:sp>
@@ -2555,29 +2921,30 @@
           </a:ln>
         </p:spPr>
         <p:txBody>
-          <a:bodyPr lIns="90000" rIns="90000" tIns="45000" bIns="45000"/>
+          <a:bodyPr lIns="90000" tIns="45000" rIns="90000" bIns="45000"/>
+          <a:lstStyle/>
           <a:p>
             <a:r>
-              <a:rPr b="0" lang="en-US" sz="1600" spc="-1" strike="noStrike">
+              <a:rPr lang="en-US" sz="1600" b="0" strike="noStrike" spc="-1">
                 <a:solidFill>
                   <a:srgbClr val="000000"/>
                 </a:solidFill>
                 <a:uFill>
                   <a:solidFill>
-                    <a:srgbClr val="ffffff"/>
+                    <a:srgbClr val="FFFFFF"/>
                   </a:solidFill>
                 </a:uFill>
                 <a:latin typeface="Arial"/>
               </a:rPr>
               <a:t>Mixer</a:t>
             </a:r>
-            <a:endParaRPr b="0" lang="en-US" sz="1800" spc="-1" strike="noStrike">
-              <a:solidFill>
-                <a:srgbClr val="000000"/>
-              </a:solidFill>
-              <a:uFill>
-                <a:solidFill>
-                  <a:srgbClr val="ffffff"/>
+            <a:endParaRPr lang="en-US" sz="1800" b="0" strike="noStrike" spc="-1">
+              <a:solidFill>
+                <a:srgbClr val="000000"/>
+              </a:solidFill>
+              <a:uFill>
+                <a:solidFill>
+                  <a:srgbClr val="FFFFFF"/>
                 </a:solidFill>
               </a:uFill>
               <a:latin typeface="Arial"/>
@@ -2603,7 +2970,7 @@
             <a:solidFill>
               <a:srgbClr val="000000"/>
             </a:solidFill>
-            <a:tailEnd len="med" type="triangle" w="med"/>
+            <a:tailEnd type="triangle" w="med" len="med"/>
           </a:ln>
         </p:spPr>
       </p:cxnSp>
@@ -2627,7 +2994,7 @@
             <a:solidFill>
               <a:srgbClr val="000000"/>
             </a:solidFill>
-            <a:tailEnd len="med" type="triangle" w="med"/>
+            <a:tailEnd type="triangle" w="med" len="med"/>
           </a:ln>
         </p:spPr>
       </p:cxnSp>
@@ -2649,7 +3016,7 @@
             <a:solidFill>
               <a:srgbClr val="000000"/>
             </a:solidFill>
-            <a:tailEnd len="med" type="triangle" w="med"/>
+            <a:tailEnd type="triangle" w="med" len="med"/>
           </a:ln>
         </p:spPr>
       </p:cxnSp>
@@ -2673,7 +3040,7 @@
             <a:solidFill>
               <a:srgbClr val="000000"/>
             </a:solidFill>
-            <a:tailEnd len="med" type="triangle" w="med"/>
+            <a:tailEnd type="triangle" w="med" len="med"/>
           </a:ln>
         </p:spPr>
       </p:cxnSp>
@@ -2695,7 +3062,7 @@
             <a:solidFill>
               <a:srgbClr val="000000"/>
             </a:solidFill>
-            <a:tailEnd len="med" type="triangle" w="med"/>
+            <a:tailEnd type="triangle" w="med" len="med"/>
           </a:ln>
         </p:spPr>
       </p:cxnSp>
@@ -2717,7 +3084,7 @@
             <a:solidFill>
               <a:srgbClr val="000000"/>
             </a:solidFill>
-            <a:tailEnd len="med" type="triangle" w="med"/>
+            <a:tailEnd type="triangle" w="med" len="med"/>
           </a:ln>
         </p:spPr>
       </p:cxnSp>
@@ -2738,14 +3105,22 @@
           <a:noFill/>
           <a:ln>
             <a:solidFill>
-              <a:srgbClr val="3465a4"/>
+              <a:srgbClr val="3465A4">
+                <a:alpha val="0"/>
+              </a:srgbClr>
             </a:solidFill>
           </a:ln>
         </p:spPr>
         <p:style>
-          <a:lnRef idx="0"/>
-          <a:fillRef idx="0"/>
-          <a:effectRef idx="0"/>
+          <a:lnRef idx="0">
+            <a:scrgbClr r="0" g="0" b="0"/>
+          </a:lnRef>
+          <a:fillRef idx="0">
+            <a:scrgbClr r="0" g="0" b="0"/>
+          </a:fillRef>
+          <a:effectRef idx="0">
+            <a:scrgbClr r="0" g="0" b="0"/>
+          </a:effectRef>
           <a:fontRef idx="minor"/>
         </p:style>
       </p:sp>
@@ -2766,19 +3141,71 @@
           <a:noFill/>
           <a:ln>
             <a:solidFill>
-              <a:srgbClr val="3465a4"/>
+              <a:srgbClr val="3465A4">
+                <a:alpha val="0"/>
+              </a:srgbClr>
             </a:solidFill>
           </a:ln>
         </p:spPr>
         <p:style>
-          <a:lnRef idx="0"/>
-          <a:fillRef idx="0"/>
-          <a:effectRef idx="0"/>
+          <a:lnRef idx="0">
+            <a:scrgbClr r="0" g="0" b="0"/>
+          </a:lnRef>
+          <a:fillRef idx="0">
+            <a:scrgbClr r="0" g="0" b="0"/>
+          </a:fillRef>
+          <a:effectRef idx="0">
+            <a:scrgbClr r="0" g="0" b="0"/>
+          </a:effectRef>
           <a:fontRef idx="minor"/>
         </p:style>
       </p:sp>
+      <p:cxnSp>
+        <p:nvCxnSpPr>
+          <p:cNvPr id="5" name="Curved Connector 4"/>
+          <p:cNvCxnSpPr>
+            <a:stCxn id="45" idx="2"/>
+            <a:endCxn id="43" idx="4"/>
+          </p:cNvCxnSpPr>
+          <p:nvPr/>
+        </p:nvCxnSpPr>
+        <p:spPr>
+          <a:xfrm rot="5400000">
+            <a:off x="2182860" y="3058380"/>
+            <a:ext cx="182880" cy="1929960"/>
+          </a:xfrm>
+          <a:prstGeom prst="curvedConnector3">
+            <a:avLst>
+              <a:gd name="adj1" fmla="val 438178"/>
+            </a:avLst>
+          </a:prstGeom>
+          <a:ln>
+            <a:solidFill>
+              <a:schemeClr val="tx1"/>
+            </a:solidFill>
+            <a:tailEnd type="triangle"/>
+          </a:ln>
+        </p:spPr>
+        <p:style>
+          <a:lnRef idx="1">
+            <a:schemeClr val="accent1"/>
+          </a:lnRef>
+          <a:fillRef idx="0">
+            <a:schemeClr val="accent1"/>
+          </a:fillRef>
+          <a:effectRef idx="0">
+            <a:schemeClr val="accent1"/>
+          </a:effectRef>
+          <a:fontRef idx="minor">
+            <a:schemeClr val="tx1"/>
+          </a:fontRef>
+        </p:style>
+      </p:cxnSp>
     </p:spTree>
   </p:cSld>
+  <p:clrMapOvr>
+    <a:masterClrMapping/>
+  </p:clrMapOvr>
   <p:timing>
     <p:tnLst>
       <p:par>
@@ -2787,14 +3214,14 @@
             <p:seq>
               <p:cTn id="2" nodeType="mainSeq"/>
               <p:prevCondLst>
-                <p:cond delay="0" evt="onPrev">
+                <p:cond evt="onPrev" delay="0">
                   <p:tgtEl>
                     <p:sldTgt/>
                   </p:tgtEl>
                 </p:cond>
               </p:prevCondLst>
               <p:nextCondLst>
-                <p:cond delay="0" evt="onNext">
+                <p:cond evt="onNext" delay="0">
                   <p:tgtEl>
                     <p:sldTgt/>
                   </p:tgtEl>
@@ -3029,5 +3456,7 @@
       </a:bgFillStyleLst>
     </a:fmtScheme>
   </a:themeElements>
+  <a:objectDefaults/>
+  <a:extraClrSchemeLst/>
 </a:theme>
 </file>
--- a/extras/media/dataflow.pptx
+++ b/extras/media/dataflow.pptx
@@ -104,6 +104,11 @@
       </a:defRPr>
     </a:lvl9pPr>
   </p:defaultTextStyle>
+  <p:extLst>
+    <p:ext uri="{EFAFB233-063F-42B5-8137-9DF3F51BA10A}">
+      <p15:sldGuideLst xmlns:p15="http://schemas.microsoft.com/office/powerpoint/2012/main"/>
+    </p:ext>
+  </p:extLst>
 </p:presentation>
 </file>
 
@@ -3201,6 +3206,47 @@
           </a:fontRef>
         </p:style>
       </p:cxnSp>
+      <p:cxnSp>
+        <p:nvCxnSpPr>
+          <p:cNvPr id="25" name="Curved Connector 24"/>
+          <p:cNvCxnSpPr>
+            <a:stCxn id="51" idx="4"/>
+            <a:endCxn id="45" idx="2"/>
+          </p:cNvCxnSpPr>
+          <p:nvPr/>
+        </p:nvCxnSpPr>
+        <p:spPr>
+          <a:xfrm rot="5400000">
+            <a:off x="5746140" y="784980"/>
+            <a:ext cx="640080" cy="5653800"/>
+          </a:xfrm>
+          <a:prstGeom prst="curvedConnector3">
+            <a:avLst>
+              <a:gd name="adj1" fmla="val 234097"/>
+            </a:avLst>
+          </a:prstGeom>
+          <a:ln>
+            <a:solidFill>
+              <a:schemeClr val="tx1"/>
+            </a:solidFill>
+            <a:tailEnd type="triangle"/>
+          </a:ln>
+        </p:spPr>
+        <p:style>
+          <a:lnRef idx="1">
+            <a:schemeClr val="accent1"/>
+          </a:lnRef>
+          <a:fillRef idx="0">
+            <a:schemeClr val="accent1"/>
+          </a:fillRef>
+          <a:effectRef idx="0">
+            <a:schemeClr val="accent1"/>
+          </a:effectRef>
+          <a:fontRef idx="minor">
+            <a:schemeClr val="tx1"/>
+          </a:fontRef>
+        </p:style>
+      </p:cxnSp>
     </p:spTree>
   </p:cSld>
   <p:clrMapOvr>

--- a/extras/media/dataflow.pptx
+++ b/extras/media/dataflow.pptx
@@ -1,19 +1,114 @@
 
 <file path=ppt/presentation.xml><?xml version="1.0" encoding="utf-8"?>
-<p:presentation xmlns:a="http://schemas.openxmlformats.org/drawingml/2006/main" xmlns:p="http://schemas.openxmlformats.org/presentationml/2006/main" xmlns:r="http://schemas.openxmlformats.org/officeDocument/2006/relationships" xmlns:p14="http://schemas.microsoft.com/office/powerpoint/2010/main" xmlns:p15="http://schemas.microsoft.com/office/powerpoint/2012/main" xmlns:mc="http://schemas.openxmlformats.org/markup-compatibility/2006">
+<p:presentation xmlns:a="http://schemas.openxmlformats.org/drawingml/2006/main" xmlns:r="http://schemas.openxmlformats.org/officeDocument/2006/relationships" xmlns:p="http://schemas.openxmlformats.org/presentationml/2006/main">
   <p:sldMasterIdLst>
-    <p:sldMasterId id="2147483648" r:id="rId2"/>
+    <p:sldMasterId id="2147483648" r:id="rId1"/>
   </p:sldMasterIdLst>
   <p:sldIdLst>
-    <p:sldId id="256" r:id="rId3"/>
+    <p:sldId id="256" r:id="rId2"/>
   </p:sldIdLst>
   <p:sldSz cx="10080625" cy="7559675"/>
   <p:notesSz cx="7772400" cy="10058400"/>
+  <p:defaultTextStyle>
+    <a:defPPr>
+      <a:defRPr lang="en-US"/>
+    </a:defPPr>
+    <a:lvl1pPr marL="0" algn="l" defTabSz="914400" rtl="0" eaLnBrk="1" latinLnBrk="0" hangingPunct="1">
+      <a:defRPr sz="1800" kern="1200">
+        <a:solidFill>
+          <a:schemeClr val="tx1"/>
+        </a:solidFill>
+        <a:latin typeface="+mn-lt"/>
+        <a:ea typeface="+mn-ea"/>
+        <a:cs typeface="+mn-cs"/>
+      </a:defRPr>
+    </a:lvl1pPr>
+    <a:lvl2pPr marL="457200" algn="l" defTabSz="914400" rtl="0" eaLnBrk="1" latinLnBrk="0" hangingPunct="1">
+      <a:defRPr sz="1800" kern="1200">
+        <a:solidFill>
+          <a:schemeClr val="tx1"/>
+        </a:solidFill>
+        <a:latin typeface="+mn-lt"/>
+        <a:ea typeface="+mn-ea"/>
+        <a:cs typeface="+mn-cs"/>
+      </a:defRPr>
+    </a:lvl2pPr>
+    <a:lvl3pPr marL="914400" algn="l" defTabSz="914400" rtl="0" eaLnBrk="1" latinLnBrk="0" hangingPunct="1">
+      <a:defRPr sz="1800" kern="1200">
+        <a:solidFill>
+          <a:schemeClr val="tx1"/>
+        </a:solidFill>
+        <a:latin typeface="+mn-lt"/>
+        <a:ea typeface="+mn-ea"/>
+        <a:cs typeface="+mn-cs"/>
+      </a:defRPr>
+    </a:lvl3pPr>
+    <a:lvl4pPr marL="1371600" algn="l" defTabSz="914400" rtl="0" eaLnBrk="1" latinLnBrk="0" hangingPunct="1">
+      <a:defRPr sz="1800" kern="1200">
+        <a:solidFill>
+          <a:schemeClr val="tx1"/>
+        </a:solidFill>
+        <a:latin typeface="+mn-lt"/>
+        <a:ea typeface="+mn-ea"/>
+        <a:cs typeface="+mn-cs"/>
+      </a:defRPr>
+    </a:lvl4pPr>
+    <a:lvl5pPr marL="1828800" algn="l" defTabSz="914400" rtl="0" eaLnBrk="1" latinLnBrk="0" hangingPunct="1">
+      <a:defRPr sz="1800" kern="1200">
+        <a:solidFill>
+          <a:schemeClr val="tx1"/>
+        </a:solidFill>
+        <a:latin typeface="+mn-lt"/>
+        <a:ea typeface="+mn-ea"/>
+        <a:cs typeface="+mn-cs"/>
+      </a:defRPr>
+    </a:lvl5pPr>
+    <a:lvl6pPr marL="2286000" algn="l" defTabSz="914400" rtl="0" eaLnBrk="1" latinLnBrk="0" hangingPunct="1">
+      <a:defRPr sz="1800" kern="1200">
+        <a:solidFill>
+          <a:schemeClr val="tx1"/>
+        </a:solidFill>
+        <a:latin typeface="+mn-lt"/>
+        <a:ea typeface="+mn-ea"/>
+        <a:cs typeface="+mn-cs"/>
+      </a:defRPr>
+    </a:lvl6pPr>
+    <a:lvl7pPr marL="2743200" algn="l" defTabSz="914400" rtl="0" eaLnBrk="1" latinLnBrk="0" hangingPunct="1">
+      <a:defRPr sz="1800" kern="1200">
+        <a:solidFill>
+          <a:schemeClr val="tx1"/>
+        </a:solidFill>
+        <a:latin typeface="+mn-lt"/>
+        <a:ea typeface="+mn-ea"/>
+        <a:cs typeface="+mn-cs"/>
+      </a:defRPr>
+    </a:lvl7pPr>
+    <a:lvl8pPr marL="3200400" algn="l" defTabSz="914400" rtl="0" eaLnBrk="1" latinLnBrk="0" hangingPunct="1">
+      <a:defRPr sz="1800" kern="1200">
+        <a:solidFill>
+          <a:schemeClr val="tx1"/>
+        </a:solidFill>
+        <a:latin typeface="+mn-lt"/>
+        <a:ea typeface="+mn-ea"/>
+        <a:cs typeface="+mn-cs"/>
+      </a:defRPr>
+    </a:lvl8pPr>
+    <a:lvl9pPr marL="3657600" algn="l" defTabSz="914400" rtl="0" eaLnBrk="1" latinLnBrk="0" hangingPunct="1">
+      <a:defRPr sz="1800" kern="1200">
+        <a:solidFill>
+          <a:schemeClr val="tx1"/>
+        </a:solidFill>
+        <a:latin typeface="+mn-lt"/>
+        <a:ea typeface="+mn-ea"/>
+        <a:cs typeface="+mn-cs"/>
+      </a:defRPr>
+    </a:lvl9pPr>
+  </p:defaultTextStyle>
 </p:presentation>
 </file>
 
 <file path=ppt/slideLayouts/slideLayout1.xml><?xml version="1.0" encoding="utf-8"?>
-<p:sldLayout xmlns:a="http://schemas.openxmlformats.org/drawingml/2006/main" xmlns:p="http://schemas.openxmlformats.org/presentationml/2006/main" xmlns:r="http://schemas.openxmlformats.org/officeDocument/2006/relationships" xmlns:p14="http://schemas.microsoft.com/office/powerpoint/2010/main" xmlns:p15="http://schemas.microsoft.com/office/powerpoint/2012/main" xmlns:mc="http://schemas.openxmlformats.org/markup-compatibility/2006" type="blank" preserve="1">
+<p:sldLayout xmlns:a="http://schemas.openxmlformats.org/drawingml/2006/main" xmlns:r="http://schemas.openxmlformats.org/officeDocument/2006/relationships" xmlns:p="http://schemas.openxmlformats.org/presentationml/2006/main" type="blank" preserve="1">
   <p:cSld name="Blank Slide">
     <p:spTree>
       <p:nvGrpSpPr>
@@ -31,11 +126,14 @@
       </p:grpSpPr>
     </p:spTree>
   </p:cSld>
+  <p:clrMapOvr>
+    <a:masterClrMapping/>
+  </p:clrMapOvr>
 </p:sldLayout>
 </file>
 
 <file path=ppt/slideLayouts/slideLayout10.xml><?xml version="1.0" encoding="utf-8"?>
-<p:sldLayout xmlns:a="http://schemas.openxmlformats.org/drawingml/2006/main" xmlns:p="http://schemas.openxmlformats.org/presentationml/2006/main" xmlns:r="http://schemas.openxmlformats.org/officeDocument/2006/relationships" xmlns:p14="http://schemas.microsoft.com/office/powerpoint/2010/main" xmlns:p15="http://schemas.microsoft.com/office/powerpoint/2012/main" xmlns:mc="http://schemas.openxmlformats.org/markup-compatibility/2006" type="objOverTx" preserve="1">
+<p:sldLayout xmlns:a="http://schemas.openxmlformats.org/drawingml/2006/main" xmlns:r="http://schemas.openxmlformats.org/officeDocument/2006/relationships" xmlns:p="http://schemas.openxmlformats.org/presentationml/2006/main" type="objOverTx" preserve="1">
   <p:cSld name="Title, Content over Content">
     <p:spTree>
       <p:nvGrpSpPr>
@@ -71,9 +169,10 @@
           </a:prstGeom>
         </p:spPr>
         <p:txBody>
-          <a:bodyPr lIns="0" rIns="0" tIns="0" bIns="0" anchor="ctr"/>
-          <a:p>
-            <a:endParaRPr b="0" lang="en-US" sz="1800" spc="-1" strike="noStrike">
+          <a:bodyPr lIns="0" tIns="0" rIns="0" bIns="0" anchor="ctr"/>
+          <a:lstStyle/>
+          <a:p>
+            <a:endParaRPr lang="en-US" sz="1800" b="0" strike="noStrike" spc="-1">
               <a:solidFill>
                 <a:srgbClr val="000000"/>
               </a:solidFill>
@@ -102,11 +201,12 @@
           </a:prstGeom>
         </p:spPr>
         <p:txBody>
-          <a:bodyPr lIns="0" rIns="0" tIns="0" bIns="0">
+          <a:bodyPr lIns="0" tIns="0" rIns="0" bIns="0">
             <a:normAutofit/>
           </a:bodyPr>
-          <a:p>
-            <a:endParaRPr b="0" lang="en-US" sz="2800" spc="-1" strike="noStrike">
+          <a:lstStyle/>
+          <a:p>
+            <a:endParaRPr lang="en-US" sz="2800" b="0" strike="noStrike" spc="-1">
               <a:solidFill>
                 <a:srgbClr val="000000"/>
               </a:solidFill>
@@ -135,11 +235,12 @@
           </a:prstGeom>
         </p:spPr>
         <p:txBody>
-          <a:bodyPr lIns="0" rIns="0" tIns="0" bIns="0">
+          <a:bodyPr lIns="0" tIns="0" rIns="0" bIns="0">
             <a:normAutofit/>
           </a:bodyPr>
-          <a:p>
-            <a:endParaRPr b="0" lang="en-US" sz="2800" spc="-1" strike="noStrike">
+          <a:lstStyle/>
+          <a:p>
+            <a:endParaRPr lang="en-US" sz="2800" b="0" strike="noStrike" spc="-1">
               <a:solidFill>
                 <a:srgbClr val="000000"/>
               </a:solidFill>
@@ -150,11 +251,14 @@
       </p:sp>
     </p:spTree>
   </p:cSld>
+  <p:clrMapOvr>
+    <a:masterClrMapping/>
+  </p:clrMapOvr>
 </p:sldLayout>
 </file>
 
 <file path=ppt/slideLayouts/slideLayout11.xml><?xml version="1.0" encoding="utf-8"?>
-<p:sldLayout xmlns:a="http://schemas.openxmlformats.org/drawingml/2006/main" xmlns:p="http://schemas.openxmlformats.org/presentationml/2006/main" xmlns:r="http://schemas.openxmlformats.org/officeDocument/2006/relationships" xmlns:p14="http://schemas.microsoft.com/office/powerpoint/2010/main" xmlns:p15="http://schemas.microsoft.com/office/powerpoint/2012/main" xmlns:mc="http://schemas.openxmlformats.org/markup-compatibility/2006" type="fourObj" preserve="1">
+<p:sldLayout xmlns:a="http://schemas.openxmlformats.org/drawingml/2006/main" xmlns:r="http://schemas.openxmlformats.org/officeDocument/2006/relationships" xmlns:p="http://schemas.openxmlformats.org/presentationml/2006/main" type="fourObj" preserve="1">
   <p:cSld name="Title, 4 Content">
     <p:spTree>
       <p:nvGrpSpPr>
@@ -190,9 +294,10 @@
           </a:prstGeom>
         </p:spPr>
         <p:txBody>
-          <a:bodyPr lIns="0" rIns="0" tIns="0" bIns="0" anchor="ctr"/>
-          <a:p>
-            <a:endParaRPr b="0" lang="en-US" sz="1800" spc="-1" strike="noStrike">
+          <a:bodyPr lIns="0" tIns="0" rIns="0" bIns="0" anchor="ctr"/>
+          <a:lstStyle/>
+          <a:p>
+            <a:endParaRPr lang="en-US" sz="1800" b="0" strike="noStrike" spc="-1">
               <a:solidFill>
                 <a:srgbClr val="000000"/>
               </a:solidFill>
@@ -221,11 +326,12 @@
           </a:prstGeom>
         </p:spPr>
         <p:txBody>
-          <a:bodyPr lIns="0" rIns="0" tIns="0" bIns="0">
+          <a:bodyPr lIns="0" tIns="0" rIns="0" bIns="0">
             <a:normAutofit/>
           </a:bodyPr>
-          <a:p>
-            <a:endParaRPr b="0" lang="en-US" sz="2800" spc="-1" strike="noStrike">
+          <a:lstStyle/>
+          <a:p>
+            <a:endParaRPr lang="en-US" sz="2800" b="0" strike="noStrike" spc="-1">
               <a:solidFill>
                 <a:srgbClr val="000000"/>
               </a:solidFill>
@@ -254,11 +360,12 @@
           </a:prstGeom>
         </p:spPr>
         <p:txBody>
-          <a:bodyPr lIns="0" rIns="0" tIns="0" bIns="0">
+          <a:bodyPr lIns="0" tIns="0" rIns="0" bIns="0">
             <a:normAutofit/>
           </a:bodyPr>
-          <a:p>
-            <a:endParaRPr b="0" lang="en-US" sz="2800" spc="-1" strike="noStrike">
+          <a:lstStyle/>
+          <a:p>
+            <a:endParaRPr lang="en-US" sz="2800" b="0" strike="noStrike" spc="-1">
               <a:solidFill>
                 <a:srgbClr val="000000"/>
               </a:solidFill>
@@ -287,11 +394,12 @@
           </a:prstGeom>
         </p:spPr>
         <p:txBody>
-          <a:bodyPr lIns="0" rIns="0" tIns="0" bIns="0">
+          <a:bodyPr lIns="0" tIns="0" rIns="0" bIns="0">
             <a:normAutofit/>
           </a:bodyPr>
-          <a:p>
-            <a:endParaRPr b="0" lang="en-US" sz="2800" spc="-1" strike="noStrike">
+          <a:lstStyle/>
+          <a:p>
+            <a:endParaRPr lang="en-US" sz="2800" b="0" strike="noStrike" spc="-1">
               <a:solidFill>
                 <a:srgbClr val="000000"/>
               </a:solidFill>
@@ -320,11 +428,12 @@
           </a:prstGeom>
         </p:spPr>
         <p:txBody>
-          <a:bodyPr lIns="0" rIns="0" tIns="0" bIns="0">
+          <a:bodyPr lIns="0" tIns="0" rIns="0" bIns="0">
             <a:normAutofit/>
           </a:bodyPr>
-          <a:p>
-            <a:endParaRPr b="0" lang="en-US" sz="2800" spc="-1" strike="noStrike">
+          <a:lstStyle/>
+          <a:p>
+            <a:endParaRPr lang="en-US" sz="2800" b="0" strike="noStrike" spc="-1">
               <a:solidFill>
                 <a:srgbClr val="000000"/>
               </a:solidFill>
@@ -335,11 +444,14 @@
       </p:sp>
     </p:spTree>
   </p:cSld>
+  <p:clrMapOvr>
+    <a:masterClrMapping/>
+  </p:clrMapOvr>
 </p:sldLayout>
 </file>
 
 <file path=ppt/slideLayouts/slideLayout12.xml><?xml version="1.0" encoding="utf-8"?>
-<p:sldLayout xmlns:a="http://schemas.openxmlformats.org/drawingml/2006/main" xmlns:p="http://schemas.openxmlformats.org/presentationml/2006/main" xmlns:r="http://schemas.openxmlformats.org/officeDocument/2006/relationships" xmlns:p14="http://schemas.microsoft.com/office/powerpoint/2010/main" xmlns:p15="http://schemas.microsoft.com/office/powerpoint/2012/main" xmlns:mc="http://schemas.openxmlformats.org/markup-compatibility/2006" type="blank" preserve="1">
+<p:sldLayout xmlns:a="http://schemas.openxmlformats.org/drawingml/2006/main" xmlns:r="http://schemas.openxmlformats.org/officeDocument/2006/relationships" xmlns:p="http://schemas.openxmlformats.org/presentationml/2006/main" type="blank" preserve="1">
   <p:cSld name="Title, 6 Content">
     <p:spTree>
       <p:nvGrpSpPr>
@@ -375,9 +487,10 @@
           </a:prstGeom>
         </p:spPr>
         <p:txBody>
-          <a:bodyPr lIns="0" rIns="0" tIns="0" bIns="0" anchor="ctr"/>
-          <a:p>
-            <a:endParaRPr b="0" lang="en-US" sz="1800" spc="-1" strike="noStrike">
+          <a:bodyPr lIns="0" tIns="0" rIns="0" bIns="0" anchor="ctr"/>
+          <a:lstStyle/>
+          <a:p>
+            <a:endParaRPr lang="en-US" sz="1800" b="0" strike="noStrike" spc="-1">
               <a:solidFill>
                 <a:srgbClr val="000000"/>
               </a:solidFill>
@@ -406,11 +519,12 @@
           </a:prstGeom>
         </p:spPr>
         <p:txBody>
-          <a:bodyPr lIns="0" rIns="0" tIns="0" bIns="0">
+          <a:bodyPr lIns="0" tIns="0" rIns="0" bIns="0">
             <a:normAutofit/>
           </a:bodyPr>
-          <a:p>
-            <a:endParaRPr b="0" lang="en-US" sz="2800" spc="-1" strike="noStrike">
+          <a:lstStyle/>
+          <a:p>
+            <a:endParaRPr lang="en-US" sz="2800" b="0" strike="noStrike" spc="-1">
               <a:solidFill>
                 <a:srgbClr val="000000"/>
               </a:solidFill>
@@ -439,11 +553,12 @@
           </a:prstGeom>
         </p:spPr>
         <p:txBody>
-          <a:bodyPr lIns="0" rIns="0" tIns="0" bIns="0">
+          <a:bodyPr lIns="0" tIns="0" rIns="0" bIns="0">
             <a:normAutofit/>
           </a:bodyPr>
-          <a:p>
-            <a:endParaRPr b="0" lang="en-US" sz="2800" spc="-1" strike="noStrike">
+          <a:lstStyle/>
+          <a:p>
+            <a:endParaRPr lang="en-US" sz="2800" b="0" strike="noStrike" spc="-1">
               <a:solidFill>
                 <a:srgbClr val="000000"/>
               </a:solidFill>
@@ -472,11 +587,12 @@
           </a:prstGeom>
         </p:spPr>
         <p:txBody>
-          <a:bodyPr lIns="0" rIns="0" tIns="0" bIns="0">
+          <a:bodyPr lIns="0" tIns="0" rIns="0" bIns="0">
             <a:normAutofit/>
           </a:bodyPr>
-          <a:p>
-            <a:endParaRPr b="0" lang="en-US" sz="2800" spc="-1" strike="noStrike">
+          <a:lstStyle/>
+          <a:p>
+            <a:endParaRPr lang="en-US" sz="2800" b="0" strike="noStrike" spc="-1">
               <a:solidFill>
                 <a:srgbClr val="000000"/>
               </a:solidFill>
@@ -505,11 +621,12 @@
           </a:prstGeom>
         </p:spPr>
         <p:txBody>
-          <a:bodyPr lIns="0" rIns="0" tIns="0" bIns="0">
+          <a:bodyPr lIns="0" tIns="0" rIns="0" bIns="0">
             <a:normAutofit/>
           </a:bodyPr>
-          <a:p>
-            <a:endParaRPr b="0" lang="en-US" sz="2800" spc="-1" strike="noStrike">
+          <a:lstStyle/>
+          <a:p>
+            <a:endParaRPr lang="en-US" sz="2800" b="0" strike="noStrike" spc="-1">
               <a:solidFill>
                 <a:srgbClr val="000000"/>
               </a:solidFill>
@@ -538,11 +655,12 @@
           </a:prstGeom>
         </p:spPr>
         <p:txBody>
-          <a:bodyPr lIns="0" rIns="0" tIns="0" bIns="0">
+          <a:bodyPr lIns="0" tIns="0" rIns="0" bIns="0">
             <a:normAutofit/>
           </a:bodyPr>
-          <a:p>
-            <a:endParaRPr b="0" lang="en-US" sz="2800" spc="-1" strike="noStrike">
+          <a:lstStyle/>
+          <a:p>
+            <a:endParaRPr lang="en-US" sz="2800" b="0" strike="noStrike" spc="-1">
               <a:solidFill>
                 <a:srgbClr val="000000"/>
               </a:solidFill>
@@ -571,11 +689,12 @@
           </a:prstGeom>
         </p:spPr>
         <p:txBody>
-          <a:bodyPr lIns="0" rIns="0" tIns="0" bIns="0">
+          <a:bodyPr lIns="0" tIns="0" rIns="0" bIns="0">
             <a:normAutofit/>
           </a:bodyPr>
-          <a:p>
-            <a:endParaRPr b="0" lang="en-US" sz="2800" spc="-1" strike="noStrike">
+          <a:lstStyle/>
+          <a:p>
+            <a:endParaRPr lang="en-US" sz="2800" b="0" strike="noStrike" spc="-1">
               <a:solidFill>
                 <a:srgbClr val="000000"/>
               </a:solidFill>
@@ -586,11 +705,14 @@
       </p:sp>
     </p:spTree>
   </p:cSld>
+  <p:clrMapOvr>
+    <a:masterClrMapping/>
+  </p:clrMapOvr>
 </p:sldLayout>
 </file>
 
 <file path=ppt/slideLayouts/slideLayout2.xml><?xml version="1.0" encoding="utf-8"?>
-<p:sldLayout xmlns:a="http://schemas.openxmlformats.org/drawingml/2006/main" xmlns:p="http://schemas.openxmlformats.org/presentationml/2006/main" xmlns:r="http://schemas.openxmlformats.org/officeDocument/2006/relationships" xmlns:p14="http://schemas.microsoft.com/office/powerpoint/2010/main" xmlns:p15="http://schemas.microsoft.com/office/powerpoint/2012/main" xmlns:mc="http://schemas.openxmlformats.org/markup-compatibility/2006" type="tx" preserve="1">
+<p:sldLayout xmlns:a="http://schemas.openxmlformats.org/drawingml/2006/main" xmlns:r="http://schemas.openxmlformats.org/officeDocument/2006/relationships" xmlns:p="http://schemas.openxmlformats.org/presentationml/2006/main" type="tx" preserve="1">
   <p:cSld name="Title Slide">
     <p:spTree>
       <p:nvGrpSpPr>
@@ -626,9 +748,10 @@
           </a:prstGeom>
         </p:spPr>
         <p:txBody>
-          <a:bodyPr lIns="0" rIns="0" tIns="0" bIns="0" anchor="ctr"/>
-          <a:p>
-            <a:endParaRPr b="0" lang="en-US" sz="1800" spc="-1" strike="noStrike">
+          <a:bodyPr lIns="0" tIns="0" rIns="0" bIns="0" anchor="ctr"/>
+          <a:lstStyle/>
+          <a:p>
+            <a:endParaRPr lang="en-US" sz="1800" b="0" strike="noStrike" spc="-1">
               <a:solidFill>
                 <a:srgbClr val="000000"/>
               </a:solidFill>
@@ -657,10 +780,11 @@
           </a:prstGeom>
         </p:spPr>
         <p:txBody>
-          <a:bodyPr lIns="0" rIns="0" tIns="0" bIns="0" anchor="ctr"/>
+          <a:bodyPr lIns="0" tIns="0" rIns="0" bIns="0" anchor="ctr"/>
+          <a:lstStyle/>
           <a:p>
             <a:pPr algn="ctr"/>
-            <a:endParaRPr b="0" lang="en-US" sz="3200" spc="-1" strike="noStrike">
+            <a:endParaRPr lang="en-US" sz="3200" b="0" strike="noStrike" spc="-1">
               <a:latin typeface="Arial"/>
             </a:endParaRPr>
           </a:p>
@@ -668,11 +792,14 @@
       </p:sp>
     </p:spTree>
   </p:cSld>
+  <p:clrMapOvr>
+    <a:masterClrMapping/>
+  </p:clrMapOvr>
 </p:sldLayout>
 </file>
 
 <file path=ppt/slideLayouts/slideLayout3.xml><?xml version="1.0" encoding="utf-8"?>
-<p:sldLayout xmlns:a="http://schemas.openxmlformats.org/drawingml/2006/main" xmlns:p="http://schemas.openxmlformats.org/presentationml/2006/main" xmlns:r="http://schemas.openxmlformats.org/officeDocument/2006/relationships" xmlns:p14="http://schemas.microsoft.com/office/powerpoint/2010/main" xmlns:p15="http://schemas.microsoft.com/office/powerpoint/2012/main" xmlns:mc="http://schemas.openxmlformats.org/markup-compatibility/2006" type="obj" preserve="1">
+<p:sldLayout xmlns:a="http://schemas.openxmlformats.org/drawingml/2006/main" xmlns:r="http://schemas.openxmlformats.org/officeDocument/2006/relationships" xmlns:p="http://schemas.openxmlformats.org/presentationml/2006/main" type="obj" preserve="1">
   <p:cSld name="Title, Content">
     <p:spTree>
       <p:nvGrpSpPr>
@@ -708,9 +835,10 @@
           </a:prstGeom>
         </p:spPr>
         <p:txBody>
-          <a:bodyPr lIns="0" rIns="0" tIns="0" bIns="0" anchor="ctr"/>
-          <a:p>
-            <a:endParaRPr b="0" lang="en-US" sz="1800" spc="-1" strike="noStrike">
+          <a:bodyPr lIns="0" tIns="0" rIns="0" bIns="0" anchor="ctr"/>
+          <a:lstStyle/>
+          <a:p>
+            <a:endParaRPr lang="en-US" sz="1800" b="0" strike="noStrike" spc="-1">
               <a:solidFill>
                 <a:srgbClr val="000000"/>
               </a:solidFill>
@@ -739,11 +867,12 @@
           </a:prstGeom>
         </p:spPr>
         <p:txBody>
-          <a:bodyPr lIns="0" rIns="0" tIns="0" bIns="0">
+          <a:bodyPr lIns="0" tIns="0" rIns="0" bIns="0">
             <a:normAutofit/>
           </a:bodyPr>
-          <a:p>
-            <a:endParaRPr b="0" lang="en-US" sz="2800" spc="-1" strike="noStrike">
+          <a:lstStyle/>
+          <a:p>
+            <a:endParaRPr lang="en-US" sz="2800" b="0" strike="noStrike" spc="-1">
               <a:solidFill>
                 <a:srgbClr val="000000"/>
               </a:solidFill>
@@ -754,11 +883,14 @@
       </p:sp>
     </p:spTree>
   </p:cSld>
+  <p:clrMapOvr>
+    <a:masterClrMapping/>
+  </p:clrMapOvr>
 </p:sldLayout>
 </file>
 
 <file path=ppt/slideLayouts/slideLayout4.xml><?xml version="1.0" encoding="utf-8"?>
-<p:sldLayout xmlns:a="http://schemas.openxmlformats.org/drawingml/2006/main" xmlns:p="http://schemas.openxmlformats.org/presentationml/2006/main" xmlns:r="http://schemas.openxmlformats.org/officeDocument/2006/relationships" xmlns:p14="http://schemas.microsoft.com/office/powerpoint/2010/main" xmlns:p15="http://schemas.microsoft.com/office/powerpoint/2012/main" xmlns:mc="http://schemas.openxmlformats.org/markup-compatibility/2006" type="twoObj" preserve="1">
+<p:sldLayout xmlns:a="http://schemas.openxmlformats.org/drawingml/2006/main" xmlns:r="http://schemas.openxmlformats.org/officeDocument/2006/relationships" xmlns:p="http://schemas.openxmlformats.org/presentationml/2006/main" type="twoObj" preserve="1">
   <p:cSld name="Title, 2 Content">
     <p:spTree>
       <p:nvGrpSpPr>
@@ -794,9 +926,10 @@
           </a:prstGeom>
         </p:spPr>
         <p:txBody>
-          <a:bodyPr lIns="0" rIns="0" tIns="0" bIns="0" anchor="ctr"/>
-          <a:p>
-            <a:endParaRPr b="0" lang="en-US" sz="1800" spc="-1" strike="noStrike">
+          <a:bodyPr lIns="0" tIns="0" rIns="0" bIns="0" anchor="ctr"/>
+          <a:lstStyle/>
+          <a:p>
+            <a:endParaRPr lang="en-US" sz="1800" b="0" strike="noStrike" spc="-1">
               <a:solidFill>
                 <a:srgbClr val="000000"/>
               </a:solidFill>
@@ -825,11 +958,12 @@
           </a:prstGeom>
         </p:spPr>
         <p:txBody>
-          <a:bodyPr lIns="0" rIns="0" tIns="0" bIns="0">
+          <a:bodyPr lIns="0" tIns="0" rIns="0" bIns="0">
             <a:normAutofit/>
           </a:bodyPr>
-          <a:p>
-            <a:endParaRPr b="0" lang="en-US" sz="2800" spc="-1" strike="noStrike">
+          <a:lstStyle/>
+          <a:p>
+            <a:endParaRPr lang="en-US" sz="2800" b="0" strike="noStrike" spc="-1">
               <a:solidFill>
                 <a:srgbClr val="000000"/>
               </a:solidFill>
@@ -858,11 +992,12 @@
           </a:prstGeom>
         </p:spPr>
         <p:txBody>
-          <a:bodyPr lIns="0" rIns="0" tIns="0" bIns="0">
+          <a:bodyPr lIns="0" tIns="0" rIns="0" bIns="0">
             <a:normAutofit/>
           </a:bodyPr>
-          <a:p>
-            <a:endParaRPr b="0" lang="en-US" sz="2800" spc="-1" strike="noStrike">
+          <a:lstStyle/>
+          <a:p>
+            <a:endParaRPr lang="en-US" sz="2800" b="0" strike="noStrike" spc="-1">
               <a:solidFill>
                 <a:srgbClr val="000000"/>
               </a:solidFill>
@@ -873,11 +1008,14 @@
       </p:sp>
     </p:spTree>
   </p:cSld>
+  <p:clrMapOvr>
+    <a:masterClrMapping/>
+  </p:clrMapOvr>
 </p:sldLayout>
 </file>
 
 <file path=ppt/slideLayouts/slideLayout5.xml><?xml version="1.0" encoding="utf-8"?>
-<p:sldLayout xmlns:a="http://schemas.openxmlformats.org/drawingml/2006/main" xmlns:p="http://schemas.openxmlformats.org/presentationml/2006/main" xmlns:r="http://schemas.openxmlformats.org/officeDocument/2006/relationships" xmlns:p14="http://schemas.microsoft.com/office/powerpoint/2010/main" xmlns:p15="http://schemas.microsoft.com/office/powerpoint/2012/main" xmlns:mc="http://schemas.openxmlformats.org/markup-compatibility/2006" type="titleOnly" preserve="1">
+<p:sldLayout xmlns:a="http://schemas.openxmlformats.org/drawingml/2006/main" xmlns:r="http://schemas.openxmlformats.org/officeDocument/2006/relationships" xmlns:p="http://schemas.openxmlformats.org/presentationml/2006/main" type="titleOnly" preserve="1">
   <p:cSld name="Title Only">
     <p:spTree>
       <p:nvGrpSpPr>
@@ -913,9 +1051,10 @@
           </a:prstGeom>
         </p:spPr>
         <p:txBody>
-          <a:bodyPr lIns="0" rIns="0" tIns="0" bIns="0" anchor="ctr"/>
-          <a:p>
-            <a:endParaRPr b="0" lang="en-US" sz="1800" spc="-1" strike="noStrike">
+          <a:bodyPr lIns="0" tIns="0" rIns="0" bIns="0" anchor="ctr"/>
+          <a:lstStyle/>
+          <a:p>
+            <a:endParaRPr lang="en-US" sz="1800" b="0" strike="noStrike" spc="-1">
               <a:solidFill>
                 <a:srgbClr val="000000"/>
               </a:solidFill>
@@ -926,11 +1065,14 @@
       </p:sp>
     </p:spTree>
   </p:cSld>
+  <p:clrMapOvr>
+    <a:masterClrMapping/>
+  </p:clrMapOvr>
 </p:sldLayout>
 </file>
 
 <file path=ppt/slideLayouts/slideLayout6.xml><?xml version="1.0" encoding="utf-8"?>
-<p:sldLayout xmlns:a="http://schemas.openxmlformats.org/drawingml/2006/main" xmlns:p="http://schemas.openxmlformats.org/presentationml/2006/main" xmlns:r="http://schemas.openxmlformats.org/officeDocument/2006/relationships" xmlns:p14="http://schemas.microsoft.com/office/powerpoint/2010/main" xmlns:p15="http://schemas.microsoft.com/office/powerpoint/2012/main" xmlns:mc="http://schemas.openxmlformats.org/markup-compatibility/2006" type="objOnly" preserve="1">
+<p:sldLayout xmlns:a="http://schemas.openxmlformats.org/drawingml/2006/main" xmlns:r="http://schemas.openxmlformats.org/officeDocument/2006/relationships" xmlns:p="http://schemas.openxmlformats.org/presentationml/2006/main" type="objOnly" preserve="1">
   <p:cSld name="Centered Text">
     <p:spTree>
       <p:nvGrpSpPr>
@@ -966,10 +1108,11 @@
           </a:prstGeom>
         </p:spPr>
         <p:txBody>
-          <a:bodyPr lIns="0" rIns="0" tIns="0" bIns="0" anchor="ctr"/>
+          <a:bodyPr lIns="0" tIns="0" rIns="0" bIns="0" anchor="ctr"/>
+          <a:lstStyle/>
           <a:p>
             <a:pPr algn="ctr"/>
-            <a:endParaRPr b="0" lang="en-US" sz="3200" spc="-1" strike="noStrike">
+            <a:endParaRPr lang="en-US" sz="3200" b="0" strike="noStrike" spc="-1">
               <a:latin typeface="Arial"/>
             </a:endParaRPr>
           </a:p>
@@ -977,11 +1120,14 @@
       </p:sp>
     </p:spTree>
   </p:cSld>
+  <p:clrMapOvr>
+    <a:masterClrMapping/>
+  </p:clrMapOvr>
 </p:sldLayout>
 </file>
 
 <file path=ppt/slideLayouts/slideLayout7.xml><?xml version="1.0" encoding="utf-8"?>
-<p:sldLayout xmlns:a="http://schemas.openxmlformats.org/drawingml/2006/main" xmlns:p="http://schemas.openxmlformats.org/presentationml/2006/main" xmlns:r="http://schemas.openxmlformats.org/officeDocument/2006/relationships" xmlns:p14="http://schemas.microsoft.com/office/powerpoint/2010/main" xmlns:p15="http://schemas.microsoft.com/office/powerpoint/2012/main" xmlns:mc="http://schemas.openxmlformats.org/markup-compatibility/2006" type="twoObjAndObj" preserve="1">
+<p:sldLayout xmlns:a="http://schemas.openxmlformats.org/drawingml/2006/main" xmlns:r="http://schemas.openxmlformats.org/officeDocument/2006/relationships" xmlns:p="http://schemas.openxmlformats.org/presentationml/2006/main" type="twoObjAndObj" preserve="1">
   <p:cSld name="Title, 2 Content and Content">
     <p:spTree>
       <p:nvGrpSpPr>
@@ -1017,9 +1163,10 @@
           </a:prstGeom>
         </p:spPr>
         <p:txBody>
-          <a:bodyPr lIns="0" rIns="0" tIns="0" bIns="0" anchor="ctr"/>
-          <a:p>
-            <a:endParaRPr b="0" lang="en-US" sz="1800" spc="-1" strike="noStrike">
+          <a:bodyPr lIns="0" tIns="0" rIns="0" bIns="0" anchor="ctr"/>
+          <a:lstStyle/>
+          <a:p>
+            <a:endParaRPr lang="en-US" sz="1800" b="0" strike="noStrike" spc="-1">
               <a:solidFill>
                 <a:srgbClr val="000000"/>
               </a:solidFill>
@@ -1048,11 +1195,12 @@
           </a:prstGeom>
         </p:spPr>
         <p:txBody>
-          <a:bodyPr lIns="0" rIns="0" tIns="0" bIns="0">
+          <a:bodyPr lIns="0" tIns="0" rIns="0" bIns="0">
             <a:normAutofit/>
           </a:bodyPr>
-          <a:p>
-            <a:endParaRPr b="0" lang="en-US" sz="2800" spc="-1" strike="noStrike">
+          <a:lstStyle/>
+          <a:p>
+            <a:endParaRPr lang="en-US" sz="2800" b="0" strike="noStrike" spc="-1">
               <a:solidFill>
                 <a:srgbClr val="000000"/>
               </a:solidFill>
@@ -1081,11 +1229,12 @@
           </a:prstGeom>
         </p:spPr>
         <p:txBody>
-          <a:bodyPr lIns="0" rIns="0" tIns="0" bIns="0">
+          <a:bodyPr lIns="0" tIns="0" rIns="0" bIns="0">
             <a:normAutofit/>
           </a:bodyPr>
-          <a:p>
-            <a:endParaRPr b="0" lang="en-US" sz="2800" spc="-1" strike="noStrike">
+          <a:lstStyle/>
+          <a:p>
+            <a:endParaRPr lang="en-US" sz="2800" b="0" strike="noStrike" spc="-1">
               <a:solidFill>
                 <a:srgbClr val="000000"/>
               </a:solidFill>
@@ -1114,11 +1263,12 @@
           </a:prstGeom>
         </p:spPr>
         <p:txBody>
-          <a:bodyPr lIns="0" rIns="0" tIns="0" bIns="0">
+          <a:bodyPr lIns="0" tIns="0" rIns="0" bIns="0">
             <a:normAutofit/>
           </a:bodyPr>
-          <a:p>
-            <a:endParaRPr b="0" lang="en-US" sz="2800" spc="-1" strike="noStrike">
+          <a:lstStyle/>
+          <a:p>
+            <a:endParaRPr lang="en-US" sz="2800" b="0" strike="noStrike" spc="-1">
               <a:solidFill>
                 <a:srgbClr val="000000"/>
               </a:solidFill>
@@ -1129,11 +1279,14 @@
       </p:sp>
     </p:spTree>
   </p:cSld>
+  <p:clrMapOvr>
+    <a:masterClrMapping/>
+  </p:clrMapOvr>
 </p:sldLayout>
 </file>
 
 <file path=ppt/slideLayouts/slideLayout8.xml><?xml version="1.0" encoding="utf-8"?>
-<p:sldLayout xmlns:a="http://schemas.openxmlformats.org/drawingml/2006/main" xmlns:p="http://schemas.openxmlformats.org/presentationml/2006/main" xmlns:r="http://schemas.openxmlformats.org/officeDocument/2006/relationships" xmlns:p14="http://schemas.microsoft.com/office/powerpoint/2010/main" xmlns:p15="http://schemas.microsoft.com/office/powerpoint/2012/main" xmlns:mc="http://schemas.openxmlformats.org/markup-compatibility/2006" type="objAndTwoObj" preserve="1">
+<p:sldLayout xmlns:a="http://schemas.openxmlformats.org/drawingml/2006/main" xmlns:r="http://schemas.openxmlformats.org/officeDocument/2006/relationships" xmlns:p="http://schemas.openxmlformats.org/presentationml/2006/main" type="objAndTwoObj" preserve="1">
   <p:cSld name="Title Content and 2 Content">
     <p:spTree>
       <p:nvGrpSpPr>
@@ -1169,9 +1322,10 @@
           </a:prstGeom>
         </p:spPr>
         <p:txBody>
-          <a:bodyPr lIns="0" rIns="0" tIns="0" bIns="0" anchor="ctr"/>
-          <a:p>
-            <a:endParaRPr b="0" lang="en-US" sz="1800" spc="-1" strike="noStrike">
+          <a:bodyPr lIns="0" tIns="0" rIns="0" bIns="0" anchor="ctr"/>
+          <a:lstStyle/>
+          <a:p>
+            <a:endParaRPr lang="en-US" sz="1800" b="0" strike="noStrike" spc="-1">
               <a:solidFill>
                 <a:srgbClr val="000000"/>
               </a:solidFill>
@@ -1200,11 +1354,12 @@
           </a:prstGeom>
         </p:spPr>
         <p:txBody>
-          <a:bodyPr lIns="0" rIns="0" tIns="0" bIns="0">
+          <a:bodyPr lIns="0" tIns="0" rIns="0" bIns="0">
             <a:normAutofit/>
           </a:bodyPr>
-          <a:p>
-            <a:endParaRPr b="0" lang="en-US" sz="2800" spc="-1" strike="noStrike">
+          <a:lstStyle/>
+          <a:p>
+            <a:endParaRPr lang="en-US" sz="2800" b="0" strike="noStrike" spc="-1">
               <a:solidFill>
                 <a:srgbClr val="000000"/>
               </a:solidFill>
@@ -1233,11 +1388,12 @@
           </a:prstGeom>
         </p:spPr>
         <p:txBody>
-          <a:bodyPr lIns="0" rIns="0" tIns="0" bIns="0">
+          <a:bodyPr lIns="0" tIns="0" rIns="0" bIns="0">
             <a:normAutofit/>
           </a:bodyPr>
-          <a:p>
-            <a:endParaRPr b="0" lang="en-US" sz="2800" spc="-1" strike="noStrike">
+          <a:lstStyle/>
+          <a:p>
+            <a:endParaRPr lang="en-US" sz="2800" b="0" strike="noStrike" spc="-1">
               <a:solidFill>
                 <a:srgbClr val="000000"/>
               </a:solidFill>
@@ -1266,11 +1422,12 @@
           </a:prstGeom>
         </p:spPr>
         <p:txBody>
-          <a:bodyPr lIns="0" rIns="0" tIns="0" bIns="0">
+          <a:bodyPr lIns="0" tIns="0" rIns="0" bIns="0">
             <a:normAutofit/>
           </a:bodyPr>
-          <a:p>
-            <a:endParaRPr b="0" lang="en-US" sz="2800" spc="-1" strike="noStrike">
+          <a:lstStyle/>
+          <a:p>
+            <a:endParaRPr lang="en-US" sz="2800" b="0" strike="noStrike" spc="-1">
               <a:solidFill>
                 <a:srgbClr val="000000"/>
               </a:solidFill>
@@ -1281,11 +1438,14 @@
       </p:sp>
     </p:spTree>
   </p:cSld>
+  <p:clrMapOvr>
+    <a:masterClrMapping/>
+  </p:clrMapOvr>
 </p:sldLayout>
 </file>
 
 <file path=ppt/slideLayouts/slideLayout9.xml><?xml version="1.0" encoding="utf-8"?>
-<p:sldLayout xmlns:a="http://schemas.openxmlformats.org/drawingml/2006/main" xmlns:p="http://schemas.openxmlformats.org/presentationml/2006/main" xmlns:r="http://schemas.openxmlformats.org/officeDocument/2006/relationships" xmlns:p14="http://schemas.microsoft.com/office/powerpoint/2010/main" xmlns:p15="http://schemas.microsoft.com/office/powerpoint/2012/main" xmlns:mc="http://schemas.openxmlformats.org/markup-compatibility/2006" type="twoObjOverTx" preserve="1">
+<p:sldLayout xmlns:a="http://schemas.openxmlformats.org/drawingml/2006/main" xmlns:r="http://schemas.openxmlformats.org/officeDocument/2006/relationships" xmlns:p="http://schemas.openxmlformats.org/presentationml/2006/main" type="twoObjOverTx" preserve="1">
   <p:cSld name="Title, 2 Content over Content">
     <p:spTree>
       <p:nvGrpSpPr>
@@ -1321,9 +1481,10 @@
           </a:prstGeom>
         </p:spPr>
         <p:txBody>
-          <a:bodyPr lIns="0" rIns="0" tIns="0" bIns="0" anchor="ctr"/>
-          <a:p>
-            <a:endParaRPr b="0" lang="en-US" sz="1800" spc="-1" strike="noStrike">
+          <a:bodyPr lIns="0" tIns="0" rIns="0" bIns="0" anchor="ctr"/>
+          <a:lstStyle/>
+          <a:p>
+            <a:endParaRPr lang="en-US" sz="1800" b="0" strike="noStrike" spc="-1">
               <a:solidFill>
                 <a:srgbClr val="000000"/>
               </a:solidFill>
@@ -1352,11 +1513,12 @@
           </a:prstGeom>
         </p:spPr>
         <p:txBody>
-          <a:bodyPr lIns="0" rIns="0" tIns="0" bIns="0">
+          <a:bodyPr lIns="0" tIns="0" rIns="0" bIns="0">
             <a:normAutofit/>
           </a:bodyPr>
-          <a:p>
-            <a:endParaRPr b="0" lang="en-US" sz="2800" spc="-1" strike="noStrike">
+          <a:lstStyle/>
+          <a:p>
+            <a:endParaRPr lang="en-US" sz="2800" b="0" strike="noStrike" spc="-1">
               <a:solidFill>
                 <a:srgbClr val="000000"/>
               </a:solidFill>
@@ -1385,11 +1547,12 @@
           </a:prstGeom>
         </p:spPr>
         <p:txBody>
-          <a:bodyPr lIns="0" rIns="0" tIns="0" bIns="0">
+          <a:bodyPr lIns="0" tIns="0" rIns="0" bIns="0">
             <a:normAutofit/>
           </a:bodyPr>
-          <a:p>
-            <a:endParaRPr b="0" lang="en-US" sz="2800" spc="-1" strike="noStrike">
+          <a:lstStyle/>
+          <a:p>
+            <a:endParaRPr lang="en-US" sz="2800" b="0" strike="noStrike" spc="-1">
               <a:solidFill>
                 <a:srgbClr val="000000"/>
               </a:solidFill>
@@ -1418,11 +1581,12 @@
           </a:prstGeom>
         </p:spPr>
         <p:txBody>
-          <a:bodyPr lIns="0" rIns="0" tIns="0" bIns="0">
+          <a:bodyPr lIns="0" tIns="0" rIns="0" bIns="0">
             <a:normAutofit/>
           </a:bodyPr>
-          <a:p>
-            <a:endParaRPr b="0" lang="en-US" sz="2800" spc="-1" strike="noStrike">
+          <a:lstStyle/>
+          <a:p>
+            <a:endParaRPr lang="en-US" sz="2800" b="0" strike="noStrike" spc="-1">
               <a:solidFill>
                 <a:srgbClr val="000000"/>
               </a:solidFill>
@@ -1433,17 +1597,21 @@
       </p:sp>
     </p:spTree>
   </p:cSld>
+  <p:clrMapOvr>
+    <a:masterClrMapping/>
+  </p:clrMapOvr>
 </p:sldLayout>
 </file>
 
 <file path=ppt/slideMasters/slideMaster1.xml><?xml version="1.0" encoding="utf-8"?>
-<p:sldMaster xmlns:a="http://schemas.openxmlformats.org/drawingml/2006/main" xmlns:p="http://schemas.openxmlformats.org/presentationml/2006/main" xmlns:r="http://schemas.openxmlformats.org/officeDocument/2006/relationships" xmlns:p14="http://schemas.microsoft.com/office/powerpoint/2010/main" xmlns:p15="http://schemas.microsoft.com/office/powerpoint/2012/main" xmlns:mc="http://schemas.openxmlformats.org/markup-compatibility/2006">
+<p:sldMaster xmlns:a="http://schemas.openxmlformats.org/drawingml/2006/main" xmlns:r="http://schemas.openxmlformats.org/officeDocument/2006/relationships" xmlns:p="http://schemas.openxmlformats.org/presentationml/2006/main">
   <p:cSld>
     <p:bg>
       <p:bgPr>
         <a:solidFill>
-          <a:srgbClr val="ffffff"/>
+          <a:srgbClr val="FFFFFF"/>
         </a:solidFill>
+        <a:effectLst/>
       </p:bgPr>
     </p:bg>
     <p:spTree>
@@ -1462,7 +1630,7 @@
       </p:grpSpPr>
       <p:sp>
         <p:nvSpPr>
-          <p:cNvPr id="0" name="PlaceHolder 1"/>
+          <p:cNvPr id="2" name="PlaceHolder 1"/>
           <p:cNvSpPr>
             <a:spLocks noGrp="1"/>
           </p:cNvSpPr>
@@ -1480,10 +1648,11 @@
           </a:prstGeom>
         </p:spPr>
         <p:txBody>
-          <a:bodyPr lIns="0" rIns="0" tIns="0" bIns="0" anchor="ctr"/>
+          <a:bodyPr lIns="0" tIns="0" rIns="0" bIns="0" anchor="ctr"/>
+          <a:lstStyle/>
           <a:p>
             <a:r>
-              <a:rPr b="0" lang="en-US" sz="4400" spc="-1" strike="noStrike">
+              <a:rPr lang="en-US" sz="4400" b="0" strike="noStrike" spc="-1">
                 <a:solidFill>
                   <a:srgbClr val="000000"/>
                 </a:solidFill>
@@ -1491,18 +1660,12 @@
               </a:rPr>
               <a:t>Click to edit the title text format</a:t>
             </a:r>
-            <a:endParaRPr b="0" lang="en-US" sz="4400" spc="-1" strike="noStrike">
-              <a:solidFill>
-                <a:srgbClr val="000000"/>
-              </a:solidFill>
-              <a:latin typeface="Arial"/>
-            </a:endParaRPr>
-          </a:p>
-        </p:txBody>
-      </p:sp>
-      <p:sp>
-        <p:nvSpPr>
-          <p:cNvPr id="1" name="PlaceHolder 2"/>
+          </a:p>
+        </p:txBody>
+      </p:sp>
+      <p:sp>
+        <p:nvSpPr>
+          <p:cNvPr id="3" name="PlaceHolder 2"/>
           <p:cNvSpPr>
             <a:spLocks noGrp="1"/>
           </p:cNvSpPr>
@@ -1520,9 +1683,10 @@
           </a:prstGeom>
         </p:spPr>
         <p:txBody>
-          <a:bodyPr lIns="0" rIns="0" tIns="0" bIns="0">
+          <a:bodyPr lIns="0" tIns="0" rIns="0" bIns="0">
             <a:normAutofit/>
           </a:bodyPr>
+          <a:lstStyle/>
           <a:p>
             <a:pPr marL="432000" indent="-324000">
               <a:spcBef>
@@ -1536,7 +1700,7 @@
               <a:buChar char=""/>
             </a:pPr>
             <a:r>
-              <a:rPr b="0" lang="en-US" sz="2800" spc="-1" strike="noStrike">
+              <a:rPr lang="en-US" sz="2800" b="0" strike="noStrike" spc="-1">
                 <a:solidFill>
                   <a:srgbClr val="000000"/>
                 </a:solidFill>
@@ -1544,15 +1708,9 @@
               </a:rPr>
               <a:t>Click to edit the outline text format</a:t>
             </a:r>
-            <a:endParaRPr b="0" lang="en-US" sz="2800" spc="-1" strike="noStrike">
-              <a:solidFill>
-                <a:srgbClr val="000000"/>
-              </a:solidFill>
-              <a:latin typeface="Arial"/>
-            </a:endParaRPr>
-          </a:p>
-          <a:p>
-            <a:pPr lvl="1" marL="864000" indent="-324000">
+          </a:p>
+          <a:p>
+            <a:pPr marL="864000" lvl="1" indent="-324000">
               <a:spcBef>
                 <a:spcPts val="1134"/>
               </a:spcBef>
@@ -1564,7 +1722,7 @@
               <a:buChar char=""/>
             </a:pPr>
             <a:r>
-              <a:rPr b="0" lang="en-US" sz="2000" spc="-1" strike="noStrike">
+              <a:rPr lang="en-US" sz="2000" b="0" strike="noStrike" spc="-1">
                 <a:solidFill>
                   <a:srgbClr val="000000"/>
                 </a:solidFill>
@@ -1572,15 +1730,9 @@
               </a:rPr>
               <a:t>Second Outline Level</a:t>
             </a:r>
-            <a:endParaRPr b="0" lang="en-US" sz="2000" spc="-1" strike="noStrike">
-              <a:solidFill>
-                <a:srgbClr val="000000"/>
-              </a:solidFill>
-              <a:latin typeface="Arial"/>
-            </a:endParaRPr>
-          </a:p>
-          <a:p>
-            <a:pPr lvl="2" marL="1296000" indent="-288000">
+          </a:p>
+          <a:p>
+            <a:pPr marL="1296000" lvl="2" indent="-288000">
               <a:spcBef>
                 <a:spcPts val="850"/>
               </a:spcBef>
@@ -1592,7 +1744,7 @@
               <a:buChar char=""/>
             </a:pPr>
             <a:r>
-              <a:rPr b="0" lang="en-US" sz="1800" spc="-1" strike="noStrike">
+              <a:rPr lang="en-US" sz="1800" b="0" strike="noStrike" spc="-1">
                 <a:solidFill>
                   <a:srgbClr val="000000"/>
                 </a:solidFill>
@@ -1600,15 +1752,9 @@
               </a:rPr>
               <a:t>Third Outline Level</a:t>
             </a:r>
-            <a:endParaRPr b="0" lang="en-US" sz="1800" spc="-1" strike="noStrike">
-              <a:solidFill>
-                <a:srgbClr val="000000"/>
-              </a:solidFill>
-              <a:latin typeface="Arial"/>
-            </a:endParaRPr>
-          </a:p>
-          <a:p>
-            <a:pPr lvl="3" marL="1728000" indent="-216000">
+          </a:p>
+          <a:p>
+            <a:pPr marL="1728000" lvl="3" indent="-216000">
               <a:spcBef>
                 <a:spcPts val="567"/>
               </a:spcBef>
@@ -1620,7 +1766,7 @@
               <a:buChar char=""/>
             </a:pPr>
             <a:r>
-              <a:rPr b="0" lang="en-US" sz="1800" spc="-1" strike="noStrike">
+              <a:rPr lang="en-US" sz="1800" b="0" strike="noStrike" spc="-1">
                 <a:solidFill>
                   <a:srgbClr val="000000"/>
                 </a:solidFill>
@@ -1628,15 +1774,9 @@
               </a:rPr>
               <a:t>Fourth Outline Level</a:t>
             </a:r>
-            <a:endParaRPr b="0" lang="en-US" sz="1800" spc="-1" strike="noStrike">
-              <a:solidFill>
-                <a:srgbClr val="000000"/>
-              </a:solidFill>
-              <a:latin typeface="Arial"/>
-            </a:endParaRPr>
-          </a:p>
-          <a:p>
-            <a:pPr lvl="4" marL="2160000" indent="-216000">
+          </a:p>
+          <a:p>
+            <a:pPr marL="2160000" lvl="4" indent="-216000">
               <a:spcBef>
                 <a:spcPts val="283"/>
               </a:spcBef>
@@ -1648,7 +1788,7 @@
               <a:buChar char=""/>
             </a:pPr>
             <a:r>
-              <a:rPr b="0" lang="en-US" sz="2000" spc="-1" strike="noStrike">
+              <a:rPr lang="en-US" sz="2000" b="0" strike="noStrike" spc="-1">
                 <a:solidFill>
                   <a:srgbClr val="000000"/>
                 </a:solidFill>
@@ -1656,15 +1796,9 @@
               </a:rPr>
               <a:t>Fifth Outline Level</a:t>
             </a:r>
-            <a:endParaRPr b="0" lang="en-US" sz="2000" spc="-1" strike="noStrike">
-              <a:solidFill>
-                <a:srgbClr val="000000"/>
-              </a:solidFill>
-              <a:latin typeface="Arial"/>
-            </a:endParaRPr>
-          </a:p>
-          <a:p>
-            <a:pPr lvl="5" marL="2592000" indent="-216000">
+          </a:p>
+          <a:p>
+            <a:pPr marL="2592000" lvl="5" indent="-216000">
               <a:spcBef>
                 <a:spcPts val="283"/>
               </a:spcBef>
@@ -1676,7 +1810,7 @@
               <a:buChar char=""/>
             </a:pPr>
             <a:r>
-              <a:rPr b="0" lang="en-US" sz="2000" spc="-1" strike="noStrike">
+              <a:rPr lang="en-US" sz="2000" b="0" strike="noStrike" spc="-1">
                 <a:solidFill>
                   <a:srgbClr val="000000"/>
                 </a:solidFill>
@@ -1684,15 +1818,9 @@
               </a:rPr>
               <a:t>Sixth Outline Level</a:t>
             </a:r>
-            <a:endParaRPr b="0" lang="en-US" sz="2000" spc="-1" strike="noStrike">
-              <a:solidFill>
-                <a:srgbClr val="000000"/>
-              </a:solidFill>
-              <a:latin typeface="Arial"/>
-            </a:endParaRPr>
-          </a:p>
-          <a:p>
-            <a:pPr lvl="6" marL="3024000" indent="-216000">
+          </a:p>
+          <a:p>
+            <a:pPr marL="3024000" lvl="6" indent="-216000">
               <a:spcBef>
                 <a:spcPts val="283"/>
               </a:spcBef>
@@ -1704,7 +1832,7 @@
               <a:buChar char=""/>
             </a:pPr>
             <a:r>
-              <a:rPr b="0" lang="en-US" sz="2000" spc="-1" strike="noStrike">
+              <a:rPr lang="en-US" sz="2000" b="0" strike="noStrike" spc="-1">
                 <a:solidFill>
                   <a:srgbClr val="000000"/>
                 </a:solidFill>
@@ -1712,37 +1840,311 @@
               </a:rPr>
               <a:t>Seventh Outline Level</a:t>
             </a:r>
-            <a:endParaRPr b="0" lang="en-US" sz="2000" spc="-1" strike="noStrike">
-              <a:solidFill>
-                <a:srgbClr val="000000"/>
-              </a:solidFill>
-              <a:latin typeface="Arial"/>
-            </a:endParaRPr>
           </a:p>
         </p:txBody>
       </p:sp>
     </p:spTree>
   </p:cSld>
-  <p:clrMap bg1="lt1" bg2="lt2" tx1="dk1" tx2="dk2" accent1="accent1" accent2="accent2" accent3="accent3" accent4="accent4" accent5="accent5" accent6="accent6" hlink="hlink" folHlink="folHlink"/>
+  <p:clrMap bg1="lt1" tx1="dk1" bg2="lt2" tx2="dk2" accent1="accent1" accent2="accent2" accent3="accent3" accent4="accent4" accent5="accent5" accent6="accent6" hlink="hlink" folHlink="folHlink"/>
   <p:sldLayoutIdLst>
-    <p:sldLayoutId id="2147483649" r:id="rId2"/>
-    <p:sldLayoutId id="2147483650" r:id="rId3"/>
-    <p:sldLayoutId id="2147483651" r:id="rId4"/>
-    <p:sldLayoutId id="2147483652" r:id="rId5"/>
-    <p:sldLayoutId id="2147483653" r:id="rId6"/>
-    <p:sldLayoutId id="2147483654" r:id="rId7"/>
-    <p:sldLayoutId id="2147483655" r:id="rId8"/>
-    <p:sldLayoutId id="2147483656" r:id="rId9"/>
-    <p:sldLayoutId id="2147483657" r:id="rId10"/>
-    <p:sldLayoutId id="2147483658" r:id="rId11"/>
-    <p:sldLayoutId id="2147483659" r:id="rId12"/>
-    <p:sldLayoutId id="2147483660" r:id="rId13"/>
+    <p:sldLayoutId id="2147483649" r:id="rId1"/>
+    <p:sldLayoutId id="2147483650" r:id="rId2"/>
+    <p:sldLayoutId id="2147483651" r:id="rId3"/>
+    <p:sldLayoutId id="2147483652" r:id="rId4"/>
+    <p:sldLayoutId id="2147483653" r:id="rId5"/>
+    <p:sldLayoutId id="2147483654" r:id="rId6"/>
+    <p:sldLayoutId id="2147483655" r:id="rId7"/>
+    <p:sldLayoutId id="2147483656" r:id="rId8"/>
+    <p:sldLayoutId id="2147483657" r:id="rId9"/>
+    <p:sldLayoutId id="2147483658" r:id="rId10"/>
+    <p:sldLayoutId id="2147483659" r:id="rId11"/>
+    <p:sldLayoutId id="2147483660" r:id="rId12"/>
   </p:sldLayoutIdLst>
+  <p:txStyles>
+    <p:titleStyle>
+      <a:lvl1pPr algn="l" defTabSz="914400" rtl="0" eaLnBrk="1" latinLnBrk="0" hangingPunct="1">
+        <a:lnSpc>
+          <a:spcPct val="90000"/>
+        </a:lnSpc>
+        <a:spcBef>
+          <a:spcPct val="0"/>
+        </a:spcBef>
+        <a:buNone/>
+        <a:defRPr sz="4400" kern="1200">
+          <a:solidFill>
+            <a:schemeClr val="tx1"/>
+          </a:solidFill>
+          <a:latin typeface="+mj-lt"/>
+          <a:ea typeface="+mj-ea"/>
+          <a:cs typeface="+mj-cs"/>
+        </a:defRPr>
+      </a:lvl1pPr>
+    </p:titleStyle>
+    <p:bodyStyle>
+      <a:lvl1pPr marL="228600" indent="-228600" algn="l" defTabSz="914400" rtl="0" eaLnBrk="1" latinLnBrk="0" hangingPunct="1">
+        <a:lnSpc>
+          <a:spcPct val="90000"/>
+        </a:lnSpc>
+        <a:spcBef>
+          <a:spcPts val="1000"/>
+        </a:spcBef>
+        <a:buFont typeface="Arial" panose="020B0604020202020204" pitchFamily="34" charset="0"/>
+        <a:buChar char="•"/>
+        <a:defRPr sz="2800" kern="1200">
+          <a:solidFill>
+            <a:schemeClr val="tx1"/>
+          </a:solidFill>
+          <a:latin typeface="+mn-lt"/>
+          <a:ea typeface="+mn-ea"/>
+          <a:cs typeface="+mn-cs"/>
+        </a:defRPr>
+      </a:lvl1pPr>
+      <a:lvl2pPr marL="685800" indent="-228600" algn="l" defTabSz="914400" rtl="0" eaLnBrk="1" latinLnBrk="0" hangingPunct="1">
+        <a:lnSpc>
+          <a:spcPct val="90000"/>
+        </a:lnSpc>
+        <a:spcBef>
+          <a:spcPts val="500"/>
+        </a:spcBef>
+        <a:buFont typeface="Arial" panose="020B0604020202020204" pitchFamily="34" charset="0"/>
+        <a:buChar char="•"/>
+        <a:defRPr sz="2400" kern="1200">
+          <a:solidFill>
+            <a:schemeClr val="tx1"/>
+          </a:solidFill>
+          <a:latin typeface="+mn-lt"/>
+          <a:ea typeface="+mn-ea"/>
+          <a:cs typeface="+mn-cs"/>
+        </a:defRPr>
+      </a:lvl2pPr>
+      <a:lvl3pPr marL="1143000" indent="-228600" algn="l" defTabSz="914400" rtl="0" eaLnBrk="1" latinLnBrk="0" hangingPunct="1">
+        <a:lnSpc>
+          <a:spcPct val="90000"/>
+        </a:lnSpc>
+        <a:spcBef>
+          <a:spcPts val="500"/>
+        </a:spcBef>
+        <a:buFont typeface="Arial" panose="020B0604020202020204" pitchFamily="34" charset="0"/>
+        <a:buChar char="•"/>
+        <a:defRPr sz="2000" kern="1200">
+          <a:solidFill>
+            <a:schemeClr val="tx1"/>
+          </a:solidFill>
+          <a:latin typeface="+mn-lt"/>
+          <a:ea typeface="+mn-ea"/>
+          <a:cs typeface="+mn-cs"/>
+        </a:defRPr>
+      </a:lvl3pPr>
+      <a:lvl4pPr marL="1600200" indent="-228600" algn="l" defTabSz="914400" rtl="0" eaLnBrk="1" latinLnBrk="0" hangingPunct="1">
+        <a:lnSpc>
+          <a:spcPct val="90000"/>
+        </a:lnSpc>
+        <a:spcBef>
+          <a:spcPts val="500"/>
+        </a:spcBef>
+        <a:buFont typeface="Arial" panose="020B0604020202020204" pitchFamily="34" charset="0"/>
+        <a:buChar char="•"/>
+        <a:defRPr sz="1800" kern="1200">
+          <a:solidFill>
+            <a:schemeClr val="tx1"/>
+          </a:solidFill>
+          <a:latin typeface="+mn-lt"/>
+          <a:ea typeface="+mn-ea"/>
+          <a:cs typeface="+mn-cs"/>
+        </a:defRPr>
+      </a:lvl4pPr>
+      <a:lvl5pPr marL="2057400" indent="-228600" algn="l" defTabSz="914400" rtl="0" eaLnBrk="1" latinLnBrk="0" hangingPunct="1">
+        <a:lnSpc>
+          <a:spcPct val="90000"/>
+        </a:lnSpc>
+        <a:spcBef>
+          <a:spcPts val="500"/>
+        </a:spcBef>
+        <a:buFont typeface="Arial" panose="020B0604020202020204" pitchFamily="34" charset="0"/>
+        <a:buChar char="•"/>
+        <a:defRPr sz="1800" kern="1200">
+          <a:solidFill>
+            <a:schemeClr val="tx1"/>
+          </a:solidFill>
+          <a:latin typeface="+mn-lt"/>
+          <a:ea typeface="+mn-ea"/>
+          <a:cs typeface="+mn-cs"/>
+        </a:defRPr>
+      </a:lvl5pPr>
+      <a:lvl6pPr marL="2514600" indent="-228600" algn="l" defTabSz="914400" rtl="0" eaLnBrk="1" latinLnBrk="0" hangingPunct="1">
+        <a:lnSpc>
+          <a:spcPct val="90000"/>
+        </a:lnSpc>
+        <a:spcBef>
+          <a:spcPts val="500"/>
+        </a:spcBef>
+        <a:buFont typeface="Arial" panose="020B0604020202020204" pitchFamily="34" charset="0"/>
+        <a:buChar char="•"/>
+        <a:defRPr sz="1800" kern="1200">
+          <a:solidFill>
+            <a:schemeClr val="tx1"/>
+          </a:solidFill>
+          <a:latin typeface="+mn-lt"/>
+          <a:ea typeface="+mn-ea"/>
+          <a:cs typeface="+mn-cs"/>
+        </a:defRPr>
+      </a:lvl6pPr>
+      <a:lvl7pPr marL="2971800" indent="-228600" algn="l" defTabSz="914400" rtl="0" eaLnBrk="1" latinLnBrk="0" hangingPunct="1">
+        <a:lnSpc>
+          <a:spcPct val="90000"/>
+        </a:lnSpc>
+        <a:spcBef>
+          <a:spcPts val="500"/>
+        </a:spcBef>
+        <a:buFont typeface="Arial" panose="020B0604020202020204" pitchFamily="34" charset="0"/>
+        <a:buChar char="•"/>
+        <a:defRPr sz="1800" kern="1200">
+          <a:solidFill>
+            <a:schemeClr val="tx1"/>
+          </a:solidFill>
+          <a:latin typeface="+mn-lt"/>
+          <a:ea typeface="+mn-ea"/>
+          <a:cs typeface="+mn-cs"/>
+        </a:defRPr>
+      </a:lvl7pPr>
+      <a:lvl8pPr marL="3429000" indent="-228600" algn="l" defTabSz="914400" rtl="0" eaLnBrk="1" latinLnBrk="0" hangingPunct="1">
+        <a:lnSpc>
+          <a:spcPct val="90000"/>
+        </a:lnSpc>
+        <a:spcBef>
+          <a:spcPts val="500"/>
+        </a:spcBef>
+        <a:buFont typeface="Arial" panose="020B0604020202020204" pitchFamily="34" charset="0"/>
+        <a:buChar char="•"/>
+        <a:defRPr sz="1800" kern="1200">
+          <a:solidFill>
+            <a:schemeClr val="tx1"/>
+          </a:solidFill>
+          <a:latin typeface="+mn-lt"/>
+          <a:ea typeface="+mn-ea"/>
+          <a:cs typeface="+mn-cs"/>
+        </a:defRPr>
+      </a:lvl8pPr>
+      <a:lvl9pPr marL="3886200" indent="-228600" algn="l" defTabSz="914400" rtl="0" eaLnBrk="1" latinLnBrk="0" hangingPunct="1">
+        <a:lnSpc>
+          <a:spcPct val="90000"/>
+        </a:lnSpc>
+        <a:spcBef>
+          <a:spcPts val="500"/>
+        </a:spcBef>
+        <a:buFont typeface="Arial" panose="020B0604020202020204" pitchFamily="34" charset="0"/>
+        <a:buChar char="•"/>
+        <a:defRPr sz="1800" kern="1200">
+          <a:solidFill>
+            <a:schemeClr val="tx1"/>
+          </a:solidFill>
+          <a:latin typeface="+mn-lt"/>
+          <a:ea typeface="+mn-ea"/>
+          <a:cs typeface="+mn-cs"/>
+        </a:defRPr>
+      </a:lvl9pPr>
+    </p:bodyStyle>
+    <p:otherStyle>
+      <a:defPPr>
+        <a:defRPr lang="en-US"/>
+      </a:defPPr>
+      <a:lvl1pPr marL="0" algn="l" defTabSz="914400" rtl="0" eaLnBrk="1" latinLnBrk="0" hangingPunct="1">
+        <a:defRPr sz="1800" kern="1200">
+          <a:solidFill>
+            <a:schemeClr val="tx1"/>
+          </a:solidFill>
+          <a:latin typeface="+mn-lt"/>
+          <a:ea typeface="+mn-ea"/>
+          <a:cs typeface="+mn-cs"/>
+        </a:defRPr>
+      </a:lvl1pPr>
+      <a:lvl2pPr marL="457200" algn="l" defTabSz="914400" rtl="0" eaLnBrk="1" latinLnBrk="0" hangingPunct="1">
+        <a:defRPr sz="1800" kern="1200">
+          <a:solidFill>
+            <a:schemeClr val="tx1"/>
+          </a:solidFill>
+          <a:latin typeface="+mn-lt"/>
+          <a:ea typeface="+mn-ea"/>
+          <a:cs typeface="+mn-cs"/>
+        </a:defRPr>
+      </a:lvl2pPr>
+      <a:lvl3pPr marL="914400" algn="l" defTabSz="914400" rtl="0" eaLnBrk="1" latinLnBrk="0" hangingPunct="1">
+        <a:defRPr sz="1800" kern="1200">
+          <a:solidFill>
+            <a:schemeClr val="tx1"/>
+          </a:solidFill>
+          <a:latin typeface="+mn-lt"/>
+          <a:ea typeface="+mn-ea"/>
+          <a:cs typeface="+mn-cs"/>
+        </a:defRPr>
+      </a:lvl3pPr>
+      <a:lvl4pPr marL="1371600" algn="l" defTabSz="914400" rtl="0" eaLnBrk="1" latinLnBrk="0" hangingPunct="1">
+        <a:defRPr sz="1800" kern="1200">
+          <a:solidFill>
+            <a:schemeClr val="tx1"/>
+          </a:solidFill>
+          <a:latin typeface="+mn-lt"/>
+          <a:ea typeface="+mn-ea"/>
+          <a:cs typeface="+mn-cs"/>
+        </a:defRPr>
+      </a:lvl4pPr>
+      <a:lvl5pPr marL="1828800" algn="l" defTabSz="914400" rtl="0" eaLnBrk="1" latinLnBrk="0" hangingPunct="1">
+        <a:defRPr sz="1800" kern="1200">
+          <a:solidFill>
+            <a:schemeClr val="tx1"/>
+          </a:solidFill>
+          <a:latin typeface="+mn-lt"/>
+          <a:ea typeface="+mn-ea"/>
+          <a:cs typeface="+mn-cs"/>
+        </a:defRPr>
+      </a:lvl5pPr>
+      <a:lvl6pPr marL="2286000" algn="l" defTabSz="914400" rtl="0" eaLnBrk="1" latinLnBrk="0" hangingPunct="1">
+        <a:defRPr sz="1800" kern="1200">
+          <a:solidFill>
+            <a:schemeClr val="tx1"/>
+          </a:solidFill>
+          <a:latin typeface="+mn-lt"/>
+          <a:ea typeface="+mn-ea"/>
+          <a:cs typeface="+mn-cs"/>
+        </a:defRPr>
+      </a:lvl6pPr>
+      <a:lvl7pPr marL="2743200" algn="l" defTabSz="914400" rtl="0" eaLnBrk="1" latinLnBrk="0" hangingPunct="1">
+        <a:defRPr sz="1800" kern="1200">
+          <a:solidFill>
+            <a:schemeClr val="tx1"/>
+          </a:solidFill>
+          <a:latin typeface="+mn-lt"/>
+          <a:ea typeface="+mn-ea"/>
+          <a:cs typeface="+mn-cs"/>
+        </a:defRPr>
+      </a:lvl7pPr>
+      <a:lvl8pPr marL="3200400" algn="l" defTabSz="914400" rtl="0" eaLnBrk="1" latinLnBrk="0" hangingPunct="1">
+        <a:defRPr sz="1800" kern="1200">
+          <a:solidFill>
+            <a:schemeClr val="tx1"/>
+          </a:solidFill>
+          <a:latin typeface="+mn-lt"/>
+          <a:ea typeface="+mn-ea"/>
+          <a:cs typeface="+mn-cs"/>
+        </a:defRPr>
+      </a:lvl8pPr>
+      <a:lvl9pPr marL="3657600" algn="l" defTabSz="914400" rtl="0" eaLnBrk="1" latinLnBrk="0" hangingPunct="1">
+        <a:defRPr sz="1800" kern="1200">
+          <a:solidFill>
+            <a:schemeClr val="tx1"/>
+          </a:solidFill>
+          <a:latin typeface="+mn-lt"/>
+          <a:ea typeface="+mn-ea"/>
+          <a:cs typeface="+mn-cs"/>
+        </a:defRPr>
+      </a:lvl9pPr>
+    </p:otherStyle>
+  </p:txStyles>
 </p:sldMaster>
 </file>
 
 <file path=ppt/slides/slide1.xml><?xml version="1.0" encoding="utf-8"?>
-<p:sld xmlns:a="http://schemas.openxmlformats.org/drawingml/2006/main" xmlns:p="http://schemas.openxmlformats.org/presentationml/2006/main" xmlns:r="http://schemas.openxmlformats.org/officeDocument/2006/relationships" xmlns:p14="http://schemas.microsoft.com/office/powerpoint/2010/main" xmlns:p15="http://schemas.microsoft.com/office/powerpoint/2012/main" xmlns:mc="http://schemas.openxmlformats.org/markup-compatibility/2006">
+<p:sld xmlns:a="http://schemas.openxmlformats.org/drawingml/2006/main" xmlns:r="http://schemas.openxmlformats.org/officeDocument/2006/relationships" xmlns:p="http://schemas.openxmlformats.org/presentationml/2006/main">
   <p:cSld>
     <p:spTree>
       <p:nvGrpSpPr>
@@ -1758,32 +2160,6 @@
           <a:chExt cx="0" cy="0"/>
         </a:xfrm>
       </p:grpSpPr>
-      <p:sp>
-        <p:nvSpPr>
-          <p:cNvPr id="38" name="CustomShape 1"/>
-          <p:cNvSpPr/>
-          <p:nvPr/>
-        </p:nvSpPr>
-        <p:spPr>
-          <a:xfrm>
-            <a:off x="7070040" y="2136240"/>
-            <a:ext cx="2932920" cy="1554480"/>
-          </a:xfrm>
-          <a:prstGeom prst="ellipse">
-            <a:avLst/>
-          </a:prstGeom>
-          <a:solidFill>
-            <a:srgbClr val="cccccc"/>
-          </a:solidFill>
-          <a:ln/>
-        </p:spPr>
-        <p:style>
-          <a:lnRef idx="0"/>
-          <a:fillRef idx="0"/>
-          <a:effectRef idx="0"/>
-          <a:fontRef idx="minor"/>
-        </p:style>
-      </p:sp>
       <p:grpSp>
         <p:nvGrpSpPr>
           <p:cNvPr id="39" name="Group 2"/>
@@ -1813,14 +2189,20 @@
               <a:avLst/>
             </a:prstGeom>
             <a:solidFill>
-              <a:srgbClr val="cccccc"/>
+              <a:srgbClr val="CCCCCC"/>
             </a:solidFill>
             <a:ln/>
           </p:spPr>
           <p:style>
-            <a:lnRef idx="0"/>
-            <a:fillRef idx="0"/>
-            <a:effectRef idx="0"/>
+            <a:lnRef idx="0">
+              <a:scrgbClr r="0" g="0" b="0"/>
+            </a:lnRef>
+            <a:fillRef idx="0">
+              <a:scrgbClr r="0" g="0" b="0"/>
+            </a:fillRef>
+            <a:effectRef idx="0">
+              <a:scrgbClr r="0" g="0" b="0"/>
+            </a:effectRef>
             <a:fontRef idx="minor"/>
           </p:style>
         </p:sp>
@@ -1844,13 +2226,20 @@
             </a:ln>
           </p:spPr>
           <p:style>
-            <a:lnRef idx="0"/>
-            <a:fillRef idx="0"/>
-            <a:effectRef idx="0"/>
+            <a:lnRef idx="0">
+              <a:scrgbClr r="0" g="0" b="0"/>
+            </a:lnRef>
+            <a:fillRef idx="0">
+              <a:scrgbClr r="0" g="0" b="0"/>
+            </a:fillRef>
+            <a:effectRef idx="0">
+              <a:scrgbClr r="0" g="0" b="0"/>
+            </a:effectRef>
             <a:fontRef idx="minor"/>
           </p:style>
           <p:txBody>
-            <a:bodyPr lIns="90000" rIns="90000" tIns="45000" bIns="45000"/>
+            <a:bodyPr lIns="90000" tIns="45000" rIns="90000" bIns="45000"/>
+            <a:lstStyle/>
             <a:p>
               <a:pPr>
                 <a:lnSpc>
@@ -1858,126 +2247,16 @@
                 </a:lnSpc>
               </a:pPr>
               <a:r>
-                <a:rPr b="0" lang="en-US" sz="1400" spc="-1" strike="noStrike">
+                <a:rPr lang="en-US" sz="1400" b="0" strike="noStrike" spc="-1" dirty="0" smtClean="0">
                   <a:solidFill>
                     <a:srgbClr val="000000"/>
                   </a:solidFill>
                   <a:latin typeface="Arial"/>
                   <a:ea typeface="DejaVu Sans"/>
                 </a:rPr>
-                <a:t>R</a:t>
+                <a:t>    Receiver</a:t>
               </a:r>
-              <a:r>
-                <a:rPr b="0" lang="en-US" sz="1400" spc="-1" strike="noStrike">
-                  <a:solidFill>
-                    <a:srgbClr val="000000"/>
-                  </a:solidFill>
-                  <a:latin typeface="Arial"/>
-                  <a:ea typeface="DejaVu Sans"/>
-                </a:rPr>
-                <a:t>/</a:t>
-              </a:r>
-              <a:r>
-                <a:rPr b="0" lang="en-US" sz="1400" spc="-1" strike="noStrike">
-                  <a:solidFill>
-                    <a:srgbClr val="000000"/>
-                  </a:solidFill>
-                  <a:latin typeface="Arial"/>
-                  <a:ea typeface="DejaVu Sans"/>
-                </a:rPr>
-                <a:t>C</a:t>
-              </a:r>
-              <a:r>
-                <a:rPr b="0" lang="en-US" sz="1400" spc="-1" strike="noStrike">
-                  <a:solidFill>
-                    <a:srgbClr val="000000"/>
-                  </a:solidFill>
-                  <a:latin typeface="Arial"/>
-                  <a:ea typeface="DejaVu Sans"/>
-                </a:rPr>
-                <a:t> </a:t>
-              </a:r>
-              <a:r>
-                <a:rPr b="0" lang="en-US" sz="1400" spc="-1" strike="noStrike">
-                  <a:solidFill>
-                    <a:srgbClr val="000000"/>
-                  </a:solidFill>
-                  <a:latin typeface="Arial"/>
-                  <a:ea typeface="DejaVu Sans"/>
-                </a:rPr>
-                <a:t>R</a:t>
-              </a:r>
-              <a:r>
-                <a:rPr b="0" lang="en-US" sz="1400" spc="-1" strike="noStrike">
-                  <a:solidFill>
-                    <a:srgbClr val="000000"/>
-                  </a:solidFill>
-                  <a:latin typeface="Arial"/>
-                  <a:ea typeface="DejaVu Sans"/>
-                </a:rPr>
-                <a:t>e</a:t>
-              </a:r>
-              <a:r>
-                <a:rPr b="0" lang="en-US" sz="1400" spc="-1" strike="noStrike">
-                  <a:solidFill>
-                    <a:srgbClr val="000000"/>
-                  </a:solidFill>
-                  <a:latin typeface="Arial"/>
-                  <a:ea typeface="DejaVu Sans"/>
-                </a:rPr>
-                <a:t>c</a:t>
-              </a:r>
-              <a:r>
-                <a:rPr b="0" lang="en-US" sz="1400" spc="-1" strike="noStrike">
-                  <a:solidFill>
-                    <a:srgbClr val="000000"/>
-                  </a:solidFill>
-                  <a:latin typeface="Arial"/>
-                  <a:ea typeface="DejaVu Sans"/>
-                </a:rPr>
-                <a:t>e</a:t>
-              </a:r>
-              <a:r>
-                <a:rPr b="0" lang="en-US" sz="1400" spc="-1" strike="noStrike">
-                  <a:solidFill>
-                    <a:srgbClr val="000000"/>
-                  </a:solidFill>
-                  <a:latin typeface="Arial"/>
-                  <a:ea typeface="DejaVu Sans"/>
-                </a:rPr>
-                <a:t>i</a:t>
-              </a:r>
-              <a:r>
-                <a:rPr b="0" lang="en-US" sz="1400" spc="-1" strike="noStrike">
-                  <a:solidFill>
-                    <a:srgbClr val="000000"/>
-                  </a:solidFill>
-                  <a:latin typeface="Arial"/>
-                  <a:ea typeface="DejaVu Sans"/>
-                </a:rPr>
-                <a:t>v</a:t>
-              </a:r>
-              <a:r>
-                <a:rPr b="0" lang="en-US" sz="1400" spc="-1" strike="noStrike">
-                  <a:solidFill>
-                    <a:srgbClr val="000000"/>
-                  </a:solidFill>
-                  <a:latin typeface="Arial"/>
-                  <a:ea typeface="DejaVu Sans"/>
-                </a:rPr>
-                <a:t>e</a:t>
-              </a:r>
-              <a:r>
-                <a:rPr b="0" lang="en-US" sz="1400" spc="-1" strike="noStrike">
-                  <a:solidFill>
-                    <a:srgbClr val="000000"/>
-                  </a:solidFill>
-                  <a:latin typeface="Arial"/>
-                  <a:ea typeface="DejaVu Sans"/>
-                </a:rPr>
-                <a:t>r</a:t>
-              </a:r>
-              <a:endParaRPr b="0" lang="en-US" sz="1400" spc="-1" strike="noStrike">
+              <a:endParaRPr lang="en-US" sz="1400" b="0" strike="noStrike" spc="-1" dirty="0">
                 <a:latin typeface="Arial"/>
               </a:endParaRPr>
             </a:p>
@@ -2013,14 +2292,20 @@
               <a:avLst/>
             </a:prstGeom>
             <a:solidFill>
-              <a:srgbClr val="ff6600"/>
+              <a:srgbClr val="FF6600"/>
             </a:solidFill>
             <a:ln/>
           </p:spPr>
           <p:style>
-            <a:lnRef idx="0"/>
-            <a:fillRef idx="0"/>
-            <a:effectRef idx="0"/>
+            <a:lnRef idx="0">
+              <a:scrgbClr r="0" g="0" b="0"/>
+            </a:lnRef>
+            <a:fillRef idx="0">
+              <a:scrgbClr r="0" g="0" b="0"/>
+            </a:fillRef>
+            <a:effectRef idx="0">
+              <a:scrgbClr r="0" g="0" b="0"/>
+            </a:effectRef>
             <a:fontRef idx="minor"/>
           </p:style>
         </p:sp>
@@ -2044,13 +2329,20 @@
             </a:ln>
           </p:spPr>
           <p:style>
-            <a:lnRef idx="0"/>
-            <a:fillRef idx="0"/>
-            <a:effectRef idx="0"/>
+            <a:lnRef idx="0">
+              <a:scrgbClr r="0" g="0" b="0"/>
+            </a:lnRef>
+            <a:fillRef idx="0">
+              <a:scrgbClr r="0" g="0" b="0"/>
+            </a:fillRef>
+            <a:effectRef idx="0">
+              <a:scrgbClr r="0" g="0" b="0"/>
+            </a:effectRef>
             <a:fontRef idx="minor"/>
           </p:style>
           <p:txBody>
-            <a:bodyPr lIns="90000" rIns="90000" tIns="45000" bIns="45000"/>
+            <a:bodyPr lIns="90000" tIns="45000" rIns="90000" bIns="45000"/>
+            <a:lstStyle/>
             <a:p>
               <a:pPr>
                 <a:lnSpc>
@@ -2058,86 +2350,16 @@
                 </a:lnSpc>
               </a:pPr>
               <a:r>
-                <a:rPr b="0" lang="en-US" sz="1400" spc="-1" strike="noStrike">
+                <a:rPr lang="en-US" sz="1400" b="0" strike="noStrike" spc="-1">
                   <a:solidFill>
                     <a:srgbClr val="000000"/>
                   </a:solidFill>
                   <a:latin typeface="Arial"/>
                   <a:ea typeface="DejaVu Sans"/>
                 </a:rPr>
-                <a:t>  </a:t>
+                <a:t>  Demands</a:t>
               </a:r>
-              <a:r>
-                <a:rPr b="0" lang="en-US" sz="1400" spc="-1" strike="noStrike">
-                  <a:solidFill>
-                    <a:srgbClr val="000000"/>
-                  </a:solidFill>
-                  <a:latin typeface="Arial"/>
-                  <a:ea typeface="DejaVu Sans"/>
-                </a:rPr>
-                <a:t>D</a:t>
-              </a:r>
-              <a:r>
-                <a:rPr b="0" lang="en-US" sz="1400" spc="-1" strike="noStrike">
-                  <a:solidFill>
-                    <a:srgbClr val="000000"/>
-                  </a:solidFill>
-                  <a:latin typeface="Arial"/>
-                  <a:ea typeface="DejaVu Sans"/>
-                </a:rPr>
-                <a:t>e</a:t>
-              </a:r>
-              <a:r>
-                <a:rPr b="0" lang="en-US" sz="1400" spc="-1" strike="noStrike">
-                  <a:solidFill>
-                    <a:srgbClr val="000000"/>
-                  </a:solidFill>
-                  <a:latin typeface="Arial"/>
-                  <a:ea typeface="DejaVu Sans"/>
-                </a:rPr>
-                <a:t>m</a:t>
-              </a:r>
-              <a:r>
-                <a:rPr b="0" lang="en-US" sz="1400" spc="-1" strike="noStrike">
-                  <a:solidFill>
-                    <a:srgbClr val="000000"/>
-                  </a:solidFill>
-                  <a:latin typeface="Arial"/>
-                  <a:ea typeface="DejaVu Sans"/>
-                </a:rPr>
-                <a:t>a</a:t>
-              </a:r>
-              <a:r>
-                <a:rPr b="0" lang="en-US" sz="1400" spc="-1" strike="noStrike">
-                  <a:solidFill>
-                    <a:srgbClr val="000000"/>
-                  </a:solidFill>
-                  <a:latin typeface="Arial"/>
-                  <a:ea typeface="DejaVu Sans"/>
-                </a:rPr>
-                <a:t>n</a:t>
-              </a:r>
-              <a:r>
-                <a:rPr b="0" lang="en-US" sz="1400" spc="-1" strike="noStrike">
-                  <a:solidFill>
-                    <a:srgbClr val="000000"/>
-                  </a:solidFill>
-                  <a:latin typeface="Arial"/>
-                  <a:ea typeface="DejaVu Sans"/>
-                </a:rPr>
-                <a:t>d</a:t>
-              </a:r>
-              <a:r>
-                <a:rPr b="0" lang="en-US" sz="1400" spc="-1" strike="noStrike">
-                  <a:solidFill>
-                    <a:srgbClr val="000000"/>
-                  </a:solidFill>
-                  <a:latin typeface="Arial"/>
-                  <a:ea typeface="DejaVu Sans"/>
-                </a:rPr>
-                <a:t>s</a:t>
-              </a:r>
-              <a:endParaRPr b="0" lang="en-US" sz="1400" spc="-1" strike="noStrike">
+              <a:endParaRPr lang="en-US" sz="1400" b="0" strike="noStrike" spc="-1">
                 <a:latin typeface="Arial"/>
               </a:endParaRPr>
             </a:p>
@@ -2159,14 +2381,20 @@
             <a:avLst/>
           </a:prstGeom>
           <a:solidFill>
-            <a:srgbClr val="66ff00"/>
+            <a:srgbClr val="66FF00"/>
           </a:solidFill>
           <a:ln/>
         </p:spPr>
         <p:style>
-          <a:lnRef idx="0"/>
-          <a:fillRef idx="0"/>
-          <a:effectRef idx="0"/>
+          <a:lnRef idx="0">
+            <a:scrgbClr r="0" g="0" b="0"/>
+          </a:lnRef>
+          <a:fillRef idx="0">
+            <a:scrgbClr r="0" g="0" b="0"/>
+          </a:fillRef>
+          <a:effectRef idx="0">
+            <a:scrgbClr r="0" g="0" b="0"/>
+          </a:effectRef>
           <a:fontRef idx="minor"/>
         </p:style>
       </p:sp>
@@ -2190,13 +2418,20 @@
           </a:ln>
         </p:spPr>
         <p:style>
-          <a:lnRef idx="0"/>
-          <a:fillRef idx="0"/>
-          <a:effectRef idx="0"/>
+          <a:lnRef idx="0">
+            <a:scrgbClr r="0" g="0" b="0"/>
+          </a:lnRef>
+          <a:fillRef idx="0">
+            <a:scrgbClr r="0" g="0" b="0"/>
+          </a:fillRef>
+          <a:effectRef idx="0">
+            <a:scrgbClr r="0" g="0" b="0"/>
+          </a:effectRef>
           <a:fontRef idx="minor"/>
         </p:style>
         <p:txBody>
-          <a:bodyPr lIns="90000" rIns="90000" tIns="45000" bIns="45000"/>
+          <a:bodyPr lIns="90000" tIns="45000" rIns="90000" bIns="45000"/>
+          <a:lstStyle/>
           <a:p>
             <a:pPr>
               <a:lnSpc>
@@ -2204,7 +2439,7 @@
               </a:lnSpc>
             </a:pPr>
             <a:r>
-              <a:rPr b="0" lang="en-US" sz="1400" spc="-1" strike="noStrike">
+              <a:rPr lang="en-US" sz="1400" b="0" strike="noStrike" spc="-1">
                 <a:solidFill>
                   <a:srgbClr val="000000"/>
                 </a:solidFill>
@@ -2213,7 +2448,7 @@
               </a:rPr>
               <a:t>State</a:t>
             </a:r>
-            <a:endParaRPr b="0" lang="en-US" sz="1400" spc="-1" strike="noStrike">
+            <a:endParaRPr lang="en-US" sz="1400" b="0" strike="noStrike" spc="-1">
               <a:latin typeface="Arial"/>
             </a:endParaRPr>
           </a:p>
@@ -2248,14 +2483,20 @@
               <a:avLst/>
             </a:prstGeom>
             <a:solidFill>
-              <a:srgbClr val="ff6600"/>
+              <a:srgbClr val="FF6600"/>
             </a:solidFill>
             <a:ln/>
           </p:spPr>
           <p:style>
-            <a:lnRef idx="0"/>
-            <a:fillRef idx="0"/>
-            <a:effectRef idx="0"/>
+            <a:lnRef idx="0">
+              <a:scrgbClr r="0" g="0" b="0"/>
+            </a:lnRef>
+            <a:fillRef idx="0">
+              <a:scrgbClr r="0" g="0" b="0"/>
+            </a:fillRef>
+            <a:effectRef idx="0">
+              <a:scrgbClr r="0" g="0" b="0"/>
+            </a:effectRef>
             <a:fontRef idx="minor"/>
           </p:style>
         </p:sp>
@@ -2279,13 +2520,20 @@
             </a:ln>
           </p:spPr>
           <p:style>
-            <a:lnRef idx="0"/>
-            <a:fillRef idx="0"/>
-            <a:effectRef idx="0"/>
+            <a:lnRef idx="0">
+              <a:scrgbClr r="0" g="0" b="0"/>
+            </a:lnRef>
+            <a:fillRef idx="0">
+              <a:scrgbClr r="0" g="0" b="0"/>
+            </a:fillRef>
+            <a:effectRef idx="0">
+              <a:scrgbClr r="0" g="0" b="0"/>
+            </a:effectRef>
             <a:fontRef idx="minor"/>
           </p:style>
           <p:txBody>
-            <a:bodyPr lIns="90000" rIns="90000" tIns="45000" bIns="45000"/>
+            <a:bodyPr lIns="90000" tIns="45000" rIns="90000" bIns="45000"/>
+            <a:lstStyle/>
             <a:p>
               <a:pPr>
                 <a:lnSpc>
@@ -2293,26 +2541,16 @@
                 </a:lnSpc>
               </a:pPr>
               <a:r>
-                <a:rPr b="0" lang="en-US" sz="1400" spc="-1" strike="noStrike">
+                <a:rPr lang="en-US" sz="1400" b="0" strike="noStrike" spc="-1">
                   <a:solidFill>
                     <a:srgbClr val="000000"/>
                   </a:solidFill>
                   <a:latin typeface="Arial"/>
                   <a:ea typeface="DejaVu Sans"/>
                 </a:rPr>
-                <a:t>Dema</a:t>
+                <a:t>Demands</a:t>
               </a:r>
-              <a:r>
-                <a:rPr b="0" lang="en-US" sz="1400" spc="-1" strike="noStrike">
-                  <a:solidFill>
-                    <a:srgbClr val="000000"/>
-                  </a:solidFill>
-                  <a:latin typeface="Arial"/>
-                  <a:ea typeface="DejaVu Sans"/>
-                </a:rPr>
-                <a:t>nds</a:t>
-              </a:r>
-              <a:endParaRPr b="0" lang="en-US" sz="1400" spc="-1" strike="noStrike">
+              <a:endParaRPr lang="en-US" sz="1400" b="0" strike="noStrike" spc="-1">
                 <a:latin typeface="Arial"/>
               </a:endParaRPr>
             </a:p>
@@ -2334,14 +2572,20 @@
             <a:avLst/>
           </a:prstGeom>
           <a:solidFill>
-            <a:srgbClr val="729fcf"/>
+            <a:srgbClr val="729FCF"/>
           </a:solidFill>
           <a:ln/>
         </p:spPr>
         <p:style>
-          <a:lnRef idx="0"/>
-          <a:fillRef idx="0"/>
-          <a:effectRef idx="0"/>
+          <a:lnRef idx="0">
+            <a:scrgbClr r="0" g="0" b="0"/>
+          </a:lnRef>
+          <a:fillRef idx="0">
+            <a:scrgbClr r="0" g="0" b="0"/>
+          </a:fillRef>
+          <a:effectRef idx="0">
+            <a:scrgbClr r="0" g="0" b="0"/>
+          </a:effectRef>
           <a:fontRef idx="minor"/>
         </p:style>
       </p:sp>
@@ -2365,13 +2609,20 @@
           </a:ln>
         </p:spPr>
         <p:style>
-          <a:lnRef idx="0"/>
-          <a:fillRef idx="0"/>
-          <a:effectRef idx="0"/>
+          <a:lnRef idx="0">
+            <a:scrgbClr r="0" g="0" b="0"/>
+          </a:lnRef>
+          <a:fillRef idx="0">
+            <a:scrgbClr r="0" g="0" b="0"/>
+          </a:fillRef>
+          <a:effectRef idx="0">
+            <a:scrgbClr r="0" g="0" b="0"/>
+          </a:effectRef>
           <a:fontRef idx="minor"/>
         </p:style>
         <p:txBody>
-          <a:bodyPr lIns="90000" rIns="90000" tIns="45000" bIns="45000"/>
+          <a:bodyPr lIns="90000" tIns="45000" rIns="90000" bIns="45000"/>
+          <a:lstStyle/>
           <a:p>
             <a:pPr>
               <a:lnSpc>
@@ -2379,7 +2630,7 @@
               </a:lnSpc>
             </a:pPr>
             <a:r>
-              <a:rPr b="0" lang="en-US" sz="1400" spc="-1" strike="noStrike">
+              <a:rPr lang="en-US" sz="1400" b="0" strike="noStrike" spc="-1" dirty="0">
                 <a:solidFill>
                   <a:srgbClr val="000000"/>
                 </a:solidFill>
@@ -2388,7 +2639,7 @@
               </a:rPr>
               <a:t>Mixer</a:t>
             </a:r>
-            <a:endParaRPr b="0" lang="en-US" sz="1400" spc="-1" strike="noStrike">
+            <a:endParaRPr lang="en-US" sz="1400" b="0" strike="noStrike" spc="-1" dirty="0">
               <a:latin typeface="Arial"/>
             </a:endParaRPr>
           </a:p>
@@ -2409,14 +2660,20 @@
             <a:avLst/>
           </a:prstGeom>
           <a:solidFill>
-            <a:srgbClr val="cccccc"/>
+            <a:srgbClr val="CCCCCC"/>
           </a:solidFill>
           <a:ln/>
         </p:spPr>
         <p:style>
-          <a:lnRef idx="0"/>
-          <a:fillRef idx="0"/>
-          <a:effectRef idx="0"/>
+          <a:lnRef idx="0">
+            <a:scrgbClr r="0" g="0" b="0"/>
+          </a:lnRef>
+          <a:fillRef idx="0">
+            <a:scrgbClr r="0" g="0" b="0"/>
+          </a:fillRef>
+          <a:effectRef idx="0">
+            <a:scrgbClr r="0" g="0" b="0"/>
+          </a:effectRef>
           <a:fontRef idx="minor"/>
         </p:style>
       </p:sp>
@@ -2440,13 +2697,20 @@
           </a:ln>
         </p:spPr>
         <p:style>
-          <a:lnRef idx="0"/>
-          <a:fillRef idx="0"/>
-          <a:effectRef idx="0"/>
+          <a:lnRef idx="0">
+            <a:scrgbClr r="0" g="0" b="0"/>
+          </a:lnRef>
+          <a:fillRef idx="0">
+            <a:scrgbClr r="0" g="0" b="0"/>
+          </a:fillRef>
+          <a:effectRef idx="0">
+            <a:scrgbClr r="0" g="0" b="0"/>
+          </a:effectRef>
           <a:fontRef idx="minor"/>
         </p:style>
         <p:txBody>
-          <a:bodyPr lIns="90000" rIns="90000" tIns="45000" bIns="45000"/>
+          <a:bodyPr lIns="90000" tIns="45000" rIns="90000" bIns="45000"/>
+          <a:lstStyle/>
           <a:p>
             <a:pPr algn="ctr">
               <a:lnSpc>
@@ -2454,7 +2718,7 @@
               </a:lnSpc>
             </a:pPr>
             <a:r>
-              <a:rPr b="0" lang="en-US" sz="1500" spc="-1" strike="noStrike">
+              <a:rPr lang="en-US" sz="1500" b="0" strike="noStrike" spc="-1">
                 <a:solidFill>
                   <a:srgbClr val="000000"/>
                 </a:solidFill>
@@ -2463,7 +2727,7 @@
               </a:rPr>
               <a:t>PID </a:t>
             </a:r>
-            <a:endParaRPr b="0" lang="en-US" sz="1500" spc="-1" strike="noStrike">
+            <a:endParaRPr lang="en-US" sz="1500" b="0" strike="noStrike" spc="-1">
               <a:latin typeface="Arial"/>
             </a:endParaRPr>
           </a:p>
@@ -2474,7 +2738,7 @@
               </a:lnSpc>
             </a:pPr>
             <a:r>
-              <a:rPr b="0" lang="en-US" sz="1500" spc="-1" strike="noStrike">
+              <a:rPr lang="en-US" sz="1500" b="0" strike="noStrike" spc="-1">
                 <a:solidFill>
                   <a:srgbClr val="000000"/>
                 </a:solidFill>
@@ -2483,67 +2747,11 @@
               </a:rPr>
               <a:t>Controllers</a:t>
             </a:r>
-            <a:endParaRPr b="0" lang="en-US" sz="1500" spc="-1" strike="noStrike">
-              <a:latin typeface="Arial"/>
-            </a:endParaRPr>
-          </a:p>
-        </p:txBody>
-      </p:sp>
-      <p:sp>
-        <p:nvSpPr>
-          <p:cNvPr id="54" name="CustomShape 17"/>
-          <p:cNvSpPr/>
-          <p:nvPr/>
-        </p:nvSpPr>
-        <p:spPr>
-          <a:xfrm>
-            <a:off x="3981600" y="2578680"/>
-            <a:ext cx="172080" cy="182520"/>
-          </a:xfrm>
-          <a:prstGeom prst="ellipse">
-            <a:avLst/>
-          </a:prstGeom>
-          <a:noFill/>
-          <a:ln>
-            <a:solidFill>
-              <a:srgbClr val="3465a4"/>
-            </a:solidFill>
-          </a:ln>
-        </p:spPr>
-        <p:style>
-          <a:lnRef idx="0"/>
-          <a:fillRef idx="0"/>
-          <a:effectRef idx="0"/>
-          <a:fontRef idx="minor"/>
-        </p:style>
-      </p:sp>
-      <p:sp>
-        <p:nvSpPr>
-          <p:cNvPr id="55" name="CustomShape 18"/>
-          <p:cNvSpPr/>
-          <p:nvPr/>
-        </p:nvSpPr>
-        <p:spPr>
-          <a:xfrm>
-            <a:off x="3981960" y="2939040"/>
-            <a:ext cx="172080" cy="182520"/>
-          </a:xfrm>
-          <a:prstGeom prst="ellipse">
-            <a:avLst/>
-          </a:prstGeom>
-          <a:noFill/>
-          <a:ln>
-            <a:solidFill>
-              <a:srgbClr val="3465a4"/>
-            </a:solidFill>
-          </a:ln>
-        </p:spPr>
-        <p:style>
-          <a:lnRef idx="0"/>
-          <a:fillRef idx="0"/>
-          <a:effectRef idx="0"/>
-          <a:fontRef idx="minor"/>
-        </p:style>
+            <a:endParaRPr lang="en-US" sz="1500" b="0" strike="noStrike" spc="-1">
+              <a:latin typeface="Arial"/>
+            </a:endParaRPr>
+          </a:p>
+        </p:txBody>
       </p:sp>
       <p:grpSp>
         <p:nvGrpSpPr>
@@ -2574,14 +2782,20 @@
               <a:avLst/>
             </a:prstGeom>
             <a:solidFill>
-              <a:srgbClr val="cccccc"/>
+              <a:srgbClr val="CCCCCC"/>
             </a:solidFill>
             <a:ln/>
           </p:spPr>
           <p:style>
-            <a:lnRef idx="0"/>
-            <a:fillRef idx="0"/>
-            <a:effectRef idx="0"/>
+            <a:lnRef idx="0">
+              <a:scrgbClr r="0" g="0" b="0"/>
+            </a:lnRef>
+            <a:fillRef idx="0">
+              <a:scrgbClr r="0" g="0" b="0"/>
+            </a:fillRef>
+            <a:effectRef idx="0">
+              <a:scrgbClr r="0" g="0" b="0"/>
+            </a:effectRef>
             <a:fontRef idx="minor"/>
           </p:style>
         </p:sp>
@@ -2605,13 +2819,20 @@
             </a:ln>
           </p:spPr>
           <p:style>
-            <a:lnRef idx="0"/>
-            <a:fillRef idx="0"/>
-            <a:effectRef idx="0"/>
+            <a:lnRef idx="0">
+              <a:scrgbClr r="0" g="0" b="0"/>
+            </a:lnRef>
+            <a:fillRef idx="0">
+              <a:scrgbClr r="0" g="0" b="0"/>
+            </a:fillRef>
+            <a:effectRef idx="0">
+              <a:scrgbClr r="0" g="0" b="0"/>
+            </a:effectRef>
             <a:fontRef idx="minor"/>
           </p:style>
           <p:txBody>
-            <a:bodyPr lIns="90000" rIns="90000" tIns="45000" bIns="45000"/>
+            <a:bodyPr lIns="90000" tIns="45000" rIns="90000" bIns="45000"/>
+            <a:lstStyle/>
             <a:p>
               <a:pPr>
                 <a:lnSpc>
@@ -2619,26 +2840,16 @@
                 </a:lnSpc>
               </a:pPr>
               <a:r>
-                <a:rPr b="0" lang="en-US" sz="1400" spc="-1" strike="noStrike">
+                <a:rPr lang="en-US" sz="1400" b="0" strike="noStrike" spc="-1">
                   <a:solidFill>
                     <a:srgbClr val="000000"/>
                   </a:solidFill>
                   <a:latin typeface="Arial"/>
                   <a:ea typeface="DejaVu Sans"/>
                 </a:rPr>
-                <a:t>Sen</a:t>
+                <a:t>Sensors</a:t>
               </a:r>
-              <a:r>
-                <a:rPr b="0" lang="en-US" sz="1400" spc="-1" strike="noStrike">
-                  <a:solidFill>
-                    <a:srgbClr val="000000"/>
-                  </a:solidFill>
-                  <a:latin typeface="Arial"/>
-                  <a:ea typeface="DejaVu Sans"/>
-                </a:rPr>
-                <a:t>sors</a:t>
-              </a:r>
-              <a:endParaRPr b="0" lang="en-US" sz="1400" spc="-1" strike="noStrike">
+              <a:endParaRPr lang="en-US" sz="1400" b="0" strike="noStrike" spc="-1">
                 <a:latin typeface="Arial"/>
               </a:endParaRPr>
             </a:p>
@@ -2673,14 +2884,20 @@
                 <a:avLst/>
               </a:prstGeom>
               <a:solidFill>
-                <a:srgbClr val="729fcf"/>
+                <a:srgbClr val="729FCF"/>
               </a:solidFill>
               <a:ln/>
             </p:spPr>
             <p:style>
-              <a:lnRef idx="0"/>
-              <a:fillRef idx="0"/>
-              <a:effectRef idx="0"/>
+              <a:lnRef idx="0">
+                <a:scrgbClr r="0" g="0" b="0"/>
+              </a:lnRef>
+              <a:fillRef idx="0">
+                <a:scrgbClr r="0" g="0" b="0"/>
+              </a:fillRef>
+              <a:effectRef idx="0">
+                <a:scrgbClr r="0" g="0" b="0"/>
+              </a:effectRef>
               <a:fontRef idx="minor"/>
             </p:style>
           </p:sp>
@@ -2704,13 +2921,20 @@
               </a:ln>
             </p:spPr>
             <p:style>
-              <a:lnRef idx="0"/>
-              <a:fillRef idx="0"/>
-              <a:effectRef idx="0"/>
+              <a:lnRef idx="0">
+                <a:scrgbClr r="0" g="0" b="0"/>
+              </a:lnRef>
+              <a:fillRef idx="0">
+                <a:scrgbClr r="0" g="0" b="0"/>
+              </a:fillRef>
+              <a:effectRef idx="0">
+                <a:scrgbClr r="0" g="0" b="0"/>
+              </a:effectRef>
               <a:fontRef idx="minor"/>
             </p:style>
             <p:txBody>
-              <a:bodyPr lIns="90000" rIns="90000" tIns="45000" bIns="45000"/>
+              <a:bodyPr lIns="90000" tIns="45000" rIns="90000" bIns="45000"/>
+              <a:lstStyle/>
               <a:p>
                 <a:pPr>
                   <a:lnSpc>
@@ -2718,7 +2942,7 @@
                   </a:lnSpc>
                 </a:pPr>
                 <a:r>
-                  <a:rPr b="0" lang="en-US" sz="1400" spc="-1" strike="noStrike">
+                  <a:rPr lang="en-US" sz="1400" b="0" strike="noStrike" spc="-1">
                     <a:solidFill>
                       <a:srgbClr val="000000"/>
                     </a:solidFill>
@@ -2727,7 +2951,7 @@
                   </a:rPr>
                   <a:t>IMU</a:t>
                 </a:r>
-                <a:endParaRPr b="0" lang="en-US" sz="1400" spc="-1" strike="noStrike">
+                <a:endParaRPr lang="en-US" sz="1400" b="0" strike="noStrike" spc="-1">
                   <a:latin typeface="Arial"/>
                 </a:endParaRPr>
               </a:p>
@@ -2756,7 +2980,7 @@
             <a:solidFill>
               <a:srgbClr val="000000"/>
             </a:solidFill>
-            <a:tailEnd len="med" type="triangle" w="med"/>
+            <a:tailEnd type="triangle" w="med" len="med"/>
           </a:ln>
         </p:spPr>
       </p:cxnSp>
@@ -2781,7 +3005,7 @@
             <a:solidFill>
               <a:srgbClr val="000000"/>
             </a:solidFill>
-            <a:tailEnd len="med" type="triangle" w="med"/>
+            <a:tailEnd type="triangle" w="med" len="med"/>
           </a:ln>
         </p:spPr>
       </p:cxnSp>
@@ -2805,32 +3029,7 @@
             <a:solidFill>
               <a:srgbClr val="000000"/>
             </a:solidFill>
-            <a:tailEnd len="med" type="triangle" w="med"/>
-          </a:ln>
-        </p:spPr>
-      </p:cxnSp>
-      <p:cxnSp>
-        <p:nvCxnSpPr>
-          <p:cNvPr id="65" name="Line 28"/>
-          <p:cNvCxnSpPr>
-            <a:stCxn id="45" idx="2"/>
-            <a:endCxn id="56" idx="2"/>
-          </p:cNvCxnSpPr>
-          <p:nvPr/>
-        </p:nvCxnSpPr>
-        <p:spPr>
-          <a:xfrm flipH="1">
-            <a:off x="923040" y="3977280"/>
-            <a:ext cx="2021400" cy="320760"/>
-          </a:xfrm>
-          <a:prstGeom prst="curvedConnector3">
-            <a:avLst/>
-          </a:prstGeom>
-          <a:ln>
-            <a:solidFill>
-              <a:srgbClr val="000000"/>
-            </a:solidFill>
-            <a:tailEnd len="med" type="triangle" w="med"/>
+            <a:tailEnd type="triangle" w="med" len="med"/>
           </a:ln>
         </p:spPr>
       </p:cxnSp>
@@ -2854,7 +3053,7 @@
             <a:solidFill>
               <a:srgbClr val="000000"/>
             </a:solidFill>
-            <a:tailEnd len="med" type="triangle" w="med"/>
+            <a:tailEnd type="triangle" w="med" len="med"/>
           </a:ln>
         </p:spPr>
       </p:cxnSp>
@@ -2879,22 +3078,19 @@
             <a:solidFill>
               <a:srgbClr val="000000"/>
             </a:solidFill>
-            <a:tailEnd len="med" type="triangle" w="med"/>
+            <a:tailEnd type="triangle" w="med" len="med"/>
           </a:ln>
         </p:spPr>
       </p:cxnSp>
       <p:cxnSp>
         <p:nvCxnSpPr>
           <p:cNvPr id="68" name="Line 31"/>
-          <p:cNvCxnSpPr>
-            <a:stCxn id="47" idx="3"/>
-            <a:endCxn id="38" idx="1"/>
-          </p:cNvCxnSpPr>
+          <p:cNvCxnSpPr/>
           <p:nvPr/>
         </p:nvCxnSpPr>
         <p:spPr>
           <a:xfrm flipV="1">
-            <a:off x="6794280" y="2913480"/>
+            <a:off x="6818658" y="2904959"/>
             <a:ext cx="276120" cy="3960"/>
           </a:xfrm>
           <a:prstGeom prst="straightConnector1">
@@ -2904,32 +3100,7 @@
             <a:solidFill>
               <a:srgbClr val="000000"/>
             </a:solidFill>
-            <a:tailEnd len="med" type="triangle" w="med"/>
-          </a:ln>
-        </p:spPr>
-      </p:cxnSp>
-      <p:cxnSp>
-        <p:nvCxnSpPr>
-          <p:cNvPr id="69" name="Line 32"/>
-          <p:cNvCxnSpPr>
-            <a:stCxn id="38" idx="2"/>
-            <a:endCxn id="45" idx="2"/>
-          </p:cNvCxnSpPr>
-          <p:nvPr/>
-        </p:nvCxnSpPr>
-        <p:spPr>
-          <a:xfrm flipH="1">
-            <a:off x="2944080" y="3690720"/>
-            <a:ext cx="5592600" cy="286920"/>
-          </a:xfrm>
-          <a:prstGeom prst="curvedConnector3">
-            <a:avLst/>
-          </a:prstGeom>
-          <a:ln>
-            <a:solidFill>
-              <a:srgbClr val="000000"/>
-            </a:solidFill>
-            <a:tailEnd len="med" type="triangle" w="med"/>
+            <a:tailEnd type="triangle" w="med" len="med"/>
           </a:ln>
         </p:spPr>
       </p:cxnSp>
@@ -2948,14 +3119,20 @@
             <a:avLst/>
           </a:prstGeom>
           <a:solidFill>
-            <a:srgbClr val="729fcf"/>
+            <a:srgbClr val="729FCF"/>
           </a:solidFill>
           <a:ln/>
         </p:spPr>
         <p:style>
-          <a:lnRef idx="0"/>
-          <a:fillRef idx="0"/>
-          <a:effectRef idx="0"/>
+          <a:lnRef idx="0">
+            <a:scrgbClr r="0" g="0" b="0"/>
+          </a:lnRef>
+          <a:fillRef idx="0">
+            <a:scrgbClr r="0" g="0" b="0"/>
+          </a:fillRef>
+          <a:effectRef idx="0">
+            <a:scrgbClr r="0" g="0" b="0"/>
+          </a:effectRef>
           <a:fontRef idx="minor"/>
         </p:style>
       </p:sp>
@@ -2979,13 +3156,20 @@
           </a:ln>
         </p:spPr>
         <p:style>
-          <a:lnRef idx="0"/>
-          <a:fillRef idx="0"/>
-          <a:effectRef idx="0"/>
+          <a:lnRef idx="0">
+            <a:scrgbClr r="0" g="0" b="0"/>
+          </a:lnRef>
+          <a:fillRef idx="0">
+            <a:scrgbClr r="0" g="0" b="0"/>
+          </a:fillRef>
+          <a:effectRef idx="0">
+            <a:scrgbClr r="0" g="0" b="0"/>
+          </a:effectRef>
           <a:fontRef idx="minor"/>
         </p:style>
         <p:txBody>
-          <a:bodyPr lIns="90000" rIns="90000" tIns="45000" bIns="45000"/>
+          <a:bodyPr lIns="90000" tIns="45000" rIns="90000" bIns="45000"/>
+          <a:lstStyle/>
           <a:p>
             <a:pPr>
               <a:lnSpc>
@@ -2993,7 +3177,7 @@
               </a:lnSpc>
             </a:pPr>
             <a:r>
-              <a:rPr b="0" lang="en-US" sz="1400" spc="-1" strike="noStrike">
+              <a:rPr lang="en-US" sz="1400" b="0" strike="noStrike" spc="-1">
                 <a:solidFill>
                   <a:srgbClr val="000000"/>
                 </a:solidFill>
@@ -3002,7 +3186,7 @@
               </a:rPr>
               <a:t>Motors</a:t>
             </a:r>
-            <a:endParaRPr b="0" lang="en-US" sz="1400" spc="-1" strike="noStrike">
+            <a:endParaRPr lang="en-US" sz="1400" b="0" strike="noStrike" spc="-1">
               <a:latin typeface="Arial"/>
             </a:endParaRPr>
           </a:p>
@@ -3028,61 +3212,91 @@
             <a:solidFill>
               <a:srgbClr val="000000"/>
             </a:solidFill>
-            <a:tailEnd len="med" type="triangle" w="med"/>
+            <a:tailEnd type="triangle" w="med" len="med"/>
           </a:ln>
         </p:spPr>
       </p:cxnSp>
-      <p:sp>
-        <p:nvSpPr>
-          <p:cNvPr id="73" name="CustomShape 36"/>
-          <p:cNvSpPr/>
+      <p:cxnSp>
+        <p:nvCxnSpPr>
+          <p:cNvPr id="4" name="Curved Connector 3"/>
+          <p:cNvCxnSpPr>
+            <a:stCxn id="71" idx="2"/>
+            <a:endCxn id="45" idx="2"/>
+          </p:cNvCxnSpPr>
           <p:nvPr/>
-        </p:nvSpPr>
-        <p:spPr>
-          <a:xfrm>
-            <a:off x="8203320" y="3255840"/>
-            <a:ext cx="941040" cy="318600"/>
-          </a:xfrm>
-          <a:prstGeom prst="rect">
-            <a:avLst/>
-          </a:prstGeom>
-          <a:noFill/>
+        </p:nvCxnSpPr>
+        <p:spPr>
+          <a:xfrm rot="5400000">
+            <a:off x="5720670" y="302310"/>
+            <a:ext cx="898560" cy="6451380"/>
+          </a:xfrm>
+          <a:prstGeom prst="curvedConnector3">
+            <a:avLst>
+              <a:gd name="adj1" fmla="val 211844"/>
+            </a:avLst>
+          </a:prstGeom>
           <a:ln>
-            <a:noFill/>
+            <a:tailEnd type="triangle"/>
           </a:ln>
         </p:spPr>
         <p:style>
-          <a:lnRef idx="0"/>
-          <a:fillRef idx="0"/>
-          <a:effectRef idx="0"/>
-          <a:fontRef idx="minor"/>
+          <a:lnRef idx="1">
+            <a:schemeClr val="dk1"/>
+          </a:lnRef>
+          <a:fillRef idx="0">
+            <a:schemeClr val="dk1"/>
+          </a:fillRef>
+          <a:effectRef idx="0">
+            <a:schemeClr val="dk1"/>
+          </a:effectRef>
+          <a:fontRef idx="minor">
+            <a:schemeClr val="tx1"/>
+          </a:fontRef>
         </p:style>
-        <p:txBody>
-          <a:bodyPr lIns="90000" rIns="90000" tIns="45000" bIns="45000"/>
-          <a:p>
-            <a:pPr>
-              <a:lnSpc>
-                <a:spcPct val="100000"/>
-              </a:lnSpc>
-            </a:pPr>
-            <a:r>
-              <a:rPr b="0" lang="en-US" sz="1400" spc="-1" strike="noStrike">
-                <a:solidFill>
-                  <a:srgbClr val="000000"/>
-                </a:solidFill>
-                <a:latin typeface="Arial"/>
-                <a:ea typeface="DejaVu Sans"/>
-              </a:rPr>
-              <a:t>Actuator</a:t>
-            </a:r>
-            <a:endParaRPr b="0" lang="en-US" sz="1400" spc="-1" strike="noStrike">
-              <a:latin typeface="Arial"/>
-            </a:endParaRPr>
-          </a:p>
-        </p:txBody>
-      </p:sp>
+      </p:cxnSp>
+      <p:cxnSp>
+        <p:nvCxnSpPr>
+          <p:cNvPr id="74" name="Curved Connector 73"/>
+          <p:cNvCxnSpPr>
+            <a:stCxn id="45" idx="2"/>
+            <a:endCxn id="57" idx="4"/>
+          </p:cNvCxnSpPr>
+          <p:nvPr/>
+        </p:nvCxnSpPr>
+        <p:spPr>
+          <a:xfrm rot="5400000">
+            <a:off x="1773450" y="3126870"/>
+            <a:ext cx="320400" cy="2021220"/>
+          </a:xfrm>
+          <a:prstGeom prst="curvedConnector3">
+            <a:avLst>
+              <a:gd name="adj1" fmla="val 297890"/>
+            </a:avLst>
+          </a:prstGeom>
+          <a:ln>
+            <a:tailEnd type="triangle"/>
+          </a:ln>
+        </p:spPr>
+        <p:style>
+          <a:lnRef idx="1">
+            <a:schemeClr val="dk1"/>
+          </a:lnRef>
+          <a:fillRef idx="0">
+            <a:schemeClr val="dk1"/>
+          </a:fillRef>
+          <a:effectRef idx="0">
+            <a:schemeClr val="dk1"/>
+          </a:effectRef>
+          <a:fontRef idx="minor">
+            <a:schemeClr val="tx1"/>
+          </a:fontRef>
+        </p:style>
+      </p:cxnSp>
     </p:spTree>
   </p:cSld>
+  <p:clrMapOvr>
+    <a:masterClrMapping/>
+  </p:clrMapOvr>
   <p:timing>
     <p:tnLst>
       <p:par>
@@ -3091,14 +3305,14 @@
             <p:seq>
               <p:cTn id="2" dur="indefinite" nodeType="mainSeq"/>
               <p:prevCondLst>
-                <p:cond delay="0" evt="onPrev">
+                <p:cond evt="onPrev" delay="0">
                   <p:tgtEl>
                     <p:sldTgt/>
                   </p:tgtEl>
                 </p:cond>
               </p:prevCondLst>
               <p:nextCondLst>
-                <p:cond delay="0" evt="onNext">
+                <p:cond evt="onNext" delay="0">
                   <p:tgtEl>
                     <p:sldTgt/>
                   </p:tgtEl>
@@ -3124,31 +3338,31 @@
         <a:sysClr val="window" lastClr="FFFFFF"/>
       </a:lt1>
       <a:dk2>
-        <a:srgbClr val="1f497d"/>
+        <a:srgbClr val="1F497D"/>
       </a:dk2>
       <a:lt2>
-        <a:srgbClr val="eeece1"/>
+        <a:srgbClr val="EEECE1"/>
       </a:lt2>
       <a:accent1>
-        <a:srgbClr val="4f81bd"/>
+        <a:srgbClr val="4F81BD"/>
       </a:accent1>
       <a:accent2>
-        <a:srgbClr val="c0504d"/>
+        <a:srgbClr val="C0504D"/>
       </a:accent2>
       <a:accent3>
-        <a:srgbClr val="9bbb59"/>
+        <a:srgbClr val="9BBB59"/>
       </a:accent3>
       <a:accent4>
-        <a:srgbClr val="8064a2"/>
+        <a:srgbClr val="8064A2"/>
       </a:accent4>
       <a:accent5>
-        <a:srgbClr val="4bacc6"/>
+        <a:srgbClr val="4BACC6"/>
       </a:accent5>
       <a:accent6>
-        <a:srgbClr val="f79646"/>
+        <a:srgbClr val="F79646"/>
       </a:accent6>
       <a:hlink>
-        <a:srgbClr val="0000ff"/>
+        <a:srgbClr val="0000FF"/>
       </a:hlink>
       <a:folHlink>
         <a:srgbClr val="800080"/>
@@ -3333,5 +3547,7 @@
       </a:bgFillStyleLst>
     </a:fmtScheme>
   </a:themeElements>
+  <a:objectDefaults/>
+  <a:extraClrSchemeLst/>
 </a:theme>
 </file>